--- a/misc/code.pptx
+++ b/misc/code.pptx
@@ -4,6 +4,9 @@
   <p:sldMasterIdLst>
     <p:sldMasterId id="2147483648" r:id="rId1"/>
   </p:sldMasterIdLst>
+  <p:notesMasterIdLst>
+    <p:notesMasterId r:id="rId15"/>
+  </p:notesMasterIdLst>
   <p:sldIdLst>
     <p:sldId id="264" r:id="rId2"/>
     <p:sldId id="257" r:id="rId3"/>
@@ -13,6 +16,11 @@
     <p:sldId id="261" r:id="rId7"/>
     <p:sldId id="262" r:id="rId8"/>
     <p:sldId id="265" r:id="rId9"/>
+    <p:sldId id="267" r:id="rId10"/>
+    <p:sldId id="266" r:id="rId11"/>
+    <p:sldId id="268" r:id="rId12"/>
+    <p:sldId id="269" r:id="rId13"/>
+    <p:sldId id="270" r:id="rId14"/>
   </p:sldIdLst>
   <p:sldSz cx="12192000" cy="6858000"/>
   <p:notesSz cx="6858000" cy="9144000"/>
@@ -117,6 +125,523 @@
     </p:ext>
   </p:extLst>
 </p:presentation>
+</file>
+
+<file path=ppt/notesMasters/notesMaster1.xml><?xml version="1.0" encoding="utf-8"?>
+<p:notesMaster xmlns:a="http://schemas.openxmlformats.org/drawingml/2006/main" xmlns:r="http://schemas.openxmlformats.org/officeDocument/2006/relationships" xmlns:p="http://schemas.openxmlformats.org/presentationml/2006/main">
+  <p:cSld>
+    <p:bg>
+      <p:bgRef idx="1001">
+        <a:schemeClr val="bg1"/>
+      </p:bgRef>
+    </p:bg>
+    <p:spTree>
+      <p:nvGrpSpPr>
+        <p:cNvPr id="1" name=""/>
+        <p:cNvGrpSpPr/>
+        <p:nvPr/>
+      </p:nvGrpSpPr>
+      <p:grpSpPr>
+        <a:xfrm>
+          <a:off x="0" y="0"/>
+          <a:ext cx="0" cy="0"/>
+          <a:chOff x="0" y="0"/>
+          <a:chExt cx="0" cy="0"/>
+        </a:xfrm>
+      </p:grpSpPr>
+      <p:sp>
+        <p:nvSpPr>
+          <p:cNvPr id="2" name="Header Placeholder 1"/>
+          <p:cNvSpPr>
+            <a:spLocks noGrp="1"/>
+          </p:cNvSpPr>
+          <p:nvPr>
+            <p:ph type="hdr" sz="quarter"/>
+          </p:nvPr>
+        </p:nvSpPr>
+        <p:spPr>
+          <a:xfrm>
+            <a:off x="0" y="0"/>
+            <a:ext cx="2971800" cy="458788"/>
+          </a:xfrm>
+          <a:prstGeom prst="rect">
+            <a:avLst/>
+          </a:prstGeom>
+        </p:spPr>
+        <p:txBody>
+          <a:bodyPr vert="horz" lIns="91440" tIns="45720" rIns="91440" bIns="45720" rtlCol="0"/>
+          <a:lstStyle>
+            <a:lvl1pPr algn="l">
+              <a:defRPr sz="1200"/>
+            </a:lvl1pPr>
+          </a:lstStyle>
+          <a:p>
+            <a:endParaRPr lang="en-US"/>
+          </a:p>
+        </p:txBody>
+      </p:sp>
+      <p:sp>
+        <p:nvSpPr>
+          <p:cNvPr id="3" name="Date Placeholder 2"/>
+          <p:cNvSpPr>
+            <a:spLocks noGrp="1"/>
+          </p:cNvSpPr>
+          <p:nvPr>
+            <p:ph type="dt" idx="1"/>
+          </p:nvPr>
+        </p:nvSpPr>
+        <p:spPr>
+          <a:xfrm>
+            <a:off x="3884613" y="0"/>
+            <a:ext cx="2971800" cy="458788"/>
+          </a:xfrm>
+          <a:prstGeom prst="rect">
+            <a:avLst/>
+          </a:prstGeom>
+        </p:spPr>
+        <p:txBody>
+          <a:bodyPr vert="horz" lIns="91440" tIns="45720" rIns="91440" bIns="45720" rtlCol="0"/>
+          <a:lstStyle>
+            <a:lvl1pPr algn="r">
+              <a:defRPr sz="1200"/>
+            </a:lvl1pPr>
+          </a:lstStyle>
+          <a:p>
+            <a:fld id="{0DCAB2E6-51C4-F441-A568-A22ABBC589BB}" type="datetimeFigureOut">
+              <a:rPr lang="en-US" smtClean="0"/>
+              <a:t>7/24/19</a:t>
+            </a:fld>
+            <a:endParaRPr lang="en-US"/>
+          </a:p>
+        </p:txBody>
+      </p:sp>
+      <p:sp>
+        <p:nvSpPr>
+          <p:cNvPr id="4" name="Slide Image Placeholder 3"/>
+          <p:cNvSpPr>
+            <a:spLocks noGrp="1" noRot="1" noChangeAspect="1"/>
+          </p:cNvSpPr>
+          <p:nvPr>
+            <p:ph type="sldImg" idx="2"/>
+          </p:nvPr>
+        </p:nvSpPr>
+        <p:spPr>
+          <a:xfrm>
+            <a:off x="685800" y="1143000"/>
+            <a:ext cx="5486400" cy="3086100"/>
+          </a:xfrm>
+          <a:prstGeom prst="rect">
+            <a:avLst/>
+          </a:prstGeom>
+          <a:noFill/>
+          <a:ln w="12700">
+            <a:solidFill>
+              <a:prstClr val="black"/>
+            </a:solidFill>
+          </a:ln>
+        </p:spPr>
+        <p:txBody>
+          <a:bodyPr vert="horz" lIns="91440" tIns="45720" rIns="91440" bIns="45720" rtlCol="0" anchor="ctr"/>
+          <a:lstStyle/>
+          <a:p>
+            <a:endParaRPr lang="en-US"/>
+          </a:p>
+        </p:txBody>
+      </p:sp>
+      <p:sp>
+        <p:nvSpPr>
+          <p:cNvPr id="5" name="Notes Placeholder 4"/>
+          <p:cNvSpPr>
+            <a:spLocks noGrp="1"/>
+          </p:cNvSpPr>
+          <p:nvPr>
+            <p:ph type="body" sz="quarter" idx="3"/>
+          </p:nvPr>
+        </p:nvSpPr>
+        <p:spPr>
+          <a:xfrm>
+            <a:off x="685800" y="4400550"/>
+            <a:ext cx="5486400" cy="3600450"/>
+          </a:xfrm>
+          <a:prstGeom prst="rect">
+            <a:avLst/>
+          </a:prstGeom>
+        </p:spPr>
+        <p:txBody>
+          <a:bodyPr vert="horz" lIns="91440" tIns="45720" rIns="91440" bIns="45720" rtlCol="0"/>
+          <a:lstStyle/>
+          <a:p>
+            <a:pPr lvl="0"/>
+            <a:r>
+              <a:rPr lang="en-US"/>
+              <a:t>Edit Master text styles</a:t>
+            </a:r>
+          </a:p>
+          <a:p>
+            <a:pPr lvl="1"/>
+            <a:r>
+              <a:rPr lang="en-US"/>
+              <a:t>Second level</a:t>
+            </a:r>
+          </a:p>
+          <a:p>
+            <a:pPr lvl="2"/>
+            <a:r>
+              <a:rPr lang="en-US"/>
+              <a:t>Third level</a:t>
+            </a:r>
+          </a:p>
+          <a:p>
+            <a:pPr lvl="3"/>
+            <a:r>
+              <a:rPr lang="en-US"/>
+              <a:t>Fourth level</a:t>
+            </a:r>
+          </a:p>
+          <a:p>
+            <a:pPr lvl="4"/>
+            <a:r>
+              <a:rPr lang="en-US"/>
+              <a:t>Fifth level</a:t>
+            </a:r>
+          </a:p>
+        </p:txBody>
+      </p:sp>
+      <p:sp>
+        <p:nvSpPr>
+          <p:cNvPr id="6" name="Footer Placeholder 5"/>
+          <p:cNvSpPr>
+            <a:spLocks noGrp="1"/>
+          </p:cNvSpPr>
+          <p:nvPr>
+            <p:ph type="ftr" sz="quarter" idx="4"/>
+          </p:nvPr>
+        </p:nvSpPr>
+        <p:spPr>
+          <a:xfrm>
+            <a:off x="0" y="8685213"/>
+            <a:ext cx="2971800" cy="458787"/>
+          </a:xfrm>
+          <a:prstGeom prst="rect">
+            <a:avLst/>
+          </a:prstGeom>
+        </p:spPr>
+        <p:txBody>
+          <a:bodyPr vert="horz" lIns="91440" tIns="45720" rIns="91440" bIns="45720" rtlCol="0" anchor="b"/>
+          <a:lstStyle>
+            <a:lvl1pPr algn="l">
+              <a:defRPr sz="1200"/>
+            </a:lvl1pPr>
+          </a:lstStyle>
+          <a:p>
+            <a:endParaRPr lang="en-US"/>
+          </a:p>
+        </p:txBody>
+      </p:sp>
+      <p:sp>
+        <p:nvSpPr>
+          <p:cNvPr id="7" name="Slide Number Placeholder 6"/>
+          <p:cNvSpPr>
+            <a:spLocks noGrp="1"/>
+          </p:cNvSpPr>
+          <p:nvPr>
+            <p:ph type="sldNum" sz="quarter" idx="5"/>
+          </p:nvPr>
+        </p:nvSpPr>
+        <p:spPr>
+          <a:xfrm>
+            <a:off x="3884613" y="8685213"/>
+            <a:ext cx="2971800" cy="458787"/>
+          </a:xfrm>
+          <a:prstGeom prst="rect">
+            <a:avLst/>
+          </a:prstGeom>
+        </p:spPr>
+        <p:txBody>
+          <a:bodyPr vert="horz" lIns="91440" tIns="45720" rIns="91440" bIns="45720" rtlCol="0" anchor="b"/>
+          <a:lstStyle>
+            <a:lvl1pPr algn="r">
+              <a:defRPr sz="1200"/>
+            </a:lvl1pPr>
+          </a:lstStyle>
+          <a:p>
+            <a:fld id="{E06DF3DB-6D47-1F43-A449-839840CEEE50}" type="slidenum">
+              <a:rPr lang="en-US" smtClean="0"/>
+              <a:t>‹#›</a:t>
+            </a:fld>
+            <a:endParaRPr lang="en-US"/>
+          </a:p>
+        </p:txBody>
+      </p:sp>
+    </p:spTree>
+    <p:extLst>
+      <p:ext uri="{BB962C8B-B14F-4D97-AF65-F5344CB8AC3E}">
+        <p14:creationId xmlns:p14="http://schemas.microsoft.com/office/powerpoint/2010/main" val="1429326029"/>
+      </p:ext>
+    </p:extLst>
+  </p:cSld>
+  <p:clrMap bg1="lt1" tx1="dk1" bg2="lt2" tx2="dk2" accent1="accent1" accent2="accent2" accent3="accent3" accent4="accent4" accent5="accent5" accent6="accent6" hlink="hlink" folHlink="folHlink"/>
+  <p:notesStyle>
+    <a:lvl1pPr marL="0" algn="l" defTabSz="914400" rtl="0" eaLnBrk="1" latinLnBrk="0" hangingPunct="1">
+      <a:defRPr sz="1200" kern="1200">
+        <a:solidFill>
+          <a:schemeClr val="tx1"/>
+        </a:solidFill>
+        <a:latin typeface="+mn-lt"/>
+        <a:ea typeface="+mn-ea"/>
+        <a:cs typeface="+mn-cs"/>
+      </a:defRPr>
+    </a:lvl1pPr>
+    <a:lvl2pPr marL="457200" algn="l" defTabSz="914400" rtl="0" eaLnBrk="1" latinLnBrk="0" hangingPunct="1">
+      <a:defRPr sz="1200" kern="1200">
+        <a:solidFill>
+          <a:schemeClr val="tx1"/>
+        </a:solidFill>
+        <a:latin typeface="+mn-lt"/>
+        <a:ea typeface="+mn-ea"/>
+        <a:cs typeface="+mn-cs"/>
+      </a:defRPr>
+    </a:lvl2pPr>
+    <a:lvl3pPr marL="914400" algn="l" defTabSz="914400" rtl="0" eaLnBrk="1" latinLnBrk="0" hangingPunct="1">
+      <a:defRPr sz="1200" kern="1200">
+        <a:solidFill>
+          <a:schemeClr val="tx1"/>
+        </a:solidFill>
+        <a:latin typeface="+mn-lt"/>
+        <a:ea typeface="+mn-ea"/>
+        <a:cs typeface="+mn-cs"/>
+      </a:defRPr>
+    </a:lvl3pPr>
+    <a:lvl4pPr marL="1371600" algn="l" defTabSz="914400" rtl="0" eaLnBrk="1" latinLnBrk="0" hangingPunct="1">
+      <a:defRPr sz="1200" kern="1200">
+        <a:solidFill>
+          <a:schemeClr val="tx1"/>
+        </a:solidFill>
+        <a:latin typeface="+mn-lt"/>
+        <a:ea typeface="+mn-ea"/>
+        <a:cs typeface="+mn-cs"/>
+      </a:defRPr>
+    </a:lvl4pPr>
+    <a:lvl5pPr marL="1828800" algn="l" defTabSz="914400" rtl="0" eaLnBrk="1" latinLnBrk="0" hangingPunct="1">
+      <a:defRPr sz="1200" kern="1200">
+        <a:solidFill>
+          <a:schemeClr val="tx1"/>
+        </a:solidFill>
+        <a:latin typeface="+mn-lt"/>
+        <a:ea typeface="+mn-ea"/>
+        <a:cs typeface="+mn-cs"/>
+      </a:defRPr>
+    </a:lvl5pPr>
+    <a:lvl6pPr marL="2286000" algn="l" defTabSz="914400" rtl="0" eaLnBrk="1" latinLnBrk="0" hangingPunct="1">
+      <a:defRPr sz="1200" kern="1200">
+        <a:solidFill>
+          <a:schemeClr val="tx1"/>
+        </a:solidFill>
+        <a:latin typeface="+mn-lt"/>
+        <a:ea typeface="+mn-ea"/>
+        <a:cs typeface="+mn-cs"/>
+      </a:defRPr>
+    </a:lvl6pPr>
+    <a:lvl7pPr marL="2743200" algn="l" defTabSz="914400" rtl="0" eaLnBrk="1" latinLnBrk="0" hangingPunct="1">
+      <a:defRPr sz="1200" kern="1200">
+        <a:solidFill>
+          <a:schemeClr val="tx1"/>
+        </a:solidFill>
+        <a:latin typeface="+mn-lt"/>
+        <a:ea typeface="+mn-ea"/>
+        <a:cs typeface="+mn-cs"/>
+      </a:defRPr>
+    </a:lvl7pPr>
+    <a:lvl8pPr marL="3200400" algn="l" defTabSz="914400" rtl="0" eaLnBrk="1" latinLnBrk="0" hangingPunct="1">
+      <a:defRPr sz="1200" kern="1200">
+        <a:solidFill>
+          <a:schemeClr val="tx1"/>
+        </a:solidFill>
+        <a:latin typeface="+mn-lt"/>
+        <a:ea typeface="+mn-ea"/>
+        <a:cs typeface="+mn-cs"/>
+      </a:defRPr>
+    </a:lvl8pPr>
+    <a:lvl9pPr marL="3657600" algn="l" defTabSz="914400" rtl="0" eaLnBrk="1" latinLnBrk="0" hangingPunct="1">
+      <a:defRPr sz="1200" kern="1200">
+        <a:solidFill>
+          <a:schemeClr val="tx1"/>
+        </a:solidFill>
+        <a:latin typeface="+mn-lt"/>
+        <a:ea typeface="+mn-ea"/>
+        <a:cs typeface="+mn-cs"/>
+      </a:defRPr>
+    </a:lvl9pPr>
+  </p:notesStyle>
+</p:notesMaster>
+</file>
+
+<file path=ppt/notesSlides/notesSlide1.xml><?xml version="1.0" encoding="utf-8"?>
+<p:notes xmlns:a="http://schemas.openxmlformats.org/drawingml/2006/main" xmlns:r="http://schemas.openxmlformats.org/officeDocument/2006/relationships" xmlns:p="http://schemas.openxmlformats.org/presentationml/2006/main">
+  <p:cSld>
+    <p:spTree>
+      <p:nvGrpSpPr>
+        <p:cNvPr id="1" name=""/>
+        <p:cNvGrpSpPr/>
+        <p:nvPr/>
+      </p:nvGrpSpPr>
+      <p:grpSpPr>
+        <a:xfrm>
+          <a:off x="0" y="0"/>
+          <a:ext cx="0" cy="0"/>
+          <a:chOff x="0" y="0"/>
+          <a:chExt cx="0" cy="0"/>
+        </a:xfrm>
+      </p:grpSpPr>
+      <p:sp>
+        <p:nvSpPr>
+          <p:cNvPr id="2" name="Slide Image Placeholder 1"/>
+          <p:cNvSpPr>
+            <a:spLocks noGrp="1" noRot="1" noChangeAspect="1"/>
+          </p:cNvSpPr>
+          <p:nvPr>
+            <p:ph type="sldImg"/>
+          </p:nvPr>
+        </p:nvSpPr>
+        <p:spPr/>
+      </p:sp>
+      <p:sp>
+        <p:nvSpPr>
+          <p:cNvPr id="3" name="Notes Placeholder 2"/>
+          <p:cNvSpPr>
+            <a:spLocks noGrp="1"/>
+          </p:cNvSpPr>
+          <p:nvPr>
+            <p:ph type="body" idx="1"/>
+          </p:nvPr>
+        </p:nvSpPr>
+        <p:spPr/>
+        <p:txBody>
+          <a:bodyPr/>
+          <a:lstStyle/>
+          <a:p>
+            <a:endParaRPr lang="en-US" dirty="0"/>
+          </a:p>
+        </p:txBody>
+      </p:sp>
+      <p:sp>
+        <p:nvSpPr>
+          <p:cNvPr id="4" name="Slide Number Placeholder 3"/>
+          <p:cNvSpPr>
+            <a:spLocks noGrp="1"/>
+          </p:cNvSpPr>
+          <p:nvPr>
+            <p:ph type="sldNum" sz="quarter" idx="5"/>
+          </p:nvPr>
+        </p:nvSpPr>
+        <p:spPr/>
+        <p:txBody>
+          <a:bodyPr/>
+          <a:lstStyle/>
+          <a:p>
+            <a:fld id="{E06DF3DB-6D47-1F43-A449-839840CEEE50}" type="slidenum">
+              <a:rPr lang="en-US" smtClean="0"/>
+              <a:t>10</a:t>
+            </a:fld>
+            <a:endParaRPr lang="en-US"/>
+          </a:p>
+        </p:txBody>
+      </p:sp>
+    </p:spTree>
+    <p:extLst>
+      <p:ext uri="{BB962C8B-B14F-4D97-AF65-F5344CB8AC3E}">
+        <p14:creationId xmlns:p14="http://schemas.microsoft.com/office/powerpoint/2010/main" val="1347620125"/>
+      </p:ext>
+    </p:extLst>
+  </p:cSld>
+  <p:clrMapOvr>
+    <a:masterClrMapping/>
+  </p:clrMapOvr>
+</p:notes>
+</file>
+
+<file path=ppt/notesSlides/notesSlide2.xml><?xml version="1.0" encoding="utf-8"?>
+<p:notes xmlns:a="http://schemas.openxmlformats.org/drawingml/2006/main" xmlns:r="http://schemas.openxmlformats.org/officeDocument/2006/relationships" xmlns:p="http://schemas.openxmlformats.org/presentationml/2006/main">
+  <p:cSld>
+    <p:spTree>
+      <p:nvGrpSpPr>
+        <p:cNvPr id="1" name=""/>
+        <p:cNvGrpSpPr/>
+        <p:nvPr/>
+      </p:nvGrpSpPr>
+      <p:grpSpPr>
+        <a:xfrm>
+          <a:off x="0" y="0"/>
+          <a:ext cx="0" cy="0"/>
+          <a:chOff x="0" y="0"/>
+          <a:chExt cx="0" cy="0"/>
+        </a:xfrm>
+      </p:grpSpPr>
+      <p:sp>
+        <p:nvSpPr>
+          <p:cNvPr id="2" name="Slide Image Placeholder 1"/>
+          <p:cNvSpPr>
+            <a:spLocks noGrp="1" noRot="1" noChangeAspect="1"/>
+          </p:cNvSpPr>
+          <p:nvPr>
+            <p:ph type="sldImg"/>
+          </p:nvPr>
+        </p:nvSpPr>
+        <p:spPr/>
+      </p:sp>
+      <p:sp>
+        <p:nvSpPr>
+          <p:cNvPr id="3" name="Notes Placeholder 2"/>
+          <p:cNvSpPr>
+            <a:spLocks noGrp="1"/>
+          </p:cNvSpPr>
+          <p:nvPr>
+            <p:ph type="body" idx="1"/>
+          </p:nvPr>
+        </p:nvSpPr>
+        <p:spPr/>
+        <p:txBody>
+          <a:bodyPr/>
+          <a:lstStyle/>
+          <a:p>
+            <a:endParaRPr lang="en-US" dirty="0"/>
+          </a:p>
+        </p:txBody>
+      </p:sp>
+      <p:sp>
+        <p:nvSpPr>
+          <p:cNvPr id="4" name="Slide Number Placeholder 3"/>
+          <p:cNvSpPr>
+            <a:spLocks noGrp="1"/>
+          </p:cNvSpPr>
+          <p:nvPr>
+            <p:ph type="sldNum" sz="quarter" idx="5"/>
+          </p:nvPr>
+        </p:nvSpPr>
+        <p:spPr/>
+        <p:txBody>
+          <a:bodyPr/>
+          <a:lstStyle/>
+          <a:p>
+            <a:fld id="{E06DF3DB-6D47-1F43-A449-839840CEEE50}" type="slidenum">
+              <a:rPr lang="en-US" smtClean="0"/>
+              <a:t>11</a:t>
+            </a:fld>
+            <a:endParaRPr lang="en-US"/>
+          </a:p>
+        </p:txBody>
+      </p:sp>
+    </p:spTree>
+    <p:extLst>
+      <p:ext uri="{BB962C8B-B14F-4D97-AF65-F5344CB8AC3E}">
+        <p14:creationId xmlns:p14="http://schemas.microsoft.com/office/powerpoint/2010/main" val="3045507122"/>
+      </p:ext>
+    </p:extLst>
+  </p:cSld>
+  <p:clrMapOvr>
+    <a:masterClrMapping/>
+  </p:clrMapOvr>
+</p:notes>
 </file>
 
 <file path=ppt/slideLayouts/slideLayout1.xml><?xml version="1.0" encoding="utf-8"?>
@@ -3450,6 +3975,2821 @@
 </p:sld>
 </file>
 
+<file path=ppt/slides/slide10.xml><?xml version="1.0" encoding="utf-8"?>
+<p:sld xmlns:a="http://schemas.openxmlformats.org/drawingml/2006/main" xmlns:r="http://schemas.openxmlformats.org/officeDocument/2006/relationships" xmlns:p="http://schemas.openxmlformats.org/presentationml/2006/main">
+  <p:cSld>
+    <p:spTree>
+      <p:nvGrpSpPr>
+        <p:cNvPr id="1" name=""/>
+        <p:cNvGrpSpPr/>
+        <p:nvPr/>
+      </p:nvGrpSpPr>
+      <p:grpSpPr>
+        <a:xfrm>
+          <a:off x="0" y="0"/>
+          <a:ext cx="0" cy="0"/>
+          <a:chOff x="0" y="0"/>
+          <a:chExt cx="0" cy="0"/>
+        </a:xfrm>
+      </p:grpSpPr>
+      <p:sp>
+        <p:nvSpPr>
+          <p:cNvPr id="3" name="Content Placeholder 2">
+            <a:extLst>
+              <a:ext uri="{FF2B5EF4-FFF2-40B4-BE49-F238E27FC236}">
+                <a16:creationId xmlns:a16="http://schemas.microsoft.com/office/drawing/2014/main" id="{8065CE91-9491-9143-A1E4-2BA3F3AA7BDA}"/>
+              </a:ext>
+            </a:extLst>
+          </p:cNvPr>
+          <p:cNvSpPr>
+            <a:spLocks noGrp="1"/>
+          </p:cNvSpPr>
+          <p:nvPr>
+            <p:ph idx="1"/>
+          </p:nvPr>
+        </p:nvSpPr>
+        <p:spPr>
+          <a:xfrm>
+            <a:off x="838200" y="1825625"/>
+            <a:ext cx="10515600" cy="4240878"/>
+          </a:xfrm>
+        </p:spPr>
+        <p:txBody>
+          <a:bodyPr>
+            <a:normAutofit/>
+          </a:bodyPr>
+          <a:lstStyle/>
+          <a:p>
+            <a:r>
+              <a:rPr lang="en-US" dirty="0"/>
+              <a:t>When operator()(2,1) is called on the orange</a:t>
+            </a:r>
+            <a:br>
+              <a:rPr lang="en-US" dirty="0"/>
+            </a:br>
+            <a:r>
+              <a:rPr lang="en-US" dirty="0"/>
+              <a:t>rank:</a:t>
+            </a:r>
+          </a:p>
+          <a:p>
+            <a:pPr lvl="1"/>
+            <a:r>
+              <a:rPr lang="en-US" sz="2000" dirty="0"/>
+              <a:t>a promise&lt;Tile&gt; “2,1 p” is created</a:t>
+            </a:r>
+          </a:p>
+          <a:p>
+            <a:pPr lvl="1"/>
+            <a:r>
+              <a:rPr lang="en-US" sz="2000" dirty="0"/>
+              <a:t>the future&lt;Tile&gt; is replaced</a:t>
+            </a:r>
+            <a:br>
+              <a:rPr lang="en-US" sz="2000" dirty="0"/>
+            </a:br>
+            <a:r>
+              <a:rPr lang="en-US" sz="2000" dirty="0"/>
+              <a:t>by the future of the promise “2,1 n”</a:t>
+            </a:r>
+            <a:br>
+              <a:rPr lang="en-US" sz="2000" dirty="0"/>
+            </a:br>
+            <a:endParaRPr lang="en-US" sz="2000" dirty="0"/>
+          </a:p>
+          <a:p>
+            <a:pPr lvl="1"/>
+            <a:r>
+              <a:rPr lang="en-US" sz="2000" dirty="0"/>
+              <a:t>a future&lt;Wrapper&lt;Tile&gt;&gt; is created</a:t>
+            </a:r>
+            <a:br>
+              <a:rPr lang="en-US" sz="2000" dirty="0"/>
+            </a:br>
+            <a:r>
+              <a:rPr lang="en-US" sz="2000" dirty="0"/>
+              <a:t>from the “old” future&lt;Tile&gt; and returned.</a:t>
+            </a:r>
+            <a:br>
+              <a:rPr lang="en-US" sz="2000" dirty="0"/>
+            </a:br>
+            <a:r>
+              <a:rPr lang="en-US" sz="2000" dirty="0"/>
+              <a:t>(a synchronous .then is used, therefore the task is executed immediately if the future&lt;Tile&gt; is ready, otherwise the task is executed immediately after the “old” future&lt;Tile&gt; gets ready.</a:t>
+            </a:r>
+            <a:br>
+              <a:rPr lang="en-US" sz="2000" dirty="0"/>
+            </a:br>
+            <a:endParaRPr lang="en-US" sz="2000" dirty="0"/>
+          </a:p>
+          <a:p>
+            <a:pPr lvl="1"/>
+            <a:r>
+              <a:rPr lang="en-US" sz="2000" dirty="0"/>
+              <a:t>After the task that modify the Tile 2,1 is finished, the destructor of Wrapper&lt;Tile&gt; is called. It sets the value of “2,1 p” moving the modified Tile. </a:t>
+            </a:r>
+          </a:p>
+        </p:txBody>
+      </p:sp>
+      <p:sp>
+        <p:nvSpPr>
+          <p:cNvPr id="38" name="Rectangle 37">
+            <a:extLst>
+              <a:ext uri="{FF2B5EF4-FFF2-40B4-BE49-F238E27FC236}">
+                <a16:creationId xmlns:a16="http://schemas.microsoft.com/office/drawing/2014/main" id="{2ECCCAE9-F67B-2142-BFE0-F99ADDD1A6CB}"/>
+              </a:ext>
+            </a:extLst>
+          </p:cNvPr>
+          <p:cNvSpPr/>
+          <p:nvPr/>
+        </p:nvSpPr>
+        <p:spPr>
+          <a:xfrm>
+            <a:off x="8996516" y="3482753"/>
+            <a:ext cx="1524000" cy="648929"/>
+          </a:xfrm>
+          <a:prstGeom prst="rect">
+            <a:avLst/>
+          </a:prstGeom>
+        </p:spPr>
+        <p:style>
+          <a:lnRef idx="2">
+            <a:schemeClr val="accent3">
+              <a:shade val="50000"/>
+            </a:schemeClr>
+          </a:lnRef>
+          <a:fillRef idx="1">
+            <a:schemeClr val="accent3"/>
+          </a:fillRef>
+          <a:effectRef idx="0">
+            <a:schemeClr val="accent3"/>
+          </a:effectRef>
+          <a:fontRef idx="minor">
+            <a:schemeClr val="lt1"/>
+          </a:fontRef>
+        </p:style>
+        <p:txBody>
+          <a:bodyPr rtlCol="0" anchor="ctr"/>
+          <a:lstStyle/>
+          <a:p>
+            <a:pPr algn="ctr"/>
+            <a:endParaRPr lang="en-US"/>
+          </a:p>
+        </p:txBody>
+      </p:sp>
+      <p:sp>
+        <p:nvSpPr>
+          <p:cNvPr id="2" name="Title 1">
+            <a:extLst>
+              <a:ext uri="{FF2B5EF4-FFF2-40B4-BE49-F238E27FC236}">
+                <a16:creationId xmlns:a16="http://schemas.microsoft.com/office/drawing/2014/main" id="{CE0F46F3-BC9F-5644-AD8F-0CC76BAA1902}"/>
+              </a:ext>
+            </a:extLst>
+          </p:cNvPr>
+          <p:cNvSpPr>
+            <a:spLocks noGrp="1"/>
+          </p:cNvSpPr>
+          <p:nvPr>
+            <p:ph type="title"/>
+          </p:nvPr>
+        </p:nvSpPr>
+        <p:spPr>
+          <a:xfrm>
+            <a:off x="838200" y="365125"/>
+            <a:ext cx="10515600" cy="1325563"/>
+          </a:xfrm>
+        </p:spPr>
+        <p:txBody>
+          <a:bodyPr/>
+          <a:lstStyle/>
+          <a:p>
+            <a:r>
+              <a:rPr lang="en-US" dirty="0"/>
+              <a:t>Example operator() orange rank:</a:t>
+            </a:r>
+          </a:p>
+        </p:txBody>
+      </p:sp>
+      <p:sp>
+        <p:nvSpPr>
+          <p:cNvPr id="5" name="Rectangle 4">
+            <a:extLst>
+              <a:ext uri="{FF2B5EF4-FFF2-40B4-BE49-F238E27FC236}">
+                <a16:creationId xmlns:a16="http://schemas.microsoft.com/office/drawing/2014/main" id="{3B54EB16-7A5B-8A43-9817-9997554CD933}"/>
+              </a:ext>
+            </a:extLst>
+          </p:cNvPr>
+          <p:cNvSpPr/>
+          <p:nvPr/>
+        </p:nvSpPr>
+        <p:spPr>
+          <a:xfrm>
+            <a:off x="8889289" y="1837392"/>
+            <a:ext cx="651286" cy="473342"/>
+          </a:xfrm>
+          <a:prstGeom prst="rect">
+            <a:avLst/>
+          </a:prstGeom>
+        </p:spPr>
+        <p:style>
+          <a:lnRef idx="2">
+            <a:schemeClr val="accent2">
+              <a:shade val="50000"/>
+            </a:schemeClr>
+          </a:lnRef>
+          <a:fillRef idx="1">
+            <a:schemeClr val="accent2"/>
+          </a:fillRef>
+          <a:effectRef idx="0">
+            <a:schemeClr val="accent2"/>
+          </a:effectRef>
+          <a:fontRef idx="minor">
+            <a:schemeClr val="lt1"/>
+          </a:fontRef>
+        </p:style>
+        <p:txBody>
+          <a:bodyPr rtlCol="0" anchor="ctr"/>
+          <a:lstStyle/>
+          <a:p>
+            <a:pPr algn="ctr"/>
+            <a:r>
+              <a:rPr lang="en-US" dirty="0"/>
+              <a:t>0,1</a:t>
+            </a:r>
+          </a:p>
+        </p:txBody>
+      </p:sp>
+      <p:sp>
+        <p:nvSpPr>
+          <p:cNvPr id="10" name="Rectangle 9">
+            <a:extLst>
+              <a:ext uri="{FF2B5EF4-FFF2-40B4-BE49-F238E27FC236}">
+                <a16:creationId xmlns:a16="http://schemas.microsoft.com/office/drawing/2014/main" id="{F9613E89-3C6D-834E-A737-1A05FB110829}"/>
+              </a:ext>
+            </a:extLst>
+          </p:cNvPr>
+          <p:cNvSpPr/>
+          <p:nvPr/>
+        </p:nvSpPr>
+        <p:spPr>
+          <a:xfrm>
+            <a:off x="9643783" y="1825625"/>
+            <a:ext cx="651286" cy="473342"/>
+          </a:xfrm>
+          <a:prstGeom prst="rect">
+            <a:avLst/>
+          </a:prstGeom>
+        </p:spPr>
+        <p:style>
+          <a:lnRef idx="2">
+            <a:schemeClr val="accent2">
+              <a:shade val="50000"/>
+            </a:schemeClr>
+          </a:lnRef>
+          <a:fillRef idx="1">
+            <a:schemeClr val="accent2"/>
+          </a:fillRef>
+          <a:effectRef idx="0">
+            <a:schemeClr val="accent2"/>
+          </a:effectRef>
+          <a:fontRef idx="minor">
+            <a:schemeClr val="lt1"/>
+          </a:fontRef>
+        </p:style>
+        <p:txBody>
+          <a:bodyPr rtlCol="0" anchor="ctr"/>
+          <a:lstStyle/>
+          <a:p>
+            <a:pPr algn="ctr"/>
+            <a:r>
+              <a:rPr lang="en-US" dirty="0"/>
+              <a:t>2,1</a:t>
+            </a:r>
+          </a:p>
+        </p:txBody>
+      </p:sp>
+      <p:sp>
+        <p:nvSpPr>
+          <p:cNvPr id="14" name="Rectangle 13">
+            <a:extLst>
+              <a:ext uri="{FF2B5EF4-FFF2-40B4-BE49-F238E27FC236}">
+                <a16:creationId xmlns:a16="http://schemas.microsoft.com/office/drawing/2014/main" id="{8377B2CB-A14F-7647-90C7-D2F4420145D2}"/>
+              </a:ext>
+            </a:extLst>
+          </p:cNvPr>
+          <p:cNvSpPr/>
+          <p:nvPr/>
+        </p:nvSpPr>
+        <p:spPr>
+          <a:xfrm>
+            <a:off x="10376870" y="1825625"/>
+            <a:ext cx="651286" cy="473342"/>
+          </a:xfrm>
+          <a:prstGeom prst="rect">
+            <a:avLst/>
+          </a:prstGeom>
+        </p:spPr>
+        <p:style>
+          <a:lnRef idx="2">
+            <a:schemeClr val="accent2">
+              <a:shade val="50000"/>
+            </a:schemeClr>
+          </a:lnRef>
+          <a:fillRef idx="1">
+            <a:schemeClr val="accent2"/>
+          </a:fillRef>
+          <a:effectRef idx="0">
+            <a:schemeClr val="accent2"/>
+          </a:effectRef>
+          <a:fontRef idx="minor">
+            <a:schemeClr val="lt1"/>
+          </a:fontRef>
+        </p:style>
+        <p:txBody>
+          <a:bodyPr rtlCol="0" anchor="ctr"/>
+          <a:lstStyle/>
+          <a:p>
+            <a:pPr algn="ctr"/>
+            <a:r>
+              <a:rPr lang="en-US" dirty="0"/>
+              <a:t>0,3</a:t>
+            </a:r>
+          </a:p>
+        </p:txBody>
+      </p:sp>
+      <p:sp>
+        <p:nvSpPr>
+          <p:cNvPr id="18" name="Rectangle 17">
+            <a:extLst>
+              <a:ext uri="{FF2B5EF4-FFF2-40B4-BE49-F238E27FC236}">
+                <a16:creationId xmlns:a16="http://schemas.microsoft.com/office/drawing/2014/main" id="{14DA06FB-82C0-B24B-858E-FC6EDBA48007}"/>
+              </a:ext>
+            </a:extLst>
+          </p:cNvPr>
+          <p:cNvSpPr/>
+          <p:nvPr/>
+        </p:nvSpPr>
+        <p:spPr>
+          <a:xfrm>
+            <a:off x="11109957" y="1825625"/>
+            <a:ext cx="651286" cy="473342"/>
+          </a:xfrm>
+          <a:prstGeom prst="rect">
+            <a:avLst/>
+          </a:prstGeom>
+        </p:spPr>
+        <p:style>
+          <a:lnRef idx="2">
+            <a:schemeClr val="accent2">
+              <a:shade val="50000"/>
+            </a:schemeClr>
+          </a:lnRef>
+          <a:fillRef idx="1">
+            <a:schemeClr val="accent2"/>
+          </a:fillRef>
+          <a:effectRef idx="0">
+            <a:schemeClr val="accent2"/>
+          </a:effectRef>
+          <a:fontRef idx="minor">
+            <a:schemeClr val="lt1"/>
+          </a:fontRef>
+        </p:style>
+        <p:txBody>
+          <a:bodyPr rtlCol="0" anchor="ctr"/>
+          <a:lstStyle/>
+          <a:p>
+            <a:pPr algn="ctr"/>
+            <a:r>
+              <a:rPr lang="en-US" dirty="0"/>
+              <a:t>2,3</a:t>
+            </a:r>
+          </a:p>
+        </p:txBody>
+      </p:sp>
+      <p:sp>
+        <p:nvSpPr>
+          <p:cNvPr id="25" name="Rectangle 24">
+            <a:extLst>
+              <a:ext uri="{FF2B5EF4-FFF2-40B4-BE49-F238E27FC236}">
+                <a16:creationId xmlns:a16="http://schemas.microsoft.com/office/drawing/2014/main" id="{96E9BA96-A704-5A46-981D-5FB6B3A42990}"/>
+              </a:ext>
+            </a:extLst>
+          </p:cNvPr>
+          <p:cNvSpPr/>
+          <p:nvPr/>
+        </p:nvSpPr>
+        <p:spPr>
+          <a:xfrm>
+            <a:off x="8889289" y="2874474"/>
+            <a:ext cx="651286" cy="473342"/>
+          </a:xfrm>
+          <a:prstGeom prst="rect">
+            <a:avLst/>
+          </a:prstGeom>
+        </p:spPr>
+        <p:style>
+          <a:lnRef idx="2">
+            <a:schemeClr val="accent2">
+              <a:shade val="50000"/>
+            </a:schemeClr>
+          </a:lnRef>
+          <a:fillRef idx="1">
+            <a:schemeClr val="accent2"/>
+          </a:fillRef>
+          <a:effectRef idx="0">
+            <a:schemeClr val="accent2"/>
+          </a:effectRef>
+          <a:fontRef idx="minor">
+            <a:schemeClr val="lt1"/>
+          </a:fontRef>
+        </p:style>
+        <p:txBody>
+          <a:bodyPr rtlCol="0" anchor="ctr"/>
+          <a:lstStyle/>
+          <a:p>
+            <a:pPr algn="ctr"/>
+            <a:r>
+              <a:rPr lang="en-US" dirty="0"/>
+              <a:t>0,1</a:t>
+            </a:r>
+          </a:p>
+        </p:txBody>
+      </p:sp>
+      <p:sp>
+        <p:nvSpPr>
+          <p:cNvPr id="26" name="Rectangle 25">
+            <a:extLst>
+              <a:ext uri="{FF2B5EF4-FFF2-40B4-BE49-F238E27FC236}">
+                <a16:creationId xmlns:a16="http://schemas.microsoft.com/office/drawing/2014/main" id="{6F7FF820-0492-8C4D-9818-CE60A1FD1237}"/>
+              </a:ext>
+            </a:extLst>
+          </p:cNvPr>
+          <p:cNvSpPr/>
+          <p:nvPr/>
+        </p:nvSpPr>
+        <p:spPr>
+          <a:xfrm>
+            <a:off x="9643783" y="2862707"/>
+            <a:ext cx="651286" cy="473342"/>
+          </a:xfrm>
+          <a:prstGeom prst="rect">
+            <a:avLst/>
+          </a:prstGeom>
+        </p:spPr>
+        <p:style>
+          <a:lnRef idx="1">
+            <a:schemeClr val="accent2"/>
+          </a:lnRef>
+          <a:fillRef idx="2">
+            <a:schemeClr val="accent2"/>
+          </a:fillRef>
+          <a:effectRef idx="1">
+            <a:schemeClr val="accent2"/>
+          </a:effectRef>
+          <a:fontRef idx="minor">
+            <a:schemeClr val="dk1"/>
+          </a:fontRef>
+        </p:style>
+        <p:txBody>
+          <a:bodyPr rtlCol="0" anchor="ctr"/>
+          <a:lstStyle/>
+          <a:p>
+            <a:pPr algn="ctr"/>
+            <a:r>
+              <a:rPr lang="en-US" dirty="0"/>
+              <a:t>2,1 n</a:t>
+            </a:r>
+          </a:p>
+        </p:txBody>
+      </p:sp>
+      <p:sp>
+        <p:nvSpPr>
+          <p:cNvPr id="27" name="Rectangle 26">
+            <a:extLst>
+              <a:ext uri="{FF2B5EF4-FFF2-40B4-BE49-F238E27FC236}">
+                <a16:creationId xmlns:a16="http://schemas.microsoft.com/office/drawing/2014/main" id="{286DEF19-F25E-7E4B-95BB-345ECCB5D2EA}"/>
+              </a:ext>
+            </a:extLst>
+          </p:cNvPr>
+          <p:cNvSpPr/>
+          <p:nvPr/>
+        </p:nvSpPr>
+        <p:spPr>
+          <a:xfrm>
+            <a:off x="10376870" y="2862707"/>
+            <a:ext cx="651286" cy="473342"/>
+          </a:xfrm>
+          <a:prstGeom prst="rect">
+            <a:avLst/>
+          </a:prstGeom>
+        </p:spPr>
+        <p:style>
+          <a:lnRef idx="2">
+            <a:schemeClr val="accent2">
+              <a:shade val="50000"/>
+            </a:schemeClr>
+          </a:lnRef>
+          <a:fillRef idx="1">
+            <a:schemeClr val="accent2"/>
+          </a:fillRef>
+          <a:effectRef idx="0">
+            <a:schemeClr val="accent2"/>
+          </a:effectRef>
+          <a:fontRef idx="minor">
+            <a:schemeClr val="lt1"/>
+          </a:fontRef>
+        </p:style>
+        <p:txBody>
+          <a:bodyPr rtlCol="0" anchor="ctr"/>
+          <a:lstStyle/>
+          <a:p>
+            <a:pPr algn="ctr"/>
+            <a:r>
+              <a:rPr lang="en-US" dirty="0"/>
+              <a:t>0,3</a:t>
+            </a:r>
+          </a:p>
+        </p:txBody>
+      </p:sp>
+      <p:sp>
+        <p:nvSpPr>
+          <p:cNvPr id="28" name="Rectangle 27">
+            <a:extLst>
+              <a:ext uri="{FF2B5EF4-FFF2-40B4-BE49-F238E27FC236}">
+                <a16:creationId xmlns:a16="http://schemas.microsoft.com/office/drawing/2014/main" id="{AD4080A3-F76A-5A47-9A36-5D01637C5BDF}"/>
+              </a:ext>
+            </a:extLst>
+          </p:cNvPr>
+          <p:cNvSpPr/>
+          <p:nvPr/>
+        </p:nvSpPr>
+        <p:spPr>
+          <a:xfrm>
+            <a:off x="11109956" y="2862707"/>
+            <a:ext cx="651286" cy="473342"/>
+          </a:xfrm>
+          <a:prstGeom prst="rect">
+            <a:avLst/>
+          </a:prstGeom>
+        </p:spPr>
+        <p:style>
+          <a:lnRef idx="2">
+            <a:schemeClr val="accent2">
+              <a:shade val="50000"/>
+            </a:schemeClr>
+          </a:lnRef>
+          <a:fillRef idx="1">
+            <a:schemeClr val="accent2"/>
+          </a:fillRef>
+          <a:effectRef idx="0">
+            <a:schemeClr val="accent2"/>
+          </a:effectRef>
+          <a:fontRef idx="minor">
+            <a:schemeClr val="lt1"/>
+          </a:fontRef>
+        </p:style>
+        <p:txBody>
+          <a:bodyPr rtlCol="0" anchor="ctr"/>
+          <a:lstStyle/>
+          <a:p>
+            <a:pPr algn="ctr"/>
+            <a:r>
+              <a:rPr lang="en-US" dirty="0"/>
+              <a:t>2,3</a:t>
+            </a:r>
+          </a:p>
+        </p:txBody>
+      </p:sp>
+      <p:sp>
+        <p:nvSpPr>
+          <p:cNvPr id="29" name="Rectangle 28">
+            <a:extLst>
+              <a:ext uri="{FF2B5EF4-FFF2-40B4-BE49-F238E27FC236}">
+                <a16:creationId xmlns:a16="http://schemas.microsoft.com/office/drawing/2014/main" id="{E18965D4-85BA-4D42-BF4F-D5384239856A}"/>
+              </a:ext>
+            </a:extLst>
+          </p:cNvPr>
+          <p:cNvSpPr/>
+          <p:nvPr/>
+        </p:nvSpPr>
+        <p:spPr>
+          <a:xfrm>
+            <a:off x="7971863" y="2874474"/>
+            <a:ext cx="651286" cy="473342"/>
+          </a:xfrm>
+          <a:prstGeom prst="rect">
+            <a:avLst/>
+          </a:prstGeom>
+        </p:spPr>
+        <p:style>
+          <a:lnRef idx="2">
+            <a:schemeClr val="accent2">
+              <a:shade val="50000"/>
+            </a:schemeClr>
+          </a:lnRef>
+          <a:fillRef idx="1">
+            <a:schemeClr val="accent2"/>
+          </a:fillRef>
+          <a:effectRef idx="0">
+            <a:schemeClr val="accent2"/>
+          </a:effectRef>
+          <a:fontRef idx="minor">
+            <a:schemeClr val="lt1"/>
+          </a:fontRef>
+        </p:style>
+        <p:txBody>
+          <a:bodyPr rtlCol="0" anchor="ctr"/>
+          <a:lstStyle/>
+          <a:p>
+            <a:pPr algn="ctr"/>
+            <a:r>
+              <a:rPr lang="en-US" dirty="0"/>
+              <a:t>2,1</a:t>
+            </a:r>
+          </a:p>
+        </p:txBody>
+      </p:sp>
+      <p:sp>
+        <p:nvSpPr>
+          <p:cNvPr id="30" name="Rectangle 29">
+            <a:extLst>
+              <a:ext uri="{FF2B5EF4-FFF2-40B4-BE49-F238E27FC236}">
+                <a16:creationId xmlns:a16="http://schemas.microsoft.com/office/drawing/2014/main" id="{21981EFE-A307-F241-A3BD-E21490018B7A}"/>
+              </a:ext>
+            </a:extLst>
+          </p:cNvPr>
+          <p:cNvSpPr/>
+          <p:nvPr/>
+        </p:nvSpPr>
+        <p:spPr>
+          <a:xfrm>
+            <a:off x="7054437" y="2874474"/>
+            <a:ext cx="651286" cy="473342"/>
+          </a:xfrm>
+          <a:prstGeom prst="rect">
+            <a:avLst/>
+          </a:prstGeom>
+        </p:spPr>
+        <p:style>
+          <a:lnRef idx="1">
+            <a:schemeClr val="accent2"/>
+          </a:lnRef>
+          <a:fillRef idx="2">
+            <a:schemeClr val="accent2"/>
+          </a:fillRef>
+          <a:effectRef idx="1">
+            <a:schemeClr val="accent2"/>
+          </a:effectRef>
+          <a:fontRef idx="minor">
+            <a:schemeClr val="dk1"/>
+          </a:fontRef>
+        </p:style>
+        <p:txBody>
+          <a:bodyPr rtlCol="0" anchor="ctr"/>
+          <a:lstStyle/>
+          <a:p>
+            <a:pPr algn="ctr"/>
+            <a:r>
+              <a:rPr lang="en-US" dirty="0"/>
+              <a:t>2,1 p</a:t>
+            </a:r>
+          </a:p>
+        </p:txBody>
+      </p:sp>
+      <p:sp>
+        <p:nvSpPr>
+          <p:cNvPr id="35" name="U-Turn Arrow 34">
+            <a:extLst>
+              <a:ext uri="{FF2B5EF4-FFF2-40B4-BE49-F238E27FC236}">
+                <a16:creationId xmlns:a16="http://schemas.microsoft.com/office/drawing/2014/main" id="{F55BD660-FDC0-7940-8458-5513CB5889B6}"/>
+              </a:ext>
+            </a:extLst>
+          </p:cNvPr>
+          <p:cNvSpPr/>
+          <p:nvPr/>
+        </p:nvSpPr>
+        <p:spPr>
+          <a:xfrm flipH="1">
+            <a:off x="7315199" y="2603352"/>
+            <a:ext cx="2694791" cy="259355"/>
+          </a:xfrm>
+          <a:prstGeom prst="uturnArrow">
+            <a:avLst>
+              <a:gd name="adj1" fmla="val 30613"/>
+              <a:gd name="adj2" fmla="val 25000"/>
+              <a:gd name="adj3" fmla="val 31786"/>
+              <a:gd name="adj4" fmla="val 50000"/>
+              <a:gd name="adj5" fmla="val 100000"/>
+            </a:avLst>
+          </a:prstGeom>
+        </p:spPr>
+        <p:style>
+          <a:lnRef idx="1">
+            <a:schemeClr val="accent2"/>
+          </a:lnRef>
+          <a:fillRef idx="2">
+            <a:schemeClr val="accent2"/>
+          </a:fillRef>
+          <a:effectRef idx="1">
+            <a:schemeClr val="accent2"/>
+          </a:effectRef>
+          <a:fontRef idx="minor">
+            <a:schemeClr val="dk1"/>
+          </a:fontRef>
+        </p:style>
+        <p:txBody>
+          <a:bodyPr rtlCol="0" anchor="ctr"/>
+          <a:lstStyle/>
+          <a:p>
+            <a:pPr algn="ctr"/>
+            <a:endParaRPr lang="en-US">
+              <a:solidFill>
+                <a:schemeClr val="tx1"/>
+              </a:solidFill>
+            </a:endParaRPr>
+          </a:p>
+        </p:txBody>
+      </p:sp>
+      <p:sp>
+        <p:nvSpPr>
+          <p:cNvPr id="36" name="Rectangle 35">
+            <a:extLst>
+              <a:ext uri="{FF2B5EF4-FFF2-40B4-BE49-F238E27FC236}">
+                <a16:creationId xmlns:a16="http://schemas.microsoft.com/office/drawing/2014/main" id="{A97311B4-2B08-D041-B22B-C83AF33C0237}"/>
+              </a:ext>
+            </a:extLst>
+          </p:cNvPr>
+          <p:cNvSpPr/>
+          <p:nvPr/>
+        </p:nvSpPr>
+        <p:spPr>
+          <a:xfrm>
+            <a:off x="9111736" y="3568194"/>
+            <a:ext cx="651286" cy="473342"/>
+          </a:xfrm>
+          <a:prstGeom prst="rect">
+            <a:avLst/>
+          </a:prstGeom>
+        </p:spPr>
+        <p:style>
+          <a:lnRef idx="2">
+            <a:schemeClr val="accent2">
+              <a:shade val="50000"/>
+            </a:schemeClr>
+          </a:lnRef>
+          <a:fillRef idx="1">
+            <a:schemeClr val="accent2"/>
+          </a:fillRef>
+          <a:effectRef idx="0">
+            <a:schemeClr val="accent2"/>
+          </a:effectRef>
+          <a:fontRef idx="minor">
+            <a:schemeClr val="lt1"/>
+          </a:fontRef>
+        </p:style>
+        <p:txBody>
+          <a:bodyPr rtlCol="0" anchor="ctr"/>
+          <a:lstStyle/>
+          <a:p>
+            <a:pPr algn="ctr"/>
+            <a:r>
+              <a:rPr lang="en-US" dirty="0"/>
+              <a:t>2,1</a:t>
+            </a:r>
+          </a:p>
+        </p:txBody>
+      </p:sp>
+      <p:sp>
+        <p:nvSpPr>
+          <p:cNvPr id="37" name="Rectangle 36">
+            <a:extLst>
+              <a:ext uri="{FF2B5EF4-FFF2-40B4-BE49-F238E27FC236}">
+                <a16:creationId xmlns:a16="http://schemas.microsoft.com/office/drawing/2014/main" id="{5D500839-A966-3846-8231-34E09BF41B01}"/>
+              </a:ext>
+            </a:extLst>
+          </p:cNvPr>
+          <p:cNvSpPr/>
+          <p:nvPr/>
+        </p:nvSpPr>
+        <p:spPr>
+          <a:xfrm>
+            <a:off x="9763022" y="3568194"/>
+            <a:ext cx="651286" cy="473342"/>
+          </a:xfrm>
+          <a:prstGeom prst="rect">
+            <a:avLst/>
+          </a:prstGeom>
+        </p:spPr>
+        <p:style>
+          <a:lnRef idx="1">
+            <a:schemeClr val="accent2"/>
+          </a:lnRef>
+          <a:fillRef idx="2">
+            <a:schemeClr val="accent2"/>
+          </a:fillRef>
+          <a:effectRef idx="1">
+            <a:schemeClr val="accent2"/>
+          </a:effectRef>
+          <a:fontRef idx="minor">
+            <a:schemeClr val="dk1"/>
+          </a:fontRef>
+        </p:style>
+        <p:txBody>
+          <a:bodyPr rtlCol="0" anchor="ctr"/>
+          <a:lstStyle/>
+          <a:p>
+            <a:pPr algn="ctr"/>
+            <a:r>
+              <a:rPr lang="en-US" dirty="0"/>
+              <a:t>2,1 p</a:t>
+            </a:r>
+          </a:p>
+        </p:txBody>
+      </p:sp>
+      <p:sp>
+        <p:nvSpPr>
+          <p:cNvPr id="39" name="Bent Arrow 38">
+            <a:extLst>
+              <a:ext uri="{FF2B5EF4-FFF2-40B4-BE49-F238E27FC236}">
+                <a16:creationId xmlns:a16="http://schemas.microsoft.com/office/drawing/2014/main" id="{8D72D065-FAF5-D546-B767-C81E36984FCD}"/>
+              </a:ext>
+            </a:extLst>
+          </p:cNvPr>
+          <p:cNvSpPr/>
+          <p:nvPr/>
+        </p:nvSpPr>
+        <p:spPr>
+          <a:xfrm rot="10800000" flipH="1">
+            <a:off x="8278769" y="3359582"/>
+            <a:ext cx="717747" cy="524159"/>
+          </a:xfrm>
+          <a:prstGeom prst="bentArrow">
+            <a:avLst>
+              <a:gd name="adj1" fmla="val 9409"/>
+              <a:gd name="adj2" fmla="val 17849"/>
+              <a:gd name="adj3" fmla="val 25000"/>
+              <a:gd name="adj4" fmla="val 43750"/>
+            </a:avLst>
+          </a:prstGeom>
+        </p:spPr>
+        <p:style>
+          <a:lnRef idx="2">
+            <a:schemeClr val="accent3">
+              <a:shade val="50000"/>
+            </a:schemeClr>
+          </a:lnRef>
+          <a:fillRef idx="1">
+            <a:schemeClr val="accent3"/>
+          </a:fillRef>
+          <a:effectRef idx="0">
+            <a:schemeClr val="accent3"/>
+          </a:effectRef>
+          <a:fontRef idx="minor">
+            <a:schemeClr val="lt1"/>
+          </a:fontRef>
+        </p:style>
+        <p:txBody>
+          <a:bodyPr rtlCol="0" anchor="ctr"/>
+          <a:lstStyle/>
+          <a:p>
+            <a:pPr algn="ctr"/>
+            <a:endParaRPr lang="en-US">
+              <a:solidFill>
+                <a:schemeClr val="tx1"/>
+              </a:solidFill>
+            </a:endParaRPr>
+          </a:p>
+        </p:txBody>
+      </p:sp>
+      <p:sp>
+        <p:nvSpPr>
+          <p:cNvPr id="40" name="TextBox 39">
+            <a:extLst>
+              <a:ext uri="{FF2B5EF4-FFF2-40B4-BE49-F238E27FC236}">
+                <a16:creationId xmlns:a16="http://schemas.microsoft.com/office/drawing/2014/main" id="{3EAFF86F-08BD-3B4C-BD07-C529A8C2751C}"/>
+              </a:ext>
+            </a:extLst>
+          </p:cNvPr>
+          <p:cNvSpPr txBox="1"/>
+          <p:nvPr/>
+        </p:nvSpPr>
+        <p:spPr>
+          <a:xfrm>
+            <a:off x="8379824" y="3506196"/>
+            <a:ext cx="565539" cy="307777"/>
+          </a:xfrm>
+          <a:prstGeom prst="rect">
+            <a:avLst/>
+          </a:prstGeom>
+          <a:noFill/>
+        </p:spPr>
+        <p:txBody>
+          <a:bodyPr wrap="none" rtlCol="0">
+            <a:spAutoFit/>
+          </a:bodyPr>
+          <a:lstStyle/>
+          <a:p>
+            <a:r>
+              <a:rPr lang="en-US" sz="1400" dirty="0"/>
+              <a:t>.then</a:t>
+            </a:r>
+          </a:p>
+        </p:txBody>
+      </p:sp>
+      <p:sp>
+        <p:nvSpPr>
+          <p:cNvPr id="41" name="Right Arrow 40">
+            <a:extLst>
+              <a:ext uri="{FF2B5EF4-FFF2-40B4-BE49-F238E27FC236}">
+                <a16:creationId xmlns:a16="http://schemas.microsoft.com/office/drawing/2014/main" id="{30972BC8-A47D-9746-95AF-B3B8669F1C5A}"/>
+              </a:ext>
+            </a:extLst>
+          </p:cNvPr>
+          <p:cNvSpPr/>
+          <p:nvPr/>
+        </p:nvSpPr>
+        <p:spPr>
+          <a:xfrm>
+            <a:off x="10532713" y="3730751"/>
+            <a:ext cx="821087" cy="166757"/>
+          </a:xfrm>
+          <a:prstGeom prst="rightArrow">
+            <a:avLst>
+              <a:gd name="adj1" fmla="val 26351"/>
+              <a:gd name="adj2" fmla="val 63346"/>
+            </a:avLst>
+          </a:prstGeom>
+        </p:spPr>
+        <p:style>
+          <a:lnRef idx="2">
+            <a:schemeClr val="accent3">
+              <a:shade val="50000"/>
+            </a:schemeClr>
+          </a:lnRef>
+          <a:fillRef idx="1">
+            <a:schemeClr val="accent3"/>
+          </a:fillRef>
+          <a:effectRef idx="0">
+            <a:schemeClr val="accent3"/>
+          </a:effectRef>
+          <a:fontRef idx="minor">
+            <a:schemeClr val="lt1"/>
+          </a:fontRef>
+        </p:style>
+        <p:txBody>
+          <a:bodyPr rtlCol="0" anchor="ctr"/>
+          <a:lstStyle/>
+          <a:p>
+            <a:pPr algn="ctr"/>
+            <a:endParaRPr lang="en-US"/>
+          </a:p>
+        </p:txBody>
+      </p:sp>
+      <p:sp>
+        <p:nvSpPr>
+          <p:cNvPr id="42" name="TextBox 41">
+            <a:extLst>
+              <a:ext uri="{FF2B5EF4-FFF2-40B4-BE49-F238E27FC236}">
+                <a16:creationId xmlns:a16="http://schemas.microsoft.com/office/drawing/2014/main" id="{3A90A72C-4BD4-C24F-A489-D24FAFD23459}"/>
+              </a:ext>
+            </a:extLst>
+          </p:cNvPr>
+          <p:cNvSpPr txBox="1"/>
+          <p:nvPr/>
+        </p:nvSpPr>
+        <p:spPr>
+          <a:xfrm>
+            <a:off x="10532714" y="3519964"/>
+            <a:ext cx="646203" cy="307777"/>
+          </a:xfrm>
+          <a:prstGeom prst="rect">
+            <a:avLst/>
+          </a:prstGeom>
+          <a:noFill/>
+        </p:spPr>
+        <p:txBody>
+          <a:bodyPr wrap="none" rtlCol="0">
+            <a:spAutoFit/>
+          </a:bodyPr>
+          <a:lstStyle/>
+          <a:p>
+            <a:r>
+              <a:rPr lang="en-US" sz="1400" dirty="0"/>
+              <a:t>return</a:t>
+            </a:r>
+          </a:p>
+        </p:txBody>
+      </p:sp>
+    </p:spTree>
+    <p:extLst>
+      <p:ext uri="{BB962C8B-B14F-4D97-AF65-F5344CB8AC3E}">
+        <p14:creationId xmlns:p14="http://schemas.microsoft.com/office/powerpoint/2010/main" val="3546963974"/>
+      </p:ext>
+    </p:extLst>
+  </p:cSld>
+  <p:clrMapOvr>
+    <a:masterClrMapping/>
+  </p:clrMapOvr>
+</p:sld>
+</file>
+
+<file path=ppt/slides/slide11.xml><?xml version="1.0" encoding="utf-8"?>
+<p:sld xmlns:a="http://schemas.openxmlformats.org/drawingml/2006/main" xmlns:r="http://schemas.openxmlformats.org/officeDocument/2006/relationships" xmlns:p="http://schemas.openxmlformats.org/presentationml/2006/main">
+  <p:cSld>
+    <p:spTree>
+      <p:nvGrpSpPr>
+        <p:cNvPr id="1" name=""/>
+        <p:cNvGrpSpPr/>
+        <p:nvPr/>
+      </p:nvGrpSpPr>
+      <p:grpSpPr>
+        <a:xfrm>
+          <a:off x="0" y="0"/>
+          <a:ext cx="0" cy="0"/>
+          <a:chOff x="0" y="0"/>
+          <a:chExt cx="0" cy="0"/>
+        </a:xfrm>
+      </p:grpSpPr>
+      <p:sp>
+        <p:nvSpPr>
+          <p:cNvPr id="3" name="Content Placeholder 2">
+            <a:extLst>
+              <a:ext uri="{FF2B5EF4-FFF2-40B4-BE49-F238E27FC236}">
+                <a16:creationId xmlns:a16="http://schemas.microsoft.com/office/drawing/2014/main" id="{8065CE91-9491-9143-A1E4-2BA3F3AA7BDA}"/>
+              </a:ext>
+            </a:extLst>
+          </p:cNvPr>
+          <p:cNvSpPr>
+            <a:spLocks noGrp="1"/>
+          </p:cNvSpPr>
+          <p:nvPr>
+            <p:ph idx="1"/>
+          </p:nvPr>
+        </p:nvSpPr>
+        <p:spPr>
+          <a:xfrm>
+            <a:off x="838200" y="1825624"/>
+            <a:ext cx="10515600" cy="4712335"/>
+          </a:xfrm>
+        </p:spPr>
+        <p:txBody>
+          <a:bodyPr>
+            <a:normAutofit/>
+          </a:bodyPr>
+          <a:lstStyle/>
+          <a:p>
+            <a:r>
+              <a:rPr lang="en-US" dirty="0"/>
+              <a:t>When read(2,1) is called on the</a:t>
+            </a:r>
+            <a:br>
+              <a:rPr lang="en-US" dirty="0"/>
+            </a:br>
+            <a:r>
+              <a:rPr lang="en-US" dirty="0"/>
+              <a:t>orange rank:</a:t>
+            </a:r>
+          </a:p>
+          <a:p>
+            <a:pPr lvl="1"/>
+            <a:r>
+              <a:rPr lang="en-US" dirty="0"/>
+              <a:t>If the shared future of 2,1 doesn’t exist:</a:t>
+            </a:r>
+          </a:p>
+          <a:p>
+            <a:pPr lvl="2"/>
+            <a:r>
+              <a:rPr lang="en-US" dirty="0"/>
+              <a:t>a promise&lt;Tile&gt; “2,1 p” is created</a:t>
+            </a:r>
+          </a:p>
+          <a:p>
+            <a:pPr lvl="2"/>
+            <a:r>
+              <a:rPr lang="en-US" dirty="0"/>
+              <a:t>the future&lt;Tile&gt; is replaced</a:t>
+            </a:r>
+            <a:br>
+              <a:rPr lang="en-US" dirty="0"/>
+            </a:br>
+            <a:r>
+              <a:rPr lang="en-US" dirty="0"/>
+              <a:t>by the future of the promise “2,1 n”</a:t>
+            </a:r>
+          </a:p>
+          <a:p>
+            <a:pPr lvl="2"/>
+            <a:r>
+              <a:rPr lang="en-US" dirty="0"/>
+              <a:t>a </a:t>
+            </a:r>
+            <a:r>
+              <a:rPr lang="en-US" dirty="0" err="1"/>
+              <a:t>shared_future</a:t>
+            </a:r>
+            <a:r>
+              <a:rPr lang="en-US" dirty="0"/>
+              <a:t>&lt;Wrapper&lt;Tile&gt;&gt; “2,1 sf” is created</a:t>
+            </a:r>
+            <a:br>
+              <a:rPr lang="en-US" dirty="0"/>
+            </a:br>
+            <a:r>
+              <a:rPr lang="en-US" dirty="0"/>
+              <a:t>from the “old” future&lt;Tile&gt; stored in the pointer and returned.</a:t>
+            </a:r>
+          </a:p>
+          <a:p>
+            <a:pPr lvl="1"/>
+            <a:r>
+              <a:rPr lang="en-US" dirty="0"/>
+              <a:t>Otherwise the shared future is returned</a:t>
+            </a:r>
+          </a:p>
+          <a:p>
+            <a:pPr lvl="2"/>
+            <a:r>
+              <a:rPr lang="en-US" dirty="0"/>
+              <a:t>The copy of the </a:t>
+            </a:r>
+            <a:r>
+              <a:rPr lang="en-US" dirty="0" err="1"/>
+              <a:t>shared_future</a:t>
+            </a:r>
+            <a:r>
+              <a:rPr lang="en-US" dirty="0"/>
+              <a:t> stored in the Matrix is destroyed when operator() is called for the same tile.</a:t>
+            </a:r>
+          </a:p>
+          <a:p>
+            <a:pPr lvl="1"/>
+            <a:r>
+              <a:rPr lang="en-US" dirty="0"/>
+              <a:t>After </a:t>
+            </a:r>
+            <a:r>
+              <a:rPr lang="en-US" dirty="0">
+                <a:solidFill>
+                  <a:srgbClr val="FF0000"/>
+                </a:solidFill>
+              </a:rPr>
+              <a:t>all</a:t>
+            </a:r>
+            <a:r>
+              <a:rPr lang="en-US" dirty="0"/>
+              <a:t> the task that read the Tile 2,1 are finished, the destructor of Wrapper&lt;Tile&gt; is called. It sets the value of “2,1 p” moving the modified Tile. </a:t>
+            </a:r>
+          </a:p>
+          <a:p>
+            <a:pPr lvl="1"/>
+            <a:endParaRPr lang="en-US" dirty="0"/>
+          </a:p>
+        </p:txBody>
+      </p:sp>
+      <p:sp>
+        <p:nvSpPr>
+          <p:cNvPr id="38" name="Rectangle 37">
+            <a:extLst>
+              <a:ext uri="{FF2B5EF4-FFF2-40B4-BE49-F238E27FC236}">
+                <a16:creationId xmlns:a16="http://schemas.microsoft.com/office/drawing/2014/main" id="{2ECCCAE9-F67B-2142-BFE0-F99ADDD1A6CB}"/>
+              </a:ext>
+            </a:extLst>
+          </p:cNvPr>
+          <p:cNvSpPr/>
+          <p:nvPr/>
+        </p:nvSpPr>
+        <p:spPr>
+          <a:xfrm>
+            <a:off x="9075174" y="2519192"/>
+            <a:ext cx="1524000" cy="648929"/>
+          </a:xfrm>
+          <a:prstGeom prst="rect">
+            <a:avLst/>
+          </a:prstGeom>
+        </p:spPr>
+        <p:style>
+          <a:lnRef idx="2">
+            <a:schemeClr val="accent3">
+              <a:shade val="50000"/>
+            </a:schemeClr>
+          </a:lnRef>
+          <a:fillRef idx="1">
+            <a:schemeClr val="accent3"/>
+          </a:fillRef>
+          <a:effectRef idx="0">
+            <a:schemeClr val="accent3"/>
+          </a:effectRef>
+          <a:fontRef idx="minor">
+            <a:schemeClr val="lt1"/>
+          </a:fontRef>
+        </p:style>
+        <p:txBody>
+          <a:bodyPr rtlCol="0" anchor="ctr"/>
+          <a:lstStyle/>
+          <a:p>
+            <a:pPr algn="ctr"/>
+            <a:endParaRPr lang="en-US"/>
+          </a:p>
+        </p:txBody>
+      </p:sp>
+      <p:sp>
+        <p:nvSpPr>
+          <p:cNvPr id="2" name="Title 1">
+            <a:extLst>
+              <a:ext uri="{FF2B5EF4-FFF2-40B4-BE49-F238E27FC236}">
+                <a16:creationId xmlns:a16="http://schemas.microsoft.com/office/drawing/2014/main" id="{CE0F46F3-BC9F-5644-AD8F-0CC76BAA1902}"/>
+              </a:ext>
+            </a:extLst>
+          </p:cNvPr>
+          <p:cNvSpPr>
+            <a:spLocks noGrp="1"/>
+          </p:cNvSpPr>
+          <p:nvPr>
+            <p:ph type="title"/>
+          </p:nvPr>
+        </p:nvSpPr>
+        <p:spPr>
+          <a:xfrm>
+            <a:off x="838200" y="365125"/>
+            <a:ext cx="10515600" cy="1325563"/>
+          </a:xfrm>
+        </p:spPr>
+        <p:txBody>
+          <a:bodyPr/>
+          <a:lstStyle/>
+          <a:p>
+            <a:r>
+              <a:rPr lang="en-US" dirty="0"/>
+              <a:t>Example read() orange rank:</a:t>
+            </a:r>
+          </a:p>
+        </p:txBody>
+      </p:sp>
+      <p:sp>
+        <p:nvSpPr>
+          <p:cNvPr id="5" name="Rectangle 4">
+            <a:extLst>
+              <a:ext uri="{FF2B5EF4-FFF2-40B4-BE49-F238E27FC236}">
+                <a16:creationId xmlns:a16="http://schemas.microsoft.com/office/drawing/2014/main" id="{3B54EB16-7A5B-8A43-9817-9997554CD933}"/>
+              </a:ext>
+            </a:extLst>
+          </p:cNvPr>
+          <p:cNvSpPr/>
+          <p:nvPr/>
+        </p:nvSpPr>
+        <p:spPr>
+          <a:xfrm>
+            <a:off x="8967947" y="609563"/>
+            <a:ext cx="651286" cy="473342"/>
+          </a:xfrm>
+          <a:prstGeom prst="rect">
+            <a:avLst/>
+          </a:prstGeom>
+        </p:spPr>
+        <p:style>
+          <a:lnRef idx="2">
+            <a:schemeClr val="accent2">
+              <a:shade val="50000"/>
+            </a:schemeClr>
+          </a:lnRef>
+          <a:fillRef idx="1">
+            <a:schemeClr val="accent2"/>
+          </a:fillRef>
+          <a:effectRef idx="0">
+            <a:schemeClr val="accent2"/>
+          </a:effectRef>
+          <a:fontRef idx="minor">
+            <a:schemeClr val="lt1"/>
+          </a:fontRef>
+        </p:style>
+        <p:txBody>
+          <a:bodyPr rtlCol="0" anchor="ctr"/>
+          <a:lstStyle/>
+          <a:p>
+            <a:pPr algn="ctr"/>
+            <a:r>
+              <a:rPr lang="en-US" dirty="0"/>
+              <a:t>0,1</a:t>
+            </a:r>
+          </a:p>
+        </p:txBody>
+      </p:sp>
+      <p:sp>
+        <p:nvSpPr>
+          <p:cNvPr id="10" name="Rectangle 9">
+            <a:extLst>
+              <a:ext uri="{FF2B5EF4-FFF2-40B4-BE49-F238E27FC236}">
+                <a16:creationId xmlns:a16="http://schemas.microsoft.com/office/drawing/2014/main" id="{F9613E89-3C6D-834E-A737-1A05FB110829}"/>
+              </a:ext>
+            </a:extLst>
+          </p:cNvPr>
+          <p:cNvSpPr/>
+          <p:nvPr/>
+        </p:nvSpPr>
+        <p:spPr>
+          <a:xfrm>
+            <a:off x="9722441" y="597796"/>
+            <a:ext cx="651286" cy="473342"/>
+          </a:xfrm>
+          <a:prstGeom prst="rect">
+            <a:avLst/>
+          </a:prstGeom>
+        </p:spPr>
+        <p:style>
+          <a:lnRef idx="2">
+            <a:schemeClr val="accent2">
+              <a:shade val="50000"/>
+            </a:schemeClr>
+          </a:lnRef>
+          <a:fillRef idx="1">
+            <a:schemeClr val="accent2"/>
+          </a:fillRef>
+          <a:effectRef idx="0">
+            <a:schemeClr val="accent2"/>
+          </a:effectRef>
+          <a:fontRef idx="minor">
+            <a:schemeClr val="lt1"/>
+          </a:fontRef>
+        </p:style>
+        <p:txBody>
+          <a:bodyPr rtlCol="0" anchor="ctr"/>
+          <a:lstStyle/>
+          <a:p>
+            <a:pPr algn="ctr"/>
+            <a:r>
+              <a:rPr lang="en-US" dirty="0"/>
+              <a:t>2,1</a:t>
+            </a:r>
+          </a:p>
+        </p:txBody>
+      </p:sp>
+      <p:sp>
+        <p:nvSpPr>
+          <p:cNvPr id="14" name="Rectangle 13">
+            <a:extLst>
+              <a:ext uri="{FF2B5EF4-FFF2-40B4-BE49-F238E27FC236}">
+                <a16:creationId xmlns:a16="http://schemas.microsoft.com/office/drawing/2014/main" id="{8377B2CB-A14F-7647-90C7-D2F4420145D2}"/>
+              </a:ext>
+            </a:extLst>
+          </p:cNvPr>
+          <p:cNvSpPr/>
+          <p:nvPr/>
+        </p:nvSpPr>
+        <p:spPr>
+          <a:xfrm>
+            <a:off x="10455528" y="597796"/>
+            <a:ext cx="651286" cy="473342"/>
+          </a:xfrm>
+          <a:prstGeom prst="rect">
+            <a:avLst/>
+          </a:prstGeom>
+        </p:spPr>
+        <p:style>
+          <a:lnRef idx="2">
+            <a:schemeClr val="accent2">
+              <a:shade val="50000"/>
+            </a:schemeClr>
+          </a:lnRef>
+          <a:fillRef idx="1">
+            <a:schemeClr val="accent2"/>
+          </a:fillRef>
+          <a:effectRef idx="0">
+            <a:schemeClr val="accent2"/>
+          </a:effectRef>
+          <a:fontRef idx="minor">
+            <a:schemeClr val="lt1"/>
+          </a:fontRef>
+        </p:style>
+        <p:txBody>
+          <a:bodyPr rtlCol="0" anchor="ctr"/>
+          <a:lstStyle/>
+          <a:p>
+            <a:pPr algn="ctr"/>
+            <a:r>
+              <a:rPr lang="en-US" dirty="0"/>
+              <a:t>0,3</a:t>
+            </a:r>
+          </a:p>
+        </p:txBody>
+      </p:sp>
+      <p:sp>
+        <p:nvSpPr>
+          <p:cNvPr id="18" name="Rectangle 17">
+            <a:extLst>
+              <a:ext uri="{FF2B5EF4-FFF2-40B4-BE49-F238E27FC236}">
+                <a16:creationId xmlns:a16="http://schemas.microsoft.com/office/drawing/2014/main" id="{14DA06FB-82C0-B24B-858E-FC6EDBA48007}"/>
+              </a:ext>
+            </a:extLst>
+          </p:cNvPr>
+          <p:cNvSpPr/>
+          <p:nvPr/>
+        </p:nvSpPr>
+        <p:spPr>
+          <a:xfrm>
+            <a:off x="11188615" y="597796"/>
+            <a:ext cx="651286" cy="473342"/>
+          </a:xfrm>
+          <a:prstGeom prst="rect">
+            <a:avLst/>
+          </a:prstGeom>
+        </p:spPr>
+        <p:style>
+          <a:lnRef idx="2">
+            <a:schemeClr val="accent2">
+              <a:shade val="50000"/>
+            </a:schemeClr>
+          </a:lnRef>
+          <a:fillRef idx="1">
+            <a:schemeClr val="accent2"/>
+          </a:fillRef>
+          <a:effectRef idx="0">
+            <a:schemeClr val="accent2"/>
+          </a:effectRef>
+          <a:fontRef idx="minor">
+            <a:schemeClr val="lt1"/>
+          </a:fontRef>
+        </p:style>
+        <p:txBody>
+          <a:bodyPr rtlCol="0" anchor="ctr"/>
+          <a:lstStyle/>
+          <a:p>
+            <a:pPr algn="ctr"/>
+            <a:r>
+              <a:rPr lang="en-US" dirty="0"/>
+              <a:t>2,3</a:t>
+            </a:r>
+          </a:p>
+        </p:txBody>
+      </p:sp>
+      <p:sp>
+        <p:nvSpPr>
+          <p:cNvPr id="25" name="Rectangle 24">
+            <a:extLst>
+              <a:ext uri="{FF2B5EF4-FFF2-40B4-BE49-F238E27FC236}">
+                <a16:creationId xmlns:a16="http://schemas.microsoft.com/office/drawing/2014/main" id="{96E9BA96-A704-5A46-981D-5FB6B3A42990}"/>
+              </a:ext>
+            </a:extLst>
+          </p:cNvPr>
+          <p:cNvSpPr/>
+          <p:nvPr/>
+        </p:nvSpPr>
+        <p:spPr>
+          <a:xfrm>
+            <a:off x="8967947" y="1910913"/>
+            <a:ext cx="651286" cy="473342"/>
+          </a:xfrm>
+          <a:prstGeom prst="rect">
+            <a:avLst/>
+          </a:prstGeom>
+        </p:spPr>
+        <p:style>
+          <a:lnRef idx="2">
+            <a:schemeClr val="accent2">
+              <a:shade val="50000"/>
+            </a:schemeClr>
+          </a:lnRef>
+          <a:fillRef idx="1">
+            <a:schemeClr val="accent2"/>
+          </a:fillRef>
+          <a:effectRef idx="0">
+            <a:schemeClr val="accent2"/>
+          </a:effectRef>
+          <a:fontRef idx="minor">
+            <a:schemeClr val="lt1"/>
+          </a:fontRef>
+        </p:style>
+        <p:txBody>
+          <a:bodyPr rtlCol="0" anchor="ctr"/>
+          <a:lstStyle/>
+          <a:p>
+            <a:pPr algn="ctr"/>
+            <a:r>
+              <a:rPr lang="en-US" dirty="0"/>
+              <a:t>0,1</a:t>
+            </a:r>
+          </a:p>
+        </p:txBody>
+      </p:sp>
+      <p:sp>
+        <p:nvSpPr>
+          <p:cNvPr id="26" name="Rectangle 25">
+            <a:extLst>
+              <a:ext uri="{FF2B5EF4-FFF2-40B4-BE49-F238E27FC236}">
+                <a16:creationId xmlns:a16="http://schemas.microsoft.com/office/drawing/2014/main" id="{6F7FF820-0492-8C4D-9818-CE60A1FD1237}"/>
+              </a:ext>
+            </a:extLst>
+          </p:cNvPr>
+          <p:cNvSpPr/>
+          <p:nvPr/>
+        </p:nvSpPr>
+        <p:spPr>
+          <a:xfrm>
+            <a:off x="9722441" y="1899146"/>
+            <a:ext cx="651286" cy="473342"/>
+          </a:xfrm>
+          <a:prstGeom prst="rect">
+            <a:avLst/>
+          </a:prstGeom>
+        </p:spPr>
+        <p:style>
+          <a:lnRef idx="1">
+            <a:schemeClr val="accent2"/>
+          </a:lnRef>
+          <a:fillRef idx="2">
+            <a:schemeClr val="accent2"/>
+          </a:fillRef>
+          <a:effectRef idx="1">
+            <a:schemeClr val="accent2"/>
+          </a:effectRef>
+          <a:fontRef idx="minor">
+            <a:schemeClr val="dk1"/>
+          </a:fontRef>
+        </p:style>
+        <p:txBody>
+          <a:bodyPr rtlCol="0" anchor="ctr"/>
+          <a:lstStyle/>
+          <a:p>
+            <a:pPr algn="ctr"/>
+            <a:r>
+              <a:rPr lang="en-US" dirty="0"/>
+              <a:t>2,1 n</a:t>
+            </a:r>
+          </a:p>
+        </p:txBody>
+      </p:sp>
+      <p:sp>
+        <p:nvSpPr>
+          <p:cNvPr id="27" name="Rectangle 26">
+            <a:extLst>
+              <a:ext uri="{FF2B5EF4-FFF2-40B4-BE49-F238E27FC236}">
+                <a16:creationId xmlns:a16="http://schemas.microsoft.com/office/drawing/2014/main" id="{286DEF19-F25E-7E4B-95BB-345ECCB5D2EA}"/>
+              </a:ext>
+            </a:extLst>
+          </p:cNvPr>
+          <p:cNvSpPr/>
+          <p:nvPr/>
+        </p:nvSpPr>
+        <p:spPr>
+          <a:xfrm>
+            <a:off x="10455528" y="1899146"/>
+            <a:ext cx="651286" cy="473342"/>
+          </a:xfrm>
+          <a:prstGeom prst="rect">
+            <a:avLst/>
+          </a:prstGeom>
+        </p:spPr>
+        <p:style>
+          <a:lnRef idx="2">
+            <a:schemeClr val="accent2">
+              <a:shade val="50000"/>
+            </a:schemeClr>
+          </a:lnRef>
+          <a:fillRef idx="1">
+            <a:schemeClr val="accent2"/>
+          </a:fillRef>
+          <a:effectRef idx="0">
+            <a:schemeClr val="accent2"/>
+          </a:effectRef>
+          <a:fontRef idx="minor">
+            <a:schemeClr val="lt1"/>
+          </a:fontRef>
+        </p:style>
+        <p:txBody>
+          <a:bodyPr rtlCol="0" anchor="ctr"/>
+          <a:lstStyle/>
+          <a:p>
+            <a:pPr algn="ctr"/>
+            <a:r>
+              <a:rPr lang="en-US" dirty="0"/>
+              <a:t>0,3</a:t>
+            </a:r>
+          </a:p>
+        </p:txBody>
+      </p:sp>
+      <p:sp>
+        <p:nvSpPr>
+          <p:cNvPr id="28" name="Rectangle 27">
+            <a:extLst>
+              <a:ext uri="{FF2B5EF4-FFF2-40B4-BE49-F238E27FC236}">
+                <a16:creationId xmlns:a16="http://schemas.microsoft.com/office/drawing/2014/main" id="{AD4080A3-F76A-5A47-9A36-5D01637C5BDF}"/>
+              </a:ext>
+            </a:extLst>
+          </p:cNvPr>
+          <p:cNvSpPr/>
+          <p:nvPr/>
+        </p:nvSpPr>
+        <p:spPr>
+          <a:xfrm>
+            <a:off x="11188614" y="1899146"/>
+            <a:ext cx="651286" cy="473342"/>
+          </a:xfrm>
+          <a:prstGeom prst="rect">
+            <a:avLst/>
+          </a:prstGeom>
+        </p:spPr>
+        <p:style>
+          <a:lnRef idx="2">
+            <a:schemeClr val="accent2">
+              <a:shade val="50000"/>
+            </a:schemeClr>
+          </a:lnRef>
+          <a:fillRef idx="1">
+            <a:schemeClr val="accent2"/>
+          </a:fillRef>
+          <a:effectRef idx="0">
+            <a:schemeClr val="accent2"/>
+          </a:effectRef>
+          <a:fontRef idx="minor">
+            <a:schemeClr val="lt1"/>
+          </a:fontRef>
+        </p:style>
+        <p:txBody>
+          <a:bodyPr rtlCol="0" anchor="ctr"/>
+          <a:lstStyle/>
+          <a:p>
+            <a:pPr algn="ctr"/>
+            <a:r>
+              <a:rPr lang="en-US" dirty="0"/>
+              <a:t>2,3</a:t>
+            </a:r>
+          </a:p>
+        </p:txBody>
+      </p:sp>
+      <p:sp>
+        <p:nvSpPr>
+          <p:cNvPr id="29" name="Rectangle 28">
+            <a:extLst>
+              <a:ext uri="{FF2B5EF4-FFF2-40B4-BE49-F238E27FC236}">
+                <a16:creationId xmlns:a16="http://schemas.microsoft.com/office/drawing/2014/main" id="{E18965D4-85BA-4D42-BF4F-D5384239856A}"/>
+              </a:ext>
+            </a:extLst>
+          </p:cNvPr>
+          <p:cNvSpPr/>
+          <p:nvPr/>
+        </p:nvSpPr>
+        <p:spPr>
+          <a:xfrm>
+            <a:off x="8050521" y="1910913"/>
+            <a:ext cx="651286" cy="473342"/>
+          </a:xfrm>
+          <a:prstGeom prst="rect">
+            <a:avLst/>
+          </a:prstGeom>
+        </p:spPr>
+        <p:style>
+          <a:lnRef idx="2">
+            <a:schemeClr val="accent2">
+              <a:shade val="50000"/>
+            </a:schemeClr>
+          </a:lnRef>
+          <a:fillRef idx="1">
+            <a:schemeClr val="accent2"/>
+          </a:fillRef>
+          <a:effectRef idx="0">
+            <a:schemeClr val="accent2"/>
+          </a:effectRef>
+          <a:fontRef idx="minor">
+            <a:schemeClr val="lt1"/>
+          </a:fontRef>
+        </p:style>
+        <p:txBody>
+          <a:bodyPr rtlCol="0" anchor="ctr"/>
+          <a:lstStyle/>
+          <a:p>
+            <a:pPr algn="ctr"/>
+            <a:r>
+              <a:rPr lang="en-US" dirty="0"/>
+              <a:t>2,1</a:t>
+            </a:r>
+          </a:p>
+        </p:txBody>
+      </p:sp>
+      <p:sp>
+        <p:nvSpPr>
+          <p:cNvPr id="30" name="Rectangle 29">
+            <a:extLst>
+              <a:ext uri="{FF2B5EF4-FFF2-40B4-BE49-F238E27FC236}">
+                <a16:creationId xmlns:a16="http://schemas.microsoft.com/office/drawing/2014/main" id="{21981EFE-A307-F241-A3BD-E21490018B7A}"/>
+              </a:ext>
+            </a:extLst>
+          </p:cNvPr>
+          <p:cNvSpPr/>
+          <p:nvPr/>
+        </p:nvSpPr>
+        <p:spPr>
+          <a:xfrm>
+            <a:off x="7133095" y="1910913"/>
+            <a:ext cx="651286" cy="473342"/>
+          </a:xfrm>
+          <a:prstGeom prst="rect">
+            <a:avLst/>
+          </a:prstGeom>
+        </p:spPr>
+        <p:style>
+          <a:lnRef idx="1">
+            <a:schemeClr val="accent2"/>
+          </a:lnRef>
+          <a:fillRef idx="2">
+            <a:schemeClr val="accent2"/>
+          </a:fillRef>
+          <a:effectRef idx="1">
+            <a:schemeClr val="accent2"/>
+          </a:effectRef>
+          <a:fontRef idx="minor">
+            <a:schemeClr val="dk1"/>
+          </a:fontRef>
+        </p:style>
+        <p:txBody>
+          <a:bodyPr rtlCol="0" anchor="ctr"/>
+          <a:lstStyle/>
+          <a:p>
+            <a:pPr algn="ctr"/>
+            <a:r>
+              <a:rPr lang="en-US" dirty="0"/>
+              <a:t>2,1 p</a:t>
+            </a:r>
+          </a:p>
+        </p:txBody>
+      </p:sp>
+      <p:sp>
+        <p:nvSpPr>
+          <p:cNvPr id="35" name="U-Turn Arrow 34">
+            <a:extLst>
+              <a:ext uri="{FF2B5EF4-FFF2-40B4-BE49-F238E27FC236}">
+                <a16:creationId xmlns:a16="http://schemas.microsoft.com/office/drawing/2014/main" id="{F55BD660-FDC0-7940-8458-5513CB5889B6}"/>
+              </a:ext>
+            </a:extLst>
+          </p:cNvPr>
+          <p:cNvSpPr/>
+          <p:nvPr/>
+        </p:nvSpPr>
+        <p:spPr>
+          <a:xfrm flipH="1">
+            <a:off x="7393857" y="1639791"/>
+            <a:ext cx="2694791" cy="259355"/>
+          </a:xfrm>
+          <a:prstGeom prst="uturnArrow">
+            <a:avLst>
+              <a:gd name="adj1" fmla="val 30613"/>
+              <a:gd name="adj2" fmla="val 25000"/>
+              <a:gd name="adj3" fmla="val 31786"/>
+              <a:gd name="adj4" fmla="val 50000"/>
+              <a:gd name="adj5" fmla="val 100000"/>
+            </a:avLst>
+          </a:prstGeom>
+        </p:spPr>
+        <p:style>
+          <a:lnRef idx="1">
+            <a:schemeClr val="accent2"/>
+          </a:lnRef>
+          <a:fillRef idx="2">
+            <a:schemeClr val="accent2"/>
+          </a:fillRef>
+          <a:effectRef idx="1">
+            <a:schemeClr val="accent2"/>
+          </a:effectRef>
+          <a:fontRef idx="minor">
+            <a:schemeClr val="dk1"/>
+          </a:fontRef>
+        </p:style>
+        <p:txBody>
+          <a:bodyPr rtlCol="0" anchor="ctr"/>
+          <a:lstStyle/>
+          <a:p>
+            <a:pPr algn="ctr"/>
+            <a:endParaRPr lang="en-US">
+              <a:solidFill>
+                <a:schemeClr val="tx1"/>
+              </a:solidFill>
+            </a:endParaRPr>
+          </a:p>
+        </p:txBody>
+      </p:sp>
+      <p:sp>
+        <p:nvSpPr>
+          <p:cNvPr id="36" name="Rectangle 35">
+            <a:extLst>
+              <a:ext uri="{FF2B5EF4-FFF2-40B4-BE49-F238E27FC236}">
+                <a16:creationId xmlns:a16="http://schemas.microsoft.com/office/drawing/2014/main" id="{A97311B4-2B08-D041-B22B-C83AF33C0237}"/>
+              </a:ext>
+            </a:extLst>
+          </p:cNvPr>
+          <p:cNvSpPr/>
+          <p:nvPr/>
+        </p:nvSpPr>
+        <p:spPr>
+          <a:xfrm>
+            <a:off x="9190394" y="2604633"/>
+            <a:ext cx="651286" cy="473342"/>
+          </a:xfrm>
+          <a:prstGeom prst="rect">
+            <a:avLst/>
+          </a:prstGeom>
+        </p:spPr>
+        <p:style>
+          <a:lnRef idx="2">
+            <a:schemeClr val="accent2">
+              <a:shade val="50000"/>
+            </a:schemeClr>
+          </a:lnRef>
+          <a:fillRef idx="1">
+            <a:schemeClr val="accent2"/>
+          </a:fillRef>
+          <a:effectRef idx="0">
+            <a:schemeClr val="accent2"/>
+          </a:effectRef>
+          <a:fontRef idx="minor">
+            <a:schemeClr val="lt1"/>
+          </a:fontRef>
+        </p:style>
+        <p:txBody>
+          <a:bodyPr rtlCol="0" anchor="ctr"/>
+          <a:lstStyle/>
+          <a:p>
+            <a:pPr algn="ctr"/>
+            <a:r>
+              <a:rPr lang="en-US" dirty="0"/>
+              <a:t>2,1</a:t>
+            </a:r>
+          </a:p>
+        </p:txBody>
+      </p:sp>
+      <p:sp>
+        <p:nvSpPr>
+          <p:cNvPr id="37" name="Rectangle 36">
+            <a:extLst>
+              <a:ext uri="{FF2B5EF4-FFF2-40B4-BE49-F238E27FC236}">
+                <a16:creationId xmlns:a16="http://schemas.microsoft.com/office/drawing/2014/main" id="{5D500839-A966-3846-8231-34E09BF41B01}"/>
+              </a:ext>
+            </a:extLst>
+          </p:cNvPr>
+          <p:cNvSpPr/>
+          <p:nvPr/>
+        </p:nvSpPr>
+        <p:spPr>
+          <a:xfrm>
+            <a:off x="9841680" y="2604633"/>
+            <a:ext cx="651286" cy="473342"/>
+          </a:xfrm>
+          <a:prstGeom prst="rect">
+            <a:avLst/>
+          </a:prstGeom>
+        </p:spPr>
+        <p:style>
+          <a:lnRef idx="1">
+            <a:schemeClr val="accent2"/>
+          </a:lnRef>
+          <a:fillRef idx="2">
+            <a:schemeClr val="accent2"/>
+          </a:fillRef>
+          <a:effectRef idx="1">
+            <a:schemeClr val="accent2"/>
+          </a:effectRef>
+          <a:fontRef idx="minor">
+            <a:schemeClr val="dk1"/>
+          </a:fontRef>
+        </p:style>
+        <p:txBody>
+          <a:bodyPr rtlCol="0" anchor="ctr"/>
+          <a:lstStyle/>
+          <a:p>
+            <a:pPr algn="ctr"/>
+            <a:r>
+              <a:rPr lang="en-US" dirty="0"/>
+              <a:t>2,1 p</a:t>
+            </a:r>
+          </a:p>
+        </p:txBody>
+      </p:sp>
+      <p:sp>
+        <p:nvSpPr>
+          <p:cNvPr id="39" name="Bent Arrow 38">
+            <a:extLst>
+              <a:ext uri="{FF2B5EF4-FFF2-40B4-BE49-F238E27FC236}">
+                <a16:creationId xmlns:a16="http://schemas.microsoft.com/office/drawing/2014/main" id="{8D72D065-FAF5-D546-B767-C81E36984FCD}"/>
+              </a:ext>
+            </a:extLst>
+          </p:cNvPr>
+          <p:cNvSpPr/>
+          <p:nvPr/>
+        </p:nvSpPr>
+        <p:spPr>
+          <a:xfrm rot="10800000" flipH="1">
+            <a:off x="8357427" y="2396021"/>
+            <a:ext cx="717747" cy="524159"/>
+          </a:xfrm>
+          <a:prstGeom prst="bentArrow">
+            <a:avLst>
+              <a:gd name="adj1" fmla="val 9409"/>
+              <a:gd name="adj2" fmla="val 17849"/>
+              <a:gd name="adj3" fmla="val 25000"/>
+              <a:gd name="adj4" fmla="val 43750"/>
+            </a:avLst>
+          </a:prstGeom>
+        </p:spPr>
+        <p:style>
+          <a:lnRef idx="2">
+            <a:schemeClr val="accent3">
+              <a:shade val="50000"/>
+            </a:schemeClr>
+          </a:lnRef>
+          <a:fillRef idx="1">
+            <a:schemeClr val="accent3"/>
+          </a:fillRef>
+          <a:effectRef idx="0">
+            <a:schemeClr val="accent3"/>
+          </a:effectRef>
+          <a:fontRef idx="minor">
+            <a:schemeClr val="lt1"/>
+          </a:fontRef>
+        </p:style>
+        <p:txBody>
+          <a:bodyPr rtlCol="0" anchor="ctr"/>
+          <a:lstStyle/>
+          <a:p>
+            <a:pPr algn="ctr"/>
+            <a:endParaRPr lang="en-US">
+              <a:solidFill>
+                <a:schemeClr val="tx1"/>
+              </a:solidFill>
+            </a:endParaRPr>
+          </a:p>
+        </p:txBody>
+      </p:sp>
+      <p:sp>
+        <p:nvSpPr>
+          <p:cNvPr id="40" name="TextBox 39">
+            <a:extLst>
+              <a:ext uri="{FF2B5EF4-FFF2-40B4-BE49-F238E27FC236}">
+                <a16:creationId xmlns:a16="http://schemas.microsoft.com/office/drawing/2014/main" id="{3EAFF86F-08BD-3B4C-BD07-C529A8C2751C}"/>
+              </a:ext>
+            </a:extLst>
+          </p:cNvPr>
+          <p:cNvSpPr txBox="1"/>
+          <p:nvPr/>
+        </p:nvSpPr>
+        <p:spPr>
+          <a:xfrm>
+            <a:off x="8458482" y="2542635"/>
+            <a:ext cx="565539" cy="307777"/>
+          </a:xfrm>
+          <a:prstGeom prst="rect">
+            <a:avLst/>
+          </a:prstGeom>
+          <a:noFill/>
+        </p:spPr>
+        <p:txBody>
+          <a:bodyPr wrap="none" rtlCol="0">
+            <a:spAutoFit/>
+          </a:bodyPr>
+          <a:lstStyle/>
+          <a:p>
+            <a:r>
+              <a:rPr lang="en-US" sz="1400" dirty="0"/>
+              <a:t>.then</a:t>
+            </a:r>
+          </a:p>
+        </p:txBody>
+      </p:sp>
+      <p:sp>
+        <p:nvSpPr>
+          <p:cNvPr id="20" name="Rectangle 19">
+            <a:extLst>
+              <a:ext uri="{FF2B5EF4-FFF2-40B4-BE49-F238E27FC236}">
+                <a16:creationId xmlns:a16="http://schemas.microsoft.com/office/drawing/2014/main" id="{5600785A-7B4F-1D49-8631-6407B513B99F}"/>
+              </a:ext>
+            </a:extLst>
+          </p:cNvPr>
+          <p:cNvSpPr/>
+          <p:nvPr/>
+        </p:nvSpPr>
+        <p:spPr>
+          <a:xfrm>
+            <a:off x="9024021" y="3637190"/>
+            <a:ext cx="651286" cy="473342"/>
+          </a:xfrm>
+          <a:prstGeom prst="rect">
+            <a:avLst/>
+          </a:prstGeom>
+        </p:spPr>
+        <p:style>
+          <a:lnRef idx="2">
+            <a:schemeClr val="accent2">
+              <a:shade val="50000"/>
+            </a:schemeClr>
+          </a:lnRef>
+          <a:fillRef idx="1">
+            <a:schemeClr val="accent2"/>
+          </a:fillRef>
+          <a:effectRef idx="0">
+            <a:schemeClr val="accent2"/>
+          </a:effectRef>
+          <a:fontRef idx="minor">
+            <a:schemeClr val="lt1"/>
+          </a:fontRef>
+        </p:style>
+        <p:txBody>
+          <a:bodyPr rtlCol="0" anchor="ctr"/>
+          <a:lstStyle/>
+          <a:p>
+            <a:pPr algn="ctr"/>
+            <a:r>
+              <a:rPr lang="en-US" dirty="0"/>
+              <a:t>0,1</a:t>
+            </a:r>
+          </a:p>
+        </p:txBody>
+      </p:sp>
+      <p:sp>
+        <p:nvSpPr>
+          <p:cNvPr id="21" name="Rectangle 20">
+            <a:extLst>
+              <a:ext uri="{FF2B5EF4-FFF2-40B4-BE49-F238E27FC236}">
+                <a16:creationId xmlns:a16="http://schemas.microsoft.com/office/drawing/2014/main" id="{11A681EC-1339-314B-9977-D3942BB9828E}"/>
+              </a:ext>
+            </a:extLst>
+          </p:cNvPr>
+          <p:cNvSpPr/>
+          <p:nvPr/>
+        </p:nvSpPr>
+        <p:spPr>
+          <a:xfrm>
+            <a:off x="9778515" y="3625423"/>
+            <a:ext cx="651286" cy="371112"/>
+          </a:xfrm>
+          <a:prstGeom prst="rect">
+            <a:avLst/>
+          </a:prstGeom>
+        </p:spPr>
+        <p:style>
+          <a:lnRef idx="1">
+            <a:schemeClr val="accent2"/>
+          </a:lnRef>
+          <a:fillRef idx="2">
+            <a:schemeClr val="accent2"/>
+          </a:fillRef>
+          <a:effectRef idx="1">
+            <a:schemeClr val="accent2"/>
+          </a:effectRef>
+          <a:fontRef idx="minor">
+            <a:schemeClr val="dk1"/>
+          </a:fontRef>
+        </p:style>
+        <p:txBody>
+          <a:bodyPr rtlCol="0" anchor="ctr"/>
+          <a:lstStyle/>
+          <a:p>
+            <a:pPr algn="ctr"/>
+            <a:r>
+              <a:rPr lang="en-US" dirty="0"/>
+              <a:t>2,1 n</a:t>
+            </a:r>
+          </a:p>
+        </p:txBody>
+      </p:sp>
+      <p:sp>
+        <p:nvSpPr>
+          <p:cNvPr id="22" name="Rectangle 21">
+            <a:extLst>
+              <a:ext uri="{FF2B5EF4-FFF2-40B4-BE49-F238E27FC236}">
+                <a16:creationId xmlns:a16="http://schemas.microsoft.com/office/drawing/2014/main" id="{601BCFCF-81C4-A440-9343-75259EE19217}"/>
+              </a:ext>
+            </a:extLst>
+          </p:cNvPr>
+          <p:cNvSpPr/>
+          <p:nvPr/>
+        </p:nvSpPr>
+        <p:spPr>
+          <a:xfrm>
+            <a:off x="10511602" y="3625423"/>
+            <a:ext cx="651286" cy="473342"/>
+          </a:xfrm>
+          <a:prstGeom prst="rect">
+            <a:avLst/>
+          </a:prstGeom>
+        </p:spPr>
+        <p:style>
+          <a:lnRef idx="2">
+            <a:schemeClr val="accent2">
+              <a:shade val="50000"/>
+            </a:schemeClr>
+          </a:lnRef>
+          <a:fillRef idx="1">
+            <a:schemeClr val="accent2"/>
+          </a:fillRef>
+          <a:effectRef idx="0">
+            <a:schemeClr val="accent2"/>
+          </a:effectRef>
+          <a:fontRef idx="minor">
+            <a:schemeClr val="lt1"/>
+          </a:fontRef>
+        </p:style>
+        <p:txBody>
+          <a:bodyPr rtlCol="0" anchor="ctr"/>
+          <a:lstStyle/>
+          <a:p>
+            <a:pPr algn="ctr"/>
+            <a:r>
+              <a:rPr lang="en-US" dirty="0"/>
+              <a:t>0,3</a:t>
+            </a:r>
+          </a:p>
+        </p:txBody>
+      </p:sp>
+      <p:sp>
+        <p:nvSpPr>
+          <p:cNvPr id="23" name="Rectangle 22">
+            <a:extLst>
+              <a:ext uri="{FF2B5EF4-FFF2-40B4-BE49-F238E27FC236}">
+                <a16:creationId xmlns:a16="http://schemas.microsoft.com/office/drawing/2014/main" id="{C2186A89-E97B-4042-9DEC-AEC3C6AAB225}"/>
+              </a:ext>
+            </a:extLst>
+          </p:cNvPr>
+          <p:cNvSpPr/>
+          <p:nvPr/>
+        </p:nvSpPr>
+        <p:spPr>
+          <a:xfrm>
+            <a:off x="11244688" y="3625423"/>
+            <a:ext cx="651286" cy="473342"/>
+          </a:xfrm>
+          <a:prstGeom prst="rect">
+            <a:avLst/>
+          </a:prstGeom>
+        </p:spPr>
+        <p:style>
+          <a:lnRef idx="2">
+            <a:schemeClr val="accent2">
+              <a:shade val="50000"/>
+            </a:schemeClr>
+          </a:lnRef>
+          <a:fillRef idx="1">
+            <a:schemeClr val="accent2"/>
+          </a:fillRef>
+          <a:effectRef idx="0">
+            <a:schemeClr val="accent2"/>
+          </a:effectRef>
+          <a:fontRef idx="minor">
+            <a:schemeClr val="lt1"/>
+          </a:fontRef>
+        </p:style>
+        <p:txBody>
+          <a:bodyPr rtlCol="0" anchor="ctr"/>
+          <a:lstStyle/>
+          <a:p>
+            <a:pPr algn="ctr"/>
+            <a:r>
+              <a:rPr lang="en-US" dirty="0"/>
+              <a:t>2,3</a:t>
+            </a:r>
+          </a:p>
+        </p:txBody>
+      </p:sp>
+      <p:sp>
+        <p:nvSpPr>
+          <p:cNvPr id="24" name="Rectangle 23">
+            <a:extLst>
+              <a:ext uri="{FF2B5EF4-FFF2-40B4-BE49-F238E27FC236}">
+                <a16:creationId xmlns:a16="http://schemas.microsoft.com/office/drawing/2014/main" id="{61746906-6AD5-1247-8D61-F1D80E89A3C2}"/>
+              </a:ext>
+            </a:extLst>
+          </p:cNvPr>
+          <p:cNvSpPr/>
+          <p:nvPr/>
+        </p:nvSpPr>
+        <p:spPr>
+          <a:xfrm>
+            <a:off x="9778515" y="3996535"/>
+            <a:ext cx="651286" cy="371112"/>
+          </a:xfrm>
+          <a:prstGeom prst="rect">
+            <a:avLst/>
+          </a:prstGeom>
+        </p:spPr>
+        <p:style>
+          <a:lnRef idx="2">
+            <a:schemeClr val="accent3">
+              <a:shade val="50000"/>
+            </a:schemeClr>
+          </a:lnRef>
+          <a:fillRef idx="1">
+            <a:schemeClr val="accent3"/>
+          </a:fillRef>
+          <a:effectRef idx="0">
+            <a:schemeClr val="accent3"/>
+          </a:effectRef>
+          <a:fontRef idx="minor">
+            <a:schemeClr val="lt1"/>
+          </a:fontRef>
+        </p:style>
+        <p:txBody>
+          <a:bodyPr rtlCol="0" anchor="ctr"/>
+          <a:lstStyle/>
+          <a:p>
+            <a:pPr algn="ctr"/>
+            <a:r>
+              <a:rPr lang="en-US" sz="1600" dirty="0"/>
+              <a:t>2,1 sf</a:t>
+            </a:r>
+          </a:p>
+        </p:txBody>
+      </p:sp>
+      <p:sp>
+        <p:nvSpPr>
+          <p:cNvPr id="31" name="Bent Arrow 30">
+            <a:extLst>
+              <a:ext uri="{FF2B5EF4-FFF2-40B4-BE49-F238E27FC236}">
+                <a16:creationId xmlns:a16="http://schemas.microsoft.com/office/drawing/2014/main" id="{41F16E01-3D46-1D48-9D88-86BC0922E525}"/>
+              </a:ext>
+            </a:extLst>
+          </p:cNvPr>
+          <p:cNvSpPr/>
+          <p:nvPr/>
+        </p:nvSpPr>
+        <p:spPr>
+          <a:xfrm rot="10800000" flipH="1">
+            <a:off x="10088648" y="4367647"/>
+            <a:ext cx="717747" cy="524159"/>
+          </a:xfrm>
+          <a:prstGeom prst="bentArrow">
+            <a:avLst>
+              <a:gd name="adj1" fmla="val 9409"/>
+              <a:gd name="adj2" fmla="val 17849"/>
+              <a:gd name="adj3" fmla="val 25000"/>
+              <a:gd name="adj4" fmla="val 43750"/>
+            </a:avLst>
+          </a:prstGeom>
+        </p:spPr>
+        <p:style>
+          <a:lnRef idx="2">
+            <a:schemeClr val="accent3">
+              <a:shade val="50000"/>
+            </a:schemeClr>
+          </a:lnRef>
+          <a:fillRef idx="1">
+            <a:schemeClr val="accent3"/>
+          </a:fillRef>
+          <a:effectRef idx="0">
+            <a:schemeClr val="accent3"/>
+          </a:effectRef>
+          <a:fontRef idx="minor">
+            <a:schemeClr val="lt1"/>
+          </a:fontRef>
+        </p:style>
+        <p:txBody>
+          <a:bodyPr rtlCol="0" anchor="ctr"/>
+          <a:lstStyle/>
+          <a:p>
+            <a:pPr algn="ctr"/>
+            <a:endParaRPr lang="en-US">
+              <a:solidFill>
+                <a:schemeClr val="tx1"/>
+              </a:solidFill>
+            </a:endParaRPr>
+          </a:p>
+        </p:txBody>
+      </p:sp>
+      <p:sp>
+        <p:nvSpPr>
+          <p:cNvPr id="32" name="TextBox 31">
+            <a:extLst>
+              <a:ext uri="{FF2B5EF4-FFF2-40B4-BE49-F238E27FC236}">
+                <a16:creationId xmlns:a16="http://schemas.microsoft.com/office/drawing/2014/main" id="{9BCB8B16-3399-9841-9814-A4FD836C7C41}"/>
+              </a:ext>
+            </a:extLst>
+          </p:cNvPr>
+          <p:cNvSpPr txBox="1"/>
+          <p:nvPr/>
+        </p:nvSpPr>
+        <p:spPr>
+          <a:xfrm>
+            <a:off x="10138485" y="4500103"/>
+            <a:ext cx="646203" cy="307777"/>
+          </a:xfrm>
+          <a:prstGeom prst="rect">
+            <a:avLst/>
+          </a:prstGeom>
+          <a:noFill/>
+        </p:spPr>
+        <p:txBody>
+          <a:bodyPr wrap="none" rtlCol="0">
+            <a:spAutoFit/>
+          </a:bodyPr>
+          <a:lstStyle/>
+          <a:p>
+            <a:r>
+              <a:rPr lang="en-US" sz="1400" dirty="0"/>
+              <a:t>return</a:t>
+            </a:r>
+          </a:p>
+        </p:txBody>
+      </p:sp>
+      <p:sp>
+        <p:nvSpPr>
+          <p:cNvPr id="7" name="Right Arrow 6">
+            <a:extLst>
+              <a:ext uri="{FF2B5EF4-FFF2-40B4-BE49-F238E27FC236}">
+                <a16:creationId xmlns:a16="http://schemas.microsoft.com/office/drawing/2014/main" id="{607D18EF-ACCC-4542-A7E7-53EE0892AFE2}"/>
+              </a:ext>
+            </a:extLst>
+          </p:cNvPr>
+          <p:cNvSpPr/>
+          <p:nvPr/>
+        </p:nvSpPr>
+        <p:spPr>
+          <a:xfrm>
+            <a:off x="10599173" y="2743600"/>
+            <a:ext cx="1472373" cy="176580"/>
+          </a:xfrm>
+          <a:prstGeom prst="rightArrow">
+            <a:avLst>
+              <a:gd name="adj1" fmla="val 26351"/>
+              <a:gd name="adj2" fmla="val 63346"/>
+            </a:avLst>
+          </a:prstGeom>
+        </p:spPr>
+        <p:style>
+          <a:lnRef idx="2">
+            <a:schemeClr val="accent3">
+              <a:shade val="50000"/>
+            </a:schemeClr>
+          </a:lnRef>
+          <a:fillRef idx="1">
+            <a:schemeClr val="accent3"/>
+          </a:fillRef>
+          <a:effectRef idx="0">
+            <a:schemeClr val="accent3"/>
+          </a:effectRef>
+          <a:fontRef idx="minor">
+            <a:schemeClr val="lt1"/>
+          </a:fontRef>
+        </p:style>
+        <p:txBody>
+          <a:bodyPr rtlCol="0" anchor="ctr"/>
+          <a:lstStyle/>
+          <a:p>
+            <a:pPr algn="ctr"/>
+            <a:endParaRPr lang="en-US"/>
+          </a:p>
+        </p:txBody>
+      </p:sp>
+      <p:sp>
+        <p:nvSpPr>
+          <p:cNvPr id="33" name="TextBox 32">
+            <a:extLst>
+              <a:ext uri="{FF2B5EF4-FFF2-40B4-BE49-F238E27FC236}">
+                <a16:creationId xmlns:a16="http://schemas.microsoft.com/office/drawing/2014/main" id="{E1E8F2E6-35BE-624E-B414-D322D77472C6}"/>
+              </a:ext>
+            </a:extLst>
+          </p:cNvPr>
+          <p:cNvSpPr txBox="1"/>
+          <p:nvPr/>
+        </p:nvSpPr>
+        <p:spPr>
+          <a:xfrm>
+            <a:off x="10599174" y="2542635"/>
+            <a:ext cx="1387496" cy="307777"/>
+          </a:xfrm>
+          <a:prstGeom prst="rect">
+            <a:avLst/>
+          </a:prstGeom>
+          <a:noFill/>
+        </p:spPr>
+        <p:txBody>
+          <a:bodyPr wrap="none" rtlCol="0">
+            <a:spAutoFit/>
+          </a:bodyPr>
+          <a:lstStyle/>
+          <a:p>
+            <a:r>
+              <a:rPr lang="en-US" sz="1400" dirty="0"/>
+              <a:t>store and return</a:t>
+            </a:r>
+          </a:p>
+        </p:txBody>
+      </p:sp>
+      <p:sp>
+        <p:nvSpPr>
+          <p:cNvPr id="8" name="TextBox 7">
+            <a:extLst>
+              <a:ext uri="{FF2B5EF4-FFF2-40B4-BE49-F238E27FC236}">
+                <a16:creationId xmlns:a16="http://schemas.microsoft.com/office/drawing/2014/main" id="{E190C30E-D824-5945-8C7E-3440F2042D4C}"/>
+              </a:ext>
+            </a:extLst>
+          </p:cNvPr>
+          <p:cNvSpPr txBox="1"/>
+          <p:nvPr/>
+        </p:nvSpPr>
+        <p:spPr>
+          <a:xfrm>
+            <a:off x="7058210" y="1301465"/>
+            <a:ext cx="2892395" cy="369332"/>
+          </a:xfrm>
+          <a:prstGeom prst="rect">
+            <a:avLst/>
+          </a:prstGeom>
+          <a:noFill/>
+        </p:spPr>
+        <p:txBody>
+          <a:bodyPr wrap="none" rtlCol="0">
+            <a:spAutoFit/>
+          </a:bodyPr>
+          <a:lstStyle/>
+          <a:p>
+            <a:r>
+              <a:rPr lang="en-US" dirty="0"/>
+              <a:t>First time (no shared future):</a:t>
+            </a:r>
+          </a:p>
+        </p:txBody>
+      </p:sp>
+      <p:sp>
+        <p:nvSpPr>
+          <p:cNvPr id="34" name="TextBox 33">
+            <a:extLst>
+              <a:ext uri="{FF2B5EF4-FFF2-40B4-BE49-F238E27FC236}">
+                <a16:creationId xmlns:a16="http://schemas.microsoft.com/office/drawing/2014/main" id="{D40BBB34-4D66-2241-A163-24B0EDB33458}"/>
+              </a:ext>
+            </a:extLst>
+          </p:cNvPr>
+          <p:cNvSpPr txBox="1"/>
+          <p:nvPr/>
+        </p:nvSpPr>
+        <p:spPr>
+          <a:xfrm>
+            <a:off x="7137661" y="3241139"/>
+            <a:ext cx="3450432" cy="369332"/>
+          </a:xfrm>
+          <a:prstGeom prst="rect">
+            <a:avLst/>
+          </a:prstGeom>
+          <a:noFill/>
+        </p:spPr>
+        <p:txBody>
+          <a:bodyPr wrap="none" rtlCol="0">
+            <a:spAutoFit/>
+          </a:bodyPr>
+          <a:lstStyle/>
+          <a:p>
+            <a:r>
+              <a:rPr lang="en-US" dirty="0"/>
+              <a:t>Second time (shared future exists):</a:t>
+            </a:r>
+          </a:p>
+        </p:txBody>
+      </p:sp>
+    </p:spTree>
+    <p:extLst>
+      <p:ext uri="{BB962C8B-B14F-4D97-AF65-F5344CB8AC3E}">
+        <p14:creationId xmlns:p14="http://schemas.microsoft.com/office/powerpoint/2010/main" val="273274377"/>
+      </p:ext>
+    </p:extLst>
+  </p:cSld>
+  <p:clrMapOvr>
+    <a:masterClrMapping/>
+  </p:clrMapOvr>
+</p:sld>
+</file>
+
+<file path=ppt/slides/slide12.xml><?xml version="1.0" encoding="utf-8"?>
+<p:sld xmlns:a="http://schemas.openxmlformats.org/drawingml/2006/main" xmlns:r="http://schemas.openxmlformats.org/officeDocument/2006/relationships" xmlns:p="http://schemas.openxmlformats.org/presentationml/2006/main">
+  <p:cSld>
+    <p:spTree>
+      <p:nvGrpSpPr>
+        <p:cNvPr id="1" name=""/>
+        <p:cNvGrpSpPr/>
+        <p:nvPr/>
+      </p:nvGrpSpPr>
+      <p:grpSpPr>
+        <a:xfrm>
+          <a:off x="0" y="0"/>
+          <a:ext cx="0" cy="0"/>
+          <a:chOff x="0" y="0"/>
+          <a:chExt cx="0" cy="0"/>
+        </a:xfrm>
+      </p:grpSpPr>
+      <p:sp>
+        <p:nvSpPr>
+          <p:cNvPr id="2" name="Title 1">
+            <a:extLst>
+              <a:ext uri="{FF2B5EF4-FFF2-40B4-BE49-F238E27FC236}">
+                <a16:creationId xmlns:a16="http://schemas.microsoft.com/office/drawing/2014/main" id="{CE0F46F3-BC9F-5644-AD8F-0CC76BAA1902}"/>
+              </a:ext>
+            </a:extLst>
+          </p:cNvPr>
+          <p:cNvSpPr>
+            <a:spLocks noGrp="1"/>
+          </p:cNvSpPr>
+          <p:nvPr>
+            <p:ph type="title"/>
+          </p:nvPr>
+        </p:nvSpPr>
+        <p:spPr>
+          <a:xfrm>
+            <a:off x="838200" y="365125"/>
+            <a:ext cx="10515600" cy="1325563"/>
+          </a:xfrm>
+        </p:spPr>
+        <p:txBody>
+          <a:bodyPr/>
+          <a:lstStyle/>
+          <a:p>
+            <a:r>
+              <a:rPr lang="en-US" dirty="0" err="1"/>
+              <a:t>MatrixRead</a:t>
+            </a:r>
+            <a:endParaRPr lang="en-US" dirty="0"/>
+          </a:p>
+        </p:txBody>
+      </p:sp>
+      <p:sp>
+        <p:nvSpPr>
+          <p:cNvPr id="3" name="Content Placeholder 2">
+            <a:extLst>
+              <a:ext uri="{FF2B5EF4-FFF2-40B4-BE49-F238E27FC236}">
+                <a16:creationId xmlns:a16="http://schemas.microsoft.com/office/drawing/2014/main" id="{8065CE91-9491-9143-A1E4-2BA3F3AA7BDA}"/>
+              </a:ext>
+            </a:extLst>
+          </p:cNvPr>
+          <p:cNvSpPr>
+            <a:spLocks noGrp="1"/>
+          </p:cNvSpPr>
+          <p:nvPr>
+            <p:ph idx="1"/>
+          </p:nvPr>
+        </p:nvSpPr>
+        <p:spPr/>
+        <p:txBody>
+          <a:bodyPr>
+            <a:normAutofit/>
+          </a:bodyPr>
+          <a:lstStyle/>
+          <a:p>
+            <a:r>
+              <a:rPr lang="en-US" sz="2400" dirty="0" err="1"/>
+              <a:t>MatrixRead</a:t>
+            </a:r>
+            <a:r>
+              <a:rPr lang="en-US" sz="2400" dirty="0"/>
+              <a:t> and </a:t>
+            </a:r>
+            <a:r>
+              <a:rPr lang="en-US" sz="2400" dirty="0" err="1"/>
+              <a:t>MatrixRW</a:t>
+            </a:r>
+            <a:r>
+              <a:rPr lang="en-US" sz="2400" dirty="0"/>
+              <a:t> allow a routine to schedule the computation tasks in a different task.</a:t>
+            </a:r>
+          </a:p>
+          <a:p>
+            <a:r>
+              <a:rPr lang="en-US" sz="2400" dirty="0" err="1"/>
+              <a:t>MatrixRead</a:t>
+            </a:r>
+            <a:r>
+              <a:rPr lang="en-US" sz="2400" dirty="0"/>
+              <a:t> creates all the shared futures and store a copy of them.</a:t>
+            </a:r>
+          </a:p>
+          <a:p>
+            <a:r>
+              <a:rPr lang="en-US" sz="2400" dirty="0"/>
+              <a:t>When the </a:t>
+            </a:r>
+            <a:r>
+              <a:rPr lang="en-US" sz="2400" dirty="0" err="1"/>
+              <a:t>MatrixRead</a:t>
+            </a:r>
+            <a:r>
+              <a:rPr lang="en-US" sz="2400" dirty="0"/>
+              <a:t> object is destructed (or done() is called) the local copy of the shared future is destroyed (Note: the Wrapper is destroyed only when all </a:t>
+            </a:r>
+            <a:r>
+              <a:rPr lang="en-US" sz="2400" dirty="0" err="1"/>
+              <a:t>shared_future</a:t>
+            </a:r>
+            <a:r>
+              <a:rPr lang="en-US" sz="2400" dirty="0"/>
+              <a:t> instances are destroyed).</a:t>
+            </a:r>
+          </a:p>
+          <a:p>
+            <a:r>
+              <a:rPr lang="en-US" sz="2400" dirty="0"/>
+              <a:t>Therefore:</a:t>
+            </a:r>
+          </a:p>
+          <a:p>
+            <a:pPr lvl="1"/>
+            <a:r>
+              <a:rPr lang="en-US" dirty="0"/>
+              <a:t>Reads of the original Matrix and of </a:t>
+            </a:r>
+            <a:r>
+              <a:rPr lang="en-US" dirty="0" err="1"/>
+              <a:t>MatrixRead</a:t>
+            </a:r>
+            <a:r>
+              <a:rPr lang="en-US" dirty="0"/>
+              <a:t> can be concurrent</a:t>
+            </a:r>
+          </a:p>
+          <a:p>
+            <a:pPr lvl="1"/>
+            <a:r>
+              <a:rPr lang="en-US" dirty="0"/>
+              <a:t>Writes of the original Matrix needs to wait the end of all read operation. (when no more shared future of the given Tile exists)</a:t>
+            </a:r>
+          </a:p>
+        </p:txBody>
+      </p:sp>
+    </p:spTree>
+    <p:extLst>
+      <p:ext uri="{BB962C8B-B14F-4D97-AF65-F5344CB8AC3E}">
+        <p14:creationId xmlns:p14="http://schemas.microsoft.com/office/powerpoint/2010/main" val="858475380"/>
+      </p:ext>
+    </p:extLst>
+  </p:cSld>
+  <p:clrMapOvr>
+    <a:masterClrMapping/>
+  </p:clrMapOvr>
+</p:sld>
+</file>
+
+<file path=ppt/slides/slide13.xml><?xml version="1.0" encoding="utf-8"?>
+<p:sld xmlns:a="http://schemas.openxmlformats.org/drawingml/2006/main" xmlns:r="http://schemas.openxmlformats.org/officeDocument/2006/relationships" xmlns:p="http://schemas.openxmlformats.org/presentationml/2006/main">
+  <p:cSld>
+    <p:spTree>
+      <p:nvGrpSpPr>
+        <p:cNvPr id="1" name=""/>
+        <p:cNvGrpSpPr/>
+        <p:nvPr/>
+      </p:nvGrpSpPr>
+      <p:grpSpPr>
+        <a:xfrm>
+          <a:off x="0" y="0"/>
+          <a:ext cx="0" cy="0"/>
+          <a:chOff x="0" y="0"/>
+          <a:chExt cx="0" cy="0"/>
+        </a:xfrm>
+      </p:grpSpPr>
+      <p:sp>
+        <p:nvSpPr>
+          <p:cNvPr id="2" name="Title 1">
+            <a:extLst>
+              <a:ext uri="{FF2B5EF4-FFF2-40B4-BE49-F238E27FC236}">
+                <a16:creationId xmlns:a16="http://schemas.microsoft.com/office/drawing/2014/main" id="{CE0F46F3-BC9F-5644-AD8F-0CC76BAA1902}"/>
+              </a:ext>
+            </a:extLst>
+          </p:cNvPr>
+          <p:cNvSpPr>
+            <a:spLocks noGrp="1"/>
+          </p:cNvSpPr>
+          <p:nvPr>
+            <p:ph type="title"/>
+          </p:nvPr>
+        </p:nvSpPr>
+        <p:spPr>
+          <a:xfrm>
+            <a:off x="838200" y="365125"/>
+            <a:ext cx="10515600" cy="1325563"/>
+          </a:xfrm>
+        </p:spPr>
+        <p:txBody>
+          <a:bodyPr/>
+          <a:lstStyle/>
+          <a:p>
+            <a:r>
+              <a:rPr lang="en-US" dirty="0" err="1"/>
+              <a:t>MatrixRW</a:t>
+            </a:r>
+            <a:endParaRPr lang="en-US" dirty="0"/>
+          </a:p>
+        </p:txBody>
+      </p:sp>
+      <p:sp>
+        <p:nvSpPr>
+          <p:cNvPr id="3" name="Content Placeholder 2">
+            <a:extLst>
+              <a:ext uri="{FF2B5EF4-FFF2-40B4-BE49-F238E27FC236}">
+                <a16:creationId xmlns:a16="http://schemas.microsoft.com/office/drawing/2014/main" id="{8065CE91-9491-9143-A1E4-2BA3F3AA7BDA}"/>
+              </a:ext>
+            </a:extLst>
+          </p:cNvPr>
+          <p:cNvSpPr>
+            <a:spLocks noGrp="1"/>
+          </p:cNvSpPr>
+          <p:nvPr>
+            <p:ph idx="1"/>
+          </p:nvPr>
+        </p:nvSpPr>
+        <p:spPr/>
+        <p:txBody>
+          <a:bodyPr>
+            <a:normAutofit/>
+          </a:bodyPr>
+          <a:lstStyle/>
+          <a:p>
+            <a:r>
+              <a:rPr lang="en-US" sz="2400" dirty="0" err="1"/>
+              <a:t>MatrixRW</a:t>
+            </a:r>
+            <a:r>
+              <a:rPr lang="en-US" sz="2400" dirty="0"/>
+              <a:t> moves all the futures and shared future of the original Matrix and replace them with promise futures which are stored by </a:t>
+            </a:r>
+            <a:r>
+              <a:rPr lang="en-US" sz="2400" dirty="0" err="1"/>
+              <a:t>MatrixRW</a:t>
+            </a:r>
+            <a:r>
+              <a:rPr lang="en-US" sz="2400" dirty="0"/>
+              <a:t>.</a:t>
+            </a:r>
+          </a:p>
+          <a:p>
+            <a:r>
+              <a:rPr lang="en-US" sz="2400" dirty="0"/>
+              <a:t>When the </a:t>
+            </a:r>
+            <a:r>
+              <a:rPr lang="en-US" sz="2400" dirty="0" err="1"/>
+              <a:t>MatrixRW</a:t>
+            </a:r>
+            <a:r>
+              <a:rPr lang="en-US" sz="2400" dirty="0"/>
+              <a:t> object is destructed (or done() is called) the local copy of the shared future is destroyed and the future of the original Matrix will be set with the value of </a:t>
+            </a:r>
+            <a:r>
+              <a:rPr lang="en-US" sz="2400" dirty="0" err="1"/>
+              <a:t>MatrixRW</a:t>
+            </a:r>
+            <a:r>
+              <a:rPr lang="en-US" sz="2400" dirty="0"/>
+              <a:t> current future.</a:t>
+            </a:r>
+          </a:p>
+          <a:p>
+            <a:r>
+              <a:rPr lang="en-US" sz="2400" dirty="0"/>
+              <a:t>Therefore:</a:t>
+            </a:r>
+          </a:p>
+          <a:p>
+            <a:pPr lvl="1"/>
+            <a:r>
+              <a:rPr lang="en-US" dirty="0"/>
+              <a:t>Reads of the original Matrix and reads of </a:t>
+            </a:r>
+            <a:r>
+              <a:rPr lang="en-US" dirty="0" err="1"/>
+              <a:t>MatrixRW</a:t>
+            </a:r>
+            <a:r>
+              <a:rPr lang="en-US" dirty="0"/>
+              <a:t> after </a:t>
+            </a:r>
+            <a:r>
+              <a:rPr lang="en-US" dirty="0" err="1"/>
+              <a:t>doneWrite</a:t>
+            </a:r>
+            <a:r>
+              <a:rPr lang="en-US" dirty="0"/>
+              <a:t>() is called can be concurrent.</a:t>
+            </a:r>
+          </a:p>
+          <a:p>
+            <a:pPr lvl="1"/>
+            <a:r>
+              <a:rPr lang="en-US" dirty="0"/>
+              <a:t>Writes of the original Matrix needs to wait the end of all operation scheduled using </a:t>
+            </a:r>
+            <a:r>
+              <a:rPr lang="en-US" dirty="0" err="1"/>
+              <a:t>MatrixRW</a:t>
+            </a:r>
+            <a:r>
+              <a:rPr lang="en-US" dirty="0"/>
+              <a:t>.</a:t>
+            </a:r>
+          </a:p>
+        </p:txBody>
+      </p:sp>
+    </p:spTree>
+    <p:extLst>
+      <p:ext uri="{BB962C8B-B14F-4D97-AF65-F5344CB8AC3E}">
+        <p14:creationId xmlns:p14="http://schemas.microsoft.com/office/powerpoint/2010/main" val="1259577013"/>
+      </p:ext>
+    </p:extLst>
+  </p:cSld>
+  <p:clrMapOvr>
+    <a:masterClrMapping/>
+  </p:clrMapOvr>
+</p:sld>
+</file>
+
 <file path=ppt/slides/slide2.xml><?xml version="1.0" encoding="utf-8"?>
 <p:sld xmlns:a="http://schemas.openxmlformats.org/drawingml/2006/main" xmlns:r="http://schemas.openxmlformats.org/officeDocument/2006/relationships" xmlns:p="http://schemas.openxmlformats.org/presentationml/2006/main">
   <p:cSld>
@@ -4436,8 +7776,8 @@
         </p:nvCxnSpPr>
         <p:spPr>
           <a:xfrm>
-            <a:off x="10579578" y="3891794"/>
-            <a:ext cx="92248" cy="1091685"/>
+            <a:off x="10349797" y="3337560"/>
+            <a:ext cx="322029" cy="1645919"/>
           </a:xfrm>
           <a:prstGeom prst="straightConnector1">
             <a:avLst/>
@@ -4527,50 +7867,6 @@
           <a:xfrm flipH="1">
             <a:off x="4164573" y="5532123"/>
             <a:ext cx="187448" cy="548634"/>
-          </a:xfrm>
-          <a:prstGeom prst="straightConnector1">
-            <a:avLst/>
-          </a:prstGeom>
-          <a:ln w="38100">
-            <a:solidFill>
-              <a:schemeClr val="accent4"/>
-            </a:solidFill>
-            <a:tailEnd type="triangle"/>
-          </a:ln>
-        </p:spPr>
-        <p:style>
-          <a:lnRef idx="1">
-            <a:schemeClr val="accent1"/>
-          </a:lnRef>
-          <a:fillRef idx="0">
-            <a:schemeClr val="accent1"/>
-          </a:fillRef>
-          <a:effectRef idx="0">
-            <a:schemeClr val="accent1"/>
-          </a:effectRef>
-          <a:fontRef idx="minor">
-            <a:schemeClr val="tx1"/>
-          </a:fontRef>
-        </p:style>
-      </p:cxnSp>
-      <p:cxnSp>
-        <p:nvCxnSpPr>
-          <p:cNvPr id="84" name="Straight Arrow Connector 83">
-            <a:extLst>
-              <a:ext uri="{FF2B5EF4-FFF2-40B4-BE49-F238E27FC236}">
-                <a16:creationId xmlns:a16="http://schemas.microsoft.com/office/drawing/2014/main" id="{8907B7E1-13CA-094F-9396-ABF5AA0AB646}"/>
-              </a:ext>
-            </a:extLst>
-          </p:cNvPr>
-          <p:cNvCxnSpPr>
-            <a:cxnSpLocks/>
-          </p:cNvCxnSpPr>
-          <p:nvPr/>
-        </p:nvCxnSpPr>
-        <p:spPr>
-          <a:xfrm flipH="1">
-            <a:off x="8575289" y="2251479"/>
-            <a:ext cx="450926" cy="2732000"/>
           </a:xfrm>
           <a:prstGeom prst="straightConnector1">
             <a:avLst/>
@@ -5342,7 +8638,7 @@
         </p:nvSpPr>
         <p:spPr>
           <a:xfrm>
-            <a:off x="9669989" y="3343155"/>
+            <a:off x="9440208" y="2788921"/>
             <a:ext cx="1819178" cy="548639"/>
           </a:xfrm>
           <a:prstGeom prst="roundRect">
@@ -5408,8 +8704,8 @@
         </p:nvCxnSpPr>
         <p:spPr>
           <a:xfrm flipH="1">
-            <a:off x="8671671" y="3891794"/>
-            <a:ext cx="1337212" cy="1091685"/>
+            <a:off x="8671672" y="3340357"/>
+            <a:ext cx="1337211" cy="1643122"/>
           </a:xfrm>
           <a:prstGeom prst="straightConnector1">
             <a:avLst/>
@@ -5453,8 +8749,8 @@
         </p:nvCxnSpPr>
         <p:spPr>
           <a:xfrm>
-            <a:off x="9260028" y="2251479"/>
-            <a:ext cx="1319550" cy="1091676"/>
+            <a:off x="9192900" y="2234911"/>
+            <a:ext cx="1156897" cy="554010"/>
           </a:xfrm>
           <a:prstGeom prst="straightConnector1">
             <a:avLst/>
@@ -5553,6 +8849,50 @@
           <a:ln w="38100">
             <a:solidFill>
               <a:schemeClr val="accent1"/>
+            </a:solidFill>
+            <a:tailEnd type="triangle"/>
+          </a:ln>
+        </p:spPr>
+        <p:style>
+          <a:lnRef idx="1">
+            <a:schemeClr val="accent1"/>
+          </a:lnRef>
+          <a:fillRef idx="0">
+            <a:schemeClr val="accent1"/>
+          </a:fillRef>
+          <a:effectRef idx="0">
+            <a:schemeClr val="accent1"/>
+          </a:effectRef>
+          <a:fontRef idx="minor">
+            <a:schemeClr val="tx1"/>
+          </a:fontRef>
+        </p:style>
+      </p:cxnSp>
+      <p:cxnSp>
+        <p:nvCxnSpPr>
+          <p:cNvPr id="60" name="Straight Arrow Connector 59">
+            <a:extLst>
+              <a:ext uri="{FF2B5EF4-FFF2-40B4-BE49-F238E27FC236}">
+                <a16:creationId xmlns:a16="http://schemas.microsoft.com/office/drawing/2014/main" id="{93EACEA8-A998-CB4B-9503-90403A88B8A5}"/>
+              </a:ext>
+            </a:extLst>
+          </p:cNvPr>
+          <p:cNvCxnSpPr>
+            <a:cxnSpLocks/>
+          </p:cNvCxnSpPr>
+          <p:nvPr/>
+        </p:nvCxnSpPr>
+        <p:spPr>
+          <a:xfrm flipH="1">
+            <a:off x="8575290" y="3348748"/>
+            <a:ext cx="954583" cy="545619"/>
+          </a:xfrm>
+          <a:prstGeom prst="straightConnector1">
+            <a:avLst/>
+          </a:prstGeom>
+          <a:ln w="38100">
+            <a:solidFill>
+              <a:schemeClr val="accent4"/>
             </a:solidFill>
             <a:tailEnd type="triangle"/>
           </a:ln>
@@ -7137,7 +10477,9 @@
         </p:nvSpPr>
         <p:spPr/>
         <p:txBody>
-          <a:bodyPr/>
+          <a:bodyPr>
+            <a:normAutofit/>
+          </a:bodyPr>
           <a:lstStyle/>
           <a:p>
             <a:r>
@@ -7168,7 +10510,7 @@
             </a:r>
             <a:r>
               <a:rPr lang="en-US" dirty="0" err="1"/>
-              <a:t>tileA</a:t>
+              <a:t>tile_a</a:t>
             </a:r>
             <a:r>
               <a:rPr lang="en-US" dirty="0"/>
@@ -7176,7 +10518,7 @@
             </a:r>
             <a:r>
               <a:rPr lang="en-US" dirty="0" err="1"/>
-              <a:t>tileB</a:t>
+              <a:t>tile_b</a:t>
             </a:r>
             <a:r>
               <a:rPr lang="en-US" dirty="0"/>
@@ -7184,11 +10526,89 @@
             </a:r>
             <a:r>
               <a:rPr lang="en-US" dirty="0" err="1"/>
-              <a:t>tileC</a:t>
+              <a:t>tile_c</a:t>
             </a:r>
             <a:r>
               <a:rPr lang="en-US" dirty="0"/>
               <a:t>)</a:t>
+            </a:r>
+          </a:p>
+          <a:p>
+            <a:pPr lvl="1"/>
+            <a:r>
+              <a:rPr lang="en-US" dirty="0" err="1"/>
+              <a:t>tile_a</a:t>
+            </a:r>
+            <a:r>
+              <a:rPr lang="en-US" dirty="0"/>
+              <a:t>, </a:t>
+            </a:r>
+            <a:r>
+              <a:rPr lang="en-US" dirty="0" err="1"/>
+              <a:t>tile_b</a:t>
+            </a:r>
+            <a:r>
+              <a:rPr lang="en-US" dirty="0"/>
+              <a:t> are </a:t>
+            </a:r>
+            <a:r>
+              <a:rPr lang="en-US" dirty="0" err="1"/>
+              <a:t>const</a:t>
+            </a:r>
+            <a:r>
+              <a:rPr lang="en-US" dirty="0"/>
+              <a:t> Tile&amp; and </a:t>
+            </a:r>
+            <a:r>
+              <a:rPr lang="en-US" dirty="0" err="1"/>
+              <a:t>tile_c</a:t>
+            </a:r>
+            <a:r>
+              <a:rPr lang="en-US" dirty="0"/>
+              <a:t> is Tile&amp;</a:t>
+            </a:r>
+          </a:p>
+          <a:p>
+            <a:pPr lvl="1"/>
+            <a:r>
+              <a:rPr lang="en-US" dirty="0" err="1"/>
+              <a:t>tile_a</a:t>
+            </a:r>
+            <a:r>
+              <a:rPr lang="en-US" dirty="0"/>
+              <a:t>, </a:t>
+            </a:r>
+            <a:r>
+              <a:rPr lang="en-US" dirty="0" err="1"/>
+              <a:t>tile_b</a:t>
+            </a:r>
+            <a:r>
+              <a:rPr lang="en-US" dirty="0"/>
+              <a:t> are </a:t>
+            </a:r>
+            <a:r>
+              <a:rPr lang="en-US" dirty="0" err="1"/>
+              <a:t>const</a:t>
+            </a:r>
+            <a:r>
+              <a:rPr lang="en-US" dirty="0"/>
+              <a:t> Wrapper&lt;</a:t>
+            </a:r>
+            <a:r>
+              <a:rPr lang="en-US"/>
+              <a:t>Tile&gt;&amp; </a:t>
+            </a:r>
+            <a:r>
+              <a:rPr lang="en-US" dirty="0"/>
+              <a:t>and </a:t>
+            </a:r>
+            <a:r>
+              <a:rPr lang="en-US" dirty="0" err="1"/>
+              <a:t>tile_c</a:t>
+            </a:r>
+            <a:r>
+              <a:rPr lang="en-US" dirty="0"/>
+              <a:t> is Wrapper&lt;Tile&gt;&amp;&amp;.</a:t>
             </a:r>
           </a:p>
           <a:p>
@@ -7565,6 +10985,903 @@
     <p:extLst>
       <p:ext uri="{BB962C8B-B14F-4D97-AF65-F5344CB8AC3E}">
         <p14:creationId xmlns:p14="http://schemas.microsoft.com/office/powerpoint/2010/main" val="950295917"/>
+      </p:ext>
+    </p:extLst>
+  </p:cSld>
+  <p:clrMapOvr>
+    <a:masterClrMapping/>
+  </p:clrMapOvr>
+</p:sld>
+</file>
+
+<file path=ppt/slides/slide9.xml><?xml version="1.0" encoding="utf-8"?>
+<p:sld xmlns:a="http://schemas.openxmlformats.org/drawingml/2006/main" xmlns:r="http://schemas.openxmlformats.org/officeDocument/2006/relationships" xmlns:p="http://schemas.openxmlformats.org/presentationml/2006/main">
+  <p:cSld>
+    <p:spTree>
+      <p:nvGrpSpPr>
+        <p:cNvPr id="1" name=""/>
+        <p:cNvGrpSpPr/>
+        <p:nvPr/>
+      </p:nvGrpSpPr>
+      <p:grpSpPr>
+        <a:xfrm>
+          <a:off x="0" y="0"/>
+          <a:ext cx="0" cy="0"/>
+          <a:chOff x="0" y="0"/>
+          <a:chExt cx="0" cy="0"/>
+        </a:xfrm>
+      </p:grpSpPr>
+      <p:sp>
+        <p:nvSpPr>
+          <p:cNvPr id="2" name="Title 1">
+            <a:extLst>
+              <a:ext uri="{FF2B5EF4-FFF2-40B4-BE49-F238E27FC236}">
+                <a16:creationId xmlns:a16="http://schemas.microsoft.com/office/drawing/2014/main" id="{CE0F46F3-BC9F-5644-AD8F-0CC76BAA1902}"/>
+              </a:ext>
+            </a:extLst>
+          </p:cNvPr>
+          <p:cNvSpPr>
+            <a:spLocks noGrp="1"/>
+          </p:cNvSpPr>
+          <p:nvPr>
+            <p:ph type="title"/>
+          </p:nvPr>
+        </p:nvSpPr>
+        <p:spPr>
+          <a:xfrm>
+            <a:off x="838200" y="365125"/>
+            <a:ext cx="10515600" cy="1325563"/>
+          </a:xfrm>
+        </p:spPr>
+        <p:txBody>
+          <a:bodyPr/>
+          <a:lstStyle/>
+          <a:p>
+            <a:r>
+              <a:rPr lang="en-US" dirty="0"/>
+              <a:t>How the matrix of future works</a:t>
+            </a:r>
+          </a:p>
+        </p:txBody>
+      </p:sp>
+      <p:sp>
+        <p:nvSpPr>
+          <p:cNvPr id="3" name="Content Placeholder 2">
+            <a:extLst>
+              <a:ext uri="{FF2B5EF4-FFF2-40B4-BE49-F238E27FC236}">
+                <a16:creationId xmlns:a16="http://schemas.microsoft.com/office/drawing/2014/main" id="{8065CE91-9491-9143-A1E4-2BA3F3AA7BDA}"/>
+              </a:ext>
+            </a:extLst>
+          </p:cNvPr>
+          <p:cNvSpPr>
+            <a:spLocks noGrp="1"/>
+          </p:cNvSpPr>
+          <p:nvPr>
+            <p:ph idx="1"/>
+          </p:nvPr>
+        </p:nvSpPr>
+        <p:spPr/>
+        <p:txBody>
+          <a:bodyPr>
+            <a:normAutofit/>
+          </a:bodyPr>
+          <a:lstStyle/>
+          <a:p>
+            <a:r>
+              <a:rPr lang="en-US" dirty="0"/>
+              <a:t>Matrix is 2D block cyclic distributed.</a:t>
+            </a:r>
+          </a:p>
+          <a:p>
+            <a:r>
+              <a:rPr lang="en-US" dirty="0"/>
+              <a:t>Each local tile is represented by a future</a:t>
+            </a:r>
+            <a:br>
+              <a:rPr lang="en-US" dirty="0"/>
+            </a:br>
+            <a:r>
+              <a:rPr lang="en-US" dirty="0"/>
+              <a:t>and a pointer to a shared future</a:t>
+            </a:r>
+            <a:br>
+              <a:rPr lang="en-US" dirty="0"/>
+            </a:br>
+            <a:r>
+              <a:rPr lang="en-US" dirty="0"/>
+              <a:t>(used when the task only reads the tile)</a:t>
+            </a:r>
+          </a:p>
+        </p:txBody>
+      </p:sp>
+      <p:sp>
+        <p:nvSpPr>
+          <p:cNvPr id="4" name="Rectangle 3">
+            <a:extLst>
+              <a:ext uri="{FF2B5EF4-FFF2-40B4-BE49-F238E27FC236}">
+                <a16:creationId xmlns:a16="http://schemas.microsoft.com/office/drawing/2014/main" id="{E42AF247-8642-434D-8553-48D6201BE1F4}"/>
+              </a:ext>
+            </a:extLst>
+          </p:cNvPr>
+          <p:cNvSpPr/>
+          <p:nvPr/>
+        </p:nvSpPr>
+        <p:spPr>
+          <a:xfrm>
+            <a:off x="7702475" y="2151528"/>
+            <a:ext cx="774551" cy="710005"/>
+          </a:xfrm>
+          <a:prstGeom prst="rect">
+            <a:avLst/>
+          </a:prstGeom>
+        </p:spPr>
+        <p:style>
+          <a:lnRef idx="2">
+            <a:schemeClr val="accent1">
+              <a:shade val="50000"/>
+            </a:schemeClr>
+          </a:lnRef>
+          <a:fillRef idx="1">
+            <a:schemeClr val="accent1"/>
+          </a:fillRef>
+          <a:effectRef idx="0">
+            <a:schemeClr val="accent1"/>
+          </a:effectRef>
+          <a:fontRef idx="minor">
+            <a:schemeClr val="lt1"/>
+          </a:fontRef>
+        </p:style>
+        <p:txBody>
+          <a:bodyPr rtlCol="0" anchor="ctr"/>
+          <a:lstStyle/>
+          <a:p>
+            <a:pPr algn="ctr"/>
+            <a:r>
+              <a:rPr lang="en-US" dirty="0"/>
+              <a:t>0,0</a:t>
+            </a:r>
+          </a:p>
+        </p:txBody>
+      </p:sp>
+      <p:sp>
+        <p:nvSpPr>
+          <p:cNvPr id="5" name="Rectangle 4">
+            <a:extLst>
+              <a:ext uri="{FF2B5EF4-FFF2-40B4-BE49-F238E27FC236}">
+                <a16:creationId xmlns:a16="http://schemas.microsoft.com/office/drawing/2014/main" id="{3B54EB16-7A5B-8A43-9817-9997554CD933}"/>
+              </a:ext>
+            </a:extLst>
+          </p:cNvPr>
+          <p:cNvSpPr/>
+          <p:nvPr/>
+        </p:nvSpPr>
+        <p:spPr>
+          <a:xfrm>
+            <a:off x="8477025" y="2151523"/>
+            <a:ext cx="774551" cy="710005"/>
+          </a:xfrm>
+          <a:prstGeom prst="rect">
+            <a:avLst/>
+          </a:prstGeom>
+        </p:spPr>
+        <p:style>
+          <a:lnRef idx="2">
+            <a:schemeClr val="accent2">
+              <a:shade val="50000"/>
+            </a:schemeClr>
+          </a:lnRef>
+          <a:fillRef idx="1">
+            <a:schemeClr val="accent2"/>
+          </a:fillRef>
+          <a:effectRef idx="0">
+            <a:schemeClr val="accent2"/>
+          </a:effectRef>
+          <a:fontRef idx="minor">
+            <a:schemeClr val="lt1"/>
+          </a:fontRef>
+        </p:style>
+        <p:txBody>
+          <a:bodyPr rtlCol="0" anchor="ctr"/>
+          <a:lstStyle/>
+          <a:p>
+            <a:pPr algn="ctr"/>
+            <a:r>
+              <a:rPr lang="en-US" dirty="0"/>
+              <a:t>0,1</a:t>
+            </a:r>
+          </a:p>
+        </p:txBody>
+      </p:sp>
+      <p:sp>
+        <p:nvSpPr>
+          <p:cNvPr id="6" name="Rectangle 5">
+            <a:extLst>
+              <a:ext uri="{FF2B5EF4-FFF2-40B4-BE49-F238E27FC236}">
+                <a16:creationId xmlns:a16="http://schemas.microsoft.com/office/drawing/2014/main" id="{923B16CE-0AC4-E347-9F4C-14C29B21D3DD}"/>
+              </a:ext>
+            </a:extLst>
+          </p:cNvPr>
+          <p:cNvSpPr/>
+          <p:nvPr/>
+        </p:nvSpPr>
+        <p:spPr>
+          <a:xfrm>
+            <a:off x="7702475" y="2861532"/>
+            <a:ext cx="774551" cy="710005"/>
+          </a:xfrm>
+          <a:prstGeom prst="rect">
+            <a:avLst/>
+          </a:prstGeom>
+        </p:spPr>
+        <p:style>
+          <a:lnRef idx="2">
+            <a:schemeClr val="accent4">
+              <a:shade val="50000"/>
+            </a:schemeClr>
+          </a:lnRef>
+          <a:fillRef idx="1">
+            <a:schemeClr val="accent4"/>
+          </a:fillRef>
+          <a:effectRef idx="0">
+            <a:schemeClr val="accent4"/>
+          </a:effectRef>
+          <a:fontRef idx="minor">
+            <a:schemeClr val="lt1"/>
+          </a:fontRef>
+        </p:style>
+        <p:txBody>
+          <a:bodyPr rtlCol="0" anchor="ctr"/>
+          <a:lstStyle/>
+          <a:p>
+            <a:pPr algn="ctr"/>
+            <a:r>
+              <a:rPr lang="en-US" dirty="0"/>
+              <a:t>1,0</a:t>
+            </a:r>
+          </a:p>
+        </p:txBody>
+      </p:sp>
+      <p:sp>
+        <p:nvSpPr>
+          <p:cNvPr id="7" name="Rectangle 6">
+            <a:extLst>
+              <a:ext uri="{FF2B5EF4-FFF2-40B4-BE49-F238E27FC236}">
+                <a16:creationId xmlns:a16="http://schemas.microsoft.com/office/drawing/2014/main" id="{11A19E98-8515-AD4A-84A7-D5229B7D201D}"/>
+              </a:ext>
+            </a:extLst>
+          </p:cNvPr>
+          <p:cNvSpPr/>
+          <p:nvPr/>
+        </p:nvSpPr>
+        <p:spPr>
+          <a:xfrm>
+            <a:off x="8477025" y="2861532"/>
+            <a:ext cx="774551" cy="710005"/>
+          </a:xfrm>
+          <a:prstGeom prst="rect">
+            <a:avLst/>
+          </a:prstGeom>
+        </p:spPr>
+        <p:style>
+          <a:lnRef idx="2">
+            <a:schemeClr val="accent6">
+              <a:shade val="50000"/>
+            </a:schemeClr>
+          </a:lnRef>
+          <a:fillRef idx="1">
+            <a:schemeClr val="accent6"/>
+          </a:fillRef>
+          <a:effectRef idx="0">
+            <a:schemeClr val="accent6"/>
+          </a:effectRef>
+          <a:fontRef idx="minor">
+            <a:schemeClr val="lt1"/>
+          </a:fontRef>
+        </p:style>
+        <p:txBody>
+          <a:bodyPr rtlCol="0" anchor="ctr"/>
+          <a:lstStyle/>
+          <a:p>
+            <a:pPr algn="ctr"/>
+            <a:r>
+              <a:rPr lang="en-US" dirty="0"/>
+              <a:t>1,1</a:t>
+            </a:r>
+          </a:p>
+        </p:txBody>
+      </p:sp>
+      <p:sp>
+        <p:nvSpPr>
+          <p:cNvPr id="9" name="Rectangle 8">
+            <a:extLst>
+              <a:ext uri="{FF2B5EF4-FFF2-40B4-BE49-F238E27FC236}">
+                <a16:creationId xmlns:a16="http://schemas.microsoft.com/office/drawing/2014/main" id="{62FF41B5-E3B9-9A41-8361-7C03E09A597F}"/>
+              </a:ext>
+            </a:extLst>
+          </p:cNvPr>
+          <p:cNvSpPr/>
+          <p:nvPr/>
+        </p:nvSpPr>
+        <p:spPr>
+          <a:xfrm>
+            <a:off x="7702475" y="3571538"/>
+            <a:ext cx="774551" cy="710005"/>
+          </a:xfrm>
+          <a:prstGeom prst="rect">
+            <a:avLst/>
+          </a:prstGeom>
+        </p:spPr>
+        <p:style>
+          <a:lnRef idx="2">
+            <a:schemeClr val="accent1">
+              <a:shade val="50000"/>
+            </a:schemeClr>
+          </a:lnRef>
+          <a:fillRef idx="1">
+            <a:schemeClr val="accent1"/>
+          </a:fillRef>
+          <a:effectRef idx="0">
+            <a:schemeClr val="accent1"/>
+          </a:effectRef>
+          <a:fontRef idx="minor">
+            <a:schemeClr val="lt1"/>
+          </a:fontRef>
+        </p:style>
+        <p:txBody>
+          <a:bodyPr rtlCol="0" anchor="ctr"/>
+          <a:lstStyle/>
+          <a:p>
+            <a:pPr algn="ctr"/>
+            <a:r>
+              <a:rPr lang="en-US" dirty="0"/>
+              <a:t>2,0</a:t>
+            </a:r>
+          </a:p>
+        </p:txBody>
+      </p:sp>
+      <p:sp>
+        <p:nvSpPr>
+          <p:cNvPr id="10" name="Rectangle 9">
+            <a:extLst>
+              <a:ext uri="{FF2B5EF4-FFF2-40B4-BE49-F238E27FC236}">
+                <a16:creationId xmlns:a16="http://schemas.microsoft.com/office/drawing/2014/main" id="{F9613E89-3C6D-834E-A737-1A05FB110829}"/>
+              </a:ext>
+            </a:extLst>
+          </p:cNvPr>
+          <p:cNvSpPr/>
+          <p:nvPr/>
+        </p:nvSpPr>
+        <p:spPr>
+          <a:xfrm>
+            <a:off x="8477026" y="3571537"/>
+            <a:ext cx="774551" cy="710005"/>
+          </a:xfrm>
+          <a:prstGeom prst="rect">
+            <a:avLst/>
+          </a:prstGeom>
+        </p:spPr>
+        <p:style>
+          <a:lnRef idx="2">
+            <a:schemeClr val="accent2">
+              <a:shade val="50000"/>
+            </a:schemeClr>
+          </a:lnRef>
+          <a:fillRef idx="1">
+            <a:schemeClr val="accent2"/>
+          </a:fillRef>
+          <a:effectRef idx="0">
+            <a:schemeClr val="accent2"/>
+          </a:effectRef>
+          <a:fontRef idx="minor">
+            <a:schemeClr val="lt1"/>
+          </a:fontRef>
+        </p:style>
+        <p:txBody>
+          <a:bodyPr rtlCol="0" anchor="ctr"/>
+          <a:lstStyle/>
+          <a:p>
+            <a:pPr algn="ctr"/>
+            <a:r>
+              <a:rPr lang="en-US" dirty="0"/>
+              <a:t>2,1</a:t>
+            </a:r>
+          </a:p>
+        </p:txBody>
+      </p:sp>
+      <p:sp>
+        <p:nvSpPr>
+          <p:cNvPr id="11" name="Rectangle 10">
+            <a:extLst>
+              <a:ext uri="{FF2B5EF4-FFF2-40B4-BE49-F238E27FC236}">
+                <a16:creationId xmlns:a16="http://schemas.microsoft.com/office/drawing/2014/main" id="{68E0E322-42B6-D346-888E-85A96DB605E1}"/>
+              </a:ext>
+            </a:extLst>
+          </p:cNvPr>
+          <p:cNvSpPr/>
+          <p:nvPr/>
+        </p:nvSpPr>
+        <p:spPr>
+          <a:xfrm>
+            <a:off x="7702475" y="4281542"/>
+            <a:ext cx="774551" cy="710005"/>
+          </a:xfrm>
+          <a:prstGeom prst="rect">
+            <a:avLst/>
+          </a:prstGeom>
+        </p:spPr>
+        <p:style>
+          <a:lnRef idx="2">
+            <a:schemeClr val="accent4">
+              <a:shade val="50000"/>
+            </a:schemeClr>
+          </a:lnRef>
+          <a:fillRef idx="1">
+            <a:schemeClr val="accent4"/>
+          </a:fillRef>
+          <a:effectRef idx="0">
+            <a:schemeClr val="accent4"/>
+          </a:effectRef>
+          <a:fontRef idx="minor">
+            <a:schemeClr val="lt1"/>
+          </a:fontRef>
+        </p:style>
+        <p:txBody>
+          <a:bodyPr rtlCol="0" anchor="ctr"/>
+          <a:lstStyle/>
+          <a:p>
+            <a:pPr algn="ctr"/>
+            <a:r>
+              <a:rPr lang="en-US" dirty="0"/>
+              <a:t>3,0</a:t>
+            </a:r>
+          </a:p>
+        </p:txBody>
+      </p:sp>
+      <p:sp>
+        <p:nvSpPr>
+          <p:cNvPr id="12" name="Rectangle 11">
+            <a:extLst>
+              <a:ext uri="{FF2B5EF4-FFF2-40B4-BE49-F238E27FC236}">
+                <a16:creationId xmlns:a16="http://schemas.microsoft.com/office/drawing/2014/main" id="{DBE44F78-E3B6-5348-8054-E25E23989708}"/>
+              </a:ext>
+            </a:extLst>
+          </p:cNvPr>
+          <p:cNvSpPr/>
+          <p:nvPr/>
+        </p:nvSpPr>
+        <p:spPr>
+          <a:xfrm>
+            <a:off x="8477025" y="4281542"/>
+            <a:ext cx="774551" cy="710005"/>
+          </a:xfrm>
+          <a:prstGeom prst="rect">
+            <a:avLst/>
+          </a:prstGeom>
+        </p:spPr>
+        <p:style>
+          <a:lnRef idx="2">
+            <a:schemeClr val="accent6">
+              <a:shade val="50000"/>
+            </a:schemeClr>
+          </a:lnRef>
+          <a:fillRef idx="1">
+            <a:schemeClr val="accent6"/>
+          </a:fillRef>
+          <a:effectRef idx="0">
+            <a:schemeClr val="accent6"/>
+          </a:effectRef>
+          <a:fontRef idx="minor">
+            <a:schemeClr val="lt1"/>
+          </a:fontRef>
+        </p:style>
+        <p:txBody>
+          <a:bodyPr rtlCol="0" anchor="ctr"/>
+          <a:lstStyle/>
+          <a:p>
+            <a:pPr algn="ctr"/>
+            <a:r>
+              <a:rPr lang="en-US" dirty="0"/>
+              <a:t>3,1</a:t>
+            </a:r>
+          </a:p>
+        </p:txBody>
+      </p:sp>
+      <p:sp>
+        <p:nvSpPr>
+          <p:cNvPr id="13" name="Rectangle 12">
+            <a:extLst>
+              <a:ext uri="{FF2B5EF4-FFF2-40B4-BE49-F238E27FC236}">
+                <a16:creationId xmlns:a16="http://schemas.microsoft.com/office/drawing/2014/main" id="{2D6ADD26-335B-544E-A791-0EB9B95F0F88}"/>
+              </a:ext>
+            </a:extLst>
+          </p:cNvPr>
+          <p:cNvSpPr/>
+          <p:nvPr/>
+        </p:nvSpPr>
+        <p:spPr>
+          <a:xfrm>
+            <a:off x="9251576" y="2151526"/>
+            <a:ext cx="774551" cy="710005"/>
+          </a:xfrm>
+          <a:prstGeom prst="rect">
+            <a:avLst/>
+          </a:prstGeom>
+        </p:spPr>
+        <p:style>
+          <a:lnRef idx="2">
+            <a:schemeClr val="accent1">
+              <a:shade val="50000"/>
+            </a:schemeClr>
+          </a:lnRef>
+          <a:fillRef idx="1">
+            <a:schemeClr val="accent1"/>
+          </a:fillRef>
+          <a:effectRef idx="0">
+            <a:schemeClr val="accent1"/>
+          </a:effectRef>
+          <a:fontRef idx="minor">
+            <a:schemeClr val="lt1"/>
+          </a:fontRef>
+        </p:style>
+        <p:txBody>
+          <a:bodyPr rtlCol="0" anchor="ctr"/>
+          <a:lstStyle/>
+          <a:p>
+            <a:pPr algn="ctr"/>
+            <a:r>
+              <a:rPr lang="en-US" dirty="0"/>
+              <a:t>0,2</a:t>
+            </a:r>
+          </a:p>
+        </p:txBody>
+      </p:sp>
+      <p:sp>
+        <p:nvSpPr>
+          <p:cNvPr id="14" name="Rectangle 13">
+            <a:extLst>
+              <a:ext uri="{FF2B5EF4-FFF2-40B4-BE49-F238E27FC236}">
+                <a16:creationId xmlns:a16="http://schemas.microsoft.com/office/drawing/2014/main" id="{8377B2CB-A14F-7647-90C7-D2F4420145D2}"/>
+              </a:ext>
+            </a:extLst>
+          </p:cNvPr>
+          <p:cNvSpPr/>
+          <p:nvPr/>
+        </p:nvSpPr>
+        <p:spPr>
+          <a:xfrm>
+            <a:off x="10026127" y="2151525"/>
+            <a:ext cx="774551" cy="710005"/>
+          </a:xfrm>
+          <a:prstGeom prst="rect">
+            <a:avLst/>
+          </a:prstGeom>
+        </p:spPr>
+        <p:style>
+          <a:lnRef idx="2">
+            <a:schemeClr val="accent2">
+              <a:shade val="50000"/>
+            </a:schemeClr>
+          </a:lnRef>
+          <a:fillRef idx="1">
+            <a:schemeClr val="accent2"/>
+          </a:fillRef>
+          <a:effectRef idx="0">
+            <a:schemeClr val="accent2"/>
+          </a:effectRef>
+          <a:fontRef idx="minor">
+            <a:schemeClr val="lt1"/>
+          </a:fontRef>
+        </p:style>
+        <p:txBody>
+          <a:bodyPr rtlCol="0" anchor="ctr"/>
+          <a:lstStyle/>
+          <a:p>
+            <a:pPr algn="ctr"/>
+            <a:r>
+              <a:rPr lang="en-US" dirty="0"/>
+              <a:t>0,3</a:t>
+            </a:r>
+          </a:p>
+        </p:txBody>
+      </p:sp>
+      <p:sp>
+        <p:nvSpPr>
+          <p:cNvPr id="15" name="Rectangle 14">
+            <a:extLst>
+              <a:ext uri="{FF2B5EF4-FFF2-40B4-BE49-F238E27FC236}">
+                <a16:creationId xmlns:a16="http://schemas.microsoft.com/office/drawing/2014/main" id="{7522E31C-7749-0645-A684-DCADD3DD6178}"/>
+              </a:ext>
+            </a:extLst>
+          </p:cNvPr>
+          <p:cNvSpPr/>
+          <p:nvPr/>
+        </p:nvSpPr>
+        <p:spPr>
+          <a:xfrm>
+            <a:off x="9251576" y="2861530"/>
+            <a:ext cx="774551" cy="710005"/>
+          </a:xfrm>
+          <a:prstGeom prst="rect">
+            <a:avLst/>
+          </a:prstGeom>
+        </p:spPr>
+        <p:style>
+          <a:lnRef idx="2">
+            <a:schemeClr val="accent4">
+              <a:shade val="50000"/>
+            </a:schemeClr>
+          </a:lnRef>
+          <a:fillRef idx="1">
+            <a:schemeClr val="accent4"/>
+          </a:fillRef>
+          <a:effectRef idx="0">
+            <a:schemeClr val="accent4"/>
+          </a:effectRef>
+          <a:fontRef idx="minor">
+            <a:schemeClr val="lt1"/>
+          </a:fontRef>
+        </p:style>
+        <p:txBody>
+          <a:bodyPr rtlCol="0" anchor="ctr"/>
+          <a:lstStyle/>
+          <a:p>
+            <a:pPr algn="ctr"/>
+            <a:r>
+              <a:rPr lang="en-US" dirty="0"/>
+              <a:t>1,2</a:t>
+            </a:r>
+          </a:p>
+        </p:txBody>
+      </p:sp>
+      <p:sp>
+        <p:nvSpPr>
+          <p:cNvPr id="16" name="Rectangle 15">
+            <a:extLst>
+              <a:ext uri="{FF2B5EF4-FFF2-40B4-BE49-F238E27FC236}">
+                <a16:creationId xmlns:a16="http://schemas.microsoft.com/office/drawing/2014/main" id="{A6853174-E321-8D4C-89AB-018ADA3B694A}"/>
+              </a:ext>
+            </a:extLst>
+          </p:cNvPr>
+          <p:cNvSpPr/>
+          <p:nvPr/>
+        </p:nvSpPr>
+        <p:spPr>
+          <a:xfrm>
+            <a:off x="10026126" y="2861530"/>
+            <a:ext cx="774551" cy="710005"/>
+          </a:xfrm>
+          <a:prstGeom prst="rect">
+            <a:avLst/>
+          </a:prstGeom>
+        </p:spPr>
+        <p:style>
+          <a:lnRef idx="2">
+            <a:schemeClr val="accent6">
+              <a:shade val="50000"/>
+            </a:schemeClr>
+          </a:lnRef>
+          <a:fillRef idx="1">
+            <a:schemeClr val="accent6"/>
+          </a:fillRef>
+          <a:effectRef idx="0">
+            <a:schemeClr val="accent6"/>
+          </a:effectRef>
+          <a:fontRef idx="minor">
+            <a:schemeClr val="lt1"/>
+          </a:fontRef>
+        </p:style>
+        <p:txBody>
+          <a:bodyPr rtlCol="0" anchor="ctr"/>
+          <a:lstStyle/>
+          <a:p>
+            <a:pPr algn="ctr"/>
+            <a:r>
+              <a:rPr lang="en-US" dirty="0"/>
+              <a:t>1,3</a:t>
+            </a:r>
+          </a:p>
+        </p:txBody>
+      </p:sp>
+      <p:sp>
+        <p:nvSpPr>
+          <p:cNvPr id="17" name="Rectangle 16">
+            <a:extLst>
+              <a:ext uri="{FF2B5EF4-FFF2-40B4-BE49-F238E27FC236}">
+                <a16:creationId xmlns:a16="http://schemas.microsoft.com/office/drawing/2014/main" id="{387ACEE7-A2F6-D948-AB44-FB7F5DA47714}"/>
+              </a:ext>
+            </a:extLst>
+          </p:cNvPr>
+          <p:cNvSpPr/>
+          <p:nvPr/>
+        </p:nvSpPr>
+        <p:spPr>
+          <a:xfrm>
+            <a:off x="9251575" y="3571537"/>
+            <a:ext cx="774551" cy="710005"/>
+          </a:xfrm>
+          <a:prstGeom prst="rect">
+            <a:avLst/>
+          </a:prstGeom>
+        </p:spPr>
+        <p:style>
+          <a:lnRef idx="2">
+            <a:schemeClr val="accent1">
+              <a:shade val="50000"/>
+            </a:schemeClr>
+          </a:lnRef>
+          <a:fillRef idx="1">
+            <a:schemeClr val="accent1"/>
+          </a:fillRef>
+          <a:effectRef idx="0">
+            <a:schemeClr val="accent1"/>
+          </a:effectRef>
+          <a:fontRef idx="minor">
+            <a:schemeClr val="lt1"/>
+          </a:fontRef>
+        </p:style>
+        <p:txBody>
+          <a:bodyPr rtlCol="0" anchor="ctr"/>
+          <a:lstStyle/>
+          <a:p>
+            <a:pPr algn="ctr"/>
+            <a:r>
+              <a:rPr lang="en-US" dirty="0"/>
+              <a:t>2,2</a:t>
+            </a:r>
+          </a:p>
+        </p:txBody>
+      </p:sp>
+      <p:sp>
+        <p:nvSpPr>
+          <p:cNvPr id="18" name="Rectangle 17">
+            <a:extLst>
+              <a:ext uri="{FF2B5EF4-FFF2-40B4-BE49-F238E27FC236}">
+                <a16:creationId xmlns:a16="http://schemas.microsoft.com/office/drawing/2014/main" id="{14DA06FB-82C0-B24B-858E-FC6EDBA48007}"/>
+              </a:ext>
+            </a:extLst>
+          </p:cNvPr>
+          <p:cNvSpPr/>
+          <p:nvPr/>
+        </p:nvSpPr>
+        <p:spPr>
+          <a:xfrm>
+            <a:off x="10026126" y="3571536"/>
+            <a:ext cx="774551" cy="710005"/>
+          </a:xfrm>
+          <a:prstGeom prst="rect">
+            <a:avLst/>
+          </a:prstGeom>
+        </p:spPr>
+        <p:style>
+          <a:lnRef idx="2">
+            <a:schemeClr val="accent2">
+              <a:shade val="50000"/>
+            </a:schemeClr>
+          </a:lnRef>
+          <a:fillRef idx="1">
+            <a:schemeClr val="accent2"/>
+          </a:fillRef>
+          <a:effectRef idx="0">
+            <a:schemeClr val="accent2"/>
+          </a:effectRef>
+          <a:fontRef idx="minor">
+            <a:schemeClr val="lt1"/>
+          </a:fontRef>
+        </p:style>
+        <p:txBody>
+          <a:bodyPr rtlCol="0" anchor="ctr"/>
+          <a:lstStyle/>
+          <a:p>
+            <a:pPr algn="ctr"/>
+            <a:r>
+              <a:rPr lang="en-US" dirty="0"/>
+              <a:t>2,3</a:t>
+            </a:r>
+          </a:p>
+        </p:txBody>
+      </p:sp>
+      <p:sp>
+        <p:nvSpPr>
+          <p:cNvPr id="19" name="Rectangle 18">
+            <a:extLst>
+              <a:ext uri="{FF2B5EF4-FFF2-40B4-BE49-F238E27FC236}">
+                <a16:creationId xmlns:a16="http://schemas.microsoft.com/office/drawing/2014/main" id="{E5866E09-2982-754B-B23B-E09E92980CE6}"/>
+              </a:ext>
+            </a:extLst>
+          </p:cNvPr>
+          <p:cNvSpPr/>
+          <p:nvPr/>
+        </p:nvSpPr>
+        <p:spPr>
+          <a:xfrm>
+            <a:off x="9251575" y="4281541"/>
+            <a:ext cx="774551" cy="710005"/>
+          </a:xfrm>
+          <a:prstGeom prst="rect">
+            <a:avLst/>
+          </a:prstGeom>
+        </p:spPr>
+        <p:style>
+          <a:lnRef idx="2">
+            <a:schemeClr val="accent4">
+              <a:shade val="50000"/>
+            </a:schemeClr>
+          </a:lnRef>
+          <a:fillRef idx="1">
+            <a:schemeClr val="accent4"/>
+          </a:fillRef>
+          <a:effectRef idx="0">
+            <a:schemeClr val="accent4"/>
+          </a:effectRef>
+          <a:fontRef idx="minor">
+            <a:schemeClr val="lt1"/>
+          </a:fontRef>
+        </p:style>
+        <p:txBody>
+          <a:bodyPr rtlCol="0" anchor="ctr"/>
+          <a:lstStyle/>
+          <a:p>
+            <a:pPr algn="ctr"/>
+            <a:r>
+              <a:rPr lang="en-US" dirty="0"/>
+              <a:t>2,3</a:t>
+            </a:r>
+          </a:p>
+        </p:txBody>
+      </p:sp>
+      <p:sp>
+        <p:nvSpPr>
+          <p:cNvPr id="20" name="Rectangle 19">
+            <a:extLst>
+              <a:ext uri="{FF2B5EF4-FFF2-40B4-BE49-F238E27FC236}">
+                <a16:creationId xmlns:a16="http://schemas.microsoft.com/office/drawing/2014/main" id="{FAD4A8A4-A091-914A-9D1A-98979A6E529B}"/>
+              </a:ext>
+            </a:extLst>
+          </p:cNvPr>
+          <p:cNvSpPr/>
+          <p:nvPr/>
+        </p:nvSpPr>
+        <p:spPr>
+          <a:xfrm>
+            <a:off x="10026125" y="4281541"/>
+            <a:ext cx="774551" cy="710005"/>
+          </a:xfrm>
+          <a:prstGeom prst="rect">
+            <a:avLst/>
+          </a:prstGeom>
+        </p:spPr>
+        <p:style>
+          <a:lnRef idx="2">
+            <a:schemeClr val="accent6">
+              <a:shade val="50000"/>
+            </a:schemeClr>
+          </a:lnRef>
+          <a:fillRef idx="1">
+            <a:schemeClr val="accent6"/>
+          </a:fillRef>
+          <a:effectRef idx="0">
+            <a:schemeClr val="accent6"/>
+          </a:effectRef>
+          <a:fontRef idx="minor">
+            <a:schemeClr val="lt1"/>
+          </a:fontRef>
+        </p:style>
+        <p:txBody>
+          <a:bodyPr rtlCol="0" anchor="ctr"/>
+          <a:lstStyle/>
+          <a:p>
+            <a:pPr algn="ctr"/>
+            <a:r>
+              <a:rPr lang="en-US" dirty="0"/>
+              <a:t>3,3</a:t>
+            </a:r>
+          </a:p>
+        </p:txBody>
+      </p:sp>
+    </p:spTree>
+    <p:extLst>
+      <p:ext uri="{BB962C8B-B14F-4D97-AF65-F5344CB8AC3E}">
+        <p14:creationId xmlns:p14="http://schemas.microsoft.com/office/powerpoint/2010/main" val="76412395"/>
       </p:ext>
     </p:extLst>
   </p:cSld>
@@ -7867,4 +12184,299 @@
     </a:ext>
   </a:extLst>
 </a:theme>
+</file>
+
+<file path=ppt/theme/theme2.xml><?xml version="1.0" encoding="utf-8"?>
+<a:theme xmlns:a="http://schemas.openxmlformats.org/drawingml/2006/main" name="Office Theme">
+  <a:themeElements>
+    <a:clrScheme name="Office">
+      <a:dk1>
+        <a:sysClr val="windowText" lastClr="000000"/>
+      </a:dk1>
+      <a:lt1>
+        <a:sysClr val="window" lastClr="FFFFFF"/>
+      </a:lt1>
+      <a:dk2>
+        <a:srgbClr val="44546A"/>
+      </a:dk2>
+      <a:lt2>
+        <a:srgbClr val="E7E6E6"/>
+      </a:lt2>
+      <a:accent1>
+        <a:srgbClr val="4472C4"/>
+      </a:accent1>
+      <a:accent2>
+        <a:srgbClr val="ED7D31"/>
+      </a:accent2>
+      <a:accent3>
+        <a:srgbClr val="A5A5A5"/>
+      </a:accent3>
+      <a:accent4>
+        <a:srgbClr val="FFC000"/>
+      </a:accent4>
+      <a:accent5>
+        <a:srgbClr val="5B9BD5"/>
+      </a:accent5>
+      <a:accent6>
+        <a:srgbClr val="70AD47"/>
+      </a:accent6>
+      <a:hlink>
+        <a:srgbClr val="0563C1"/>
+      </a:hlink>
+      <a:folHlink>
+        <a:srgbClr val="954F72"/>
+      </a:folHlink>
+    </a:clrScheme>
+    <a:fontScheme name="Office">
+      <a:majorFont>
+        <a:latin typeface="Calibri Light" panose="020F0302020204030204"/>
+        <a:ea typeface=""/>
+        <a:cs typeface=""/>
+        <a:font script="Jpan" typeface="游ゴシック Light"/>
+        <a:font script="Hang" typeface="맑은 고딕"/>
+        <a:font script="Hans" typeface="等线 Light"/>
+        <a:font script="Hant" typeface="新細明體"/>
+        <a:font script="Arab" typeface="Times New Roman"/>
+        <a:font script="Hebr" typeface="Times New Roman"/>
+        <a:font script="Thai" typeface="Angsana New"/>
+        <a:font script="Ethi" typeface="Nyala"/>
+        <a:font script="Beng" typeface="Vrinda"/>
+        <a:font script="Gujr" typeface="Shruti"/>
+        <a:font script="Khmr" typeface="MoolBoran"/>
+        <a:font script="Knda" typeface="Tunga"/>
+        <a:font script="Guru" typeface="Raavi"/>
+        <a:font script="Cans" typeface="Euphemia"/>
+        <a:font script="Cher" typeface="Plantagenet Cherokee"/>
+        <a:font script="Yiii" typeface="Microsoft Yi Baiti"/>
+        <a:font script="Tibt" typeface="Microsoft Himalaya"/>
+        <a:font script="Thaa" typeface="MV Boli"/>
+        <a:font script="Deva" typeface="Mangal"/>
+        <a:font script="Telu" typeface="Gautami"/>
+        <a:font script="Taml" typeface="Latha"/>
+        <a:font script="Syrc" typeface="Estrangelo Edessa"/>
+        <a:font script="Orya" typeface="Kalinga"/>
+        <a:font script="Mlym" typeface="Kartika"/>
+        <a:font script="Laoo" typeface="DokChampa"/>
+        <a:font script="Sinh" typeface="Iskoola Pota"/>
+        <a:font script="Mong" typeface="Mongolian Baiti"/>
+        <a:font script="Viet" typeface="Times New Roman"/>
+        <a:font script="Uigh" typeface="Microsoft Uighur"/>
+        <a:font script="Geor" typeface="Sylfaen"/>
+        <a:font script="Armn" typeface="Arial"/>
+        <a:font script="Bugi" typeface="Leelawadee UI"/>
+        <a:font script="Bopo" typeface="Microsoft JhengHei"/>
+        <a:font script="Java" typeface="Javanese Text"/>
+        <a:font script="Lisu" typeface="Segoe UI"/>
+        <a:font script="Mymr" typeface="Myanmar Text"/>
+        <a:font script="Nkoo" typeface="Ebrima"/>
+        <a:font script="Olck" typeface="Nirmala UI"/>
+        <a:font script="Osma" typeface="Ebrima"/>
+        <a:font script="Phag" typeface="Phagspa"/>
+        <a:font script="Syrn" typeface="Estrangelo Edessa"/>
+        <a:font script="Syrj" typeface="Estrangelo Edessa"/>
+        <a:font script="Syre" typeface="Estrangelo Edessa"/>
+        <a:font script="Sora" typeface="Nirmala UI"/>
+        <a:font script="Tale" typeface="Microsoft Tai Le"/>
+        <a:font script="Talu" typeface="Microsoft New Tai Lue"/>
+        <a:font script="Tfng" typeface="Ebrima"/>
+      </a:majorFont>
+      <a:minorFont>
+        <a:latin typeface="Calibri" panose="020F0502020204030204"/>
+        <a:ea typeface=""/>
+        <a:cs typeface=""/>
+        <a:font script="Jpan" typeface="游ゴシック"/>
+        <a:font script="Hang" typeface="맑은 고딕"/>
+        <a:font script="Hans" typeface="等线"/>
+        <a:font script="Hant" typeface="新細明體"/>
+        <a:font script="Arab" typeface="Arial"/>
+        <a:font script="Hebr" typeface="Arial"/>
+        <a:font script="Thai" typeface="Cordia New"/>
+        <a:font script="Ethi" typeface="Nyala"/>
+        <a:font script="Beng" typeface="Vrinda"/>
+        <a:font script="Gujr" typeface="Shruti"/>
+        <a:font script="Khmr" typeface="DaunPenh"/>
+        <a:font script="Knda" typeface="Tunga"/>
+        <a:font script="Guru" typeface="Raavi"/>
+        <a:font script="Cans" typeface="Euphemia"/>
+        <a:font script="Cher" typeface="Plantagenet Cherokee"/>
+        <a:font script="Yiii" typeface="Microsoft Yi Baiti"/>
+        <a:font script="Tibt" typeface="Microsoft Himalaya"/>
+        <a:font script="Thaa" typeface="MV Boli"/>
+        <a:font script="Deva" typeface="Mangal"/>
+        <a:font script="Telu" typeface="Gautami"/>
+        <a:font script="Taml" typeface="Latha"/>
+        <a:font script="Syrc" typeface="Estrangelo Edessa"/>
+        <a:font script="Orya" typeface="Kalinga"/>
+        <a:font script="Mlym" typeface="Kartika"/>
+        <a:font script="Laoo" typeface="DokChampa"/>
+        <a:font script="Sinh" typeface="Iskoola Pota"/>
+        <a:font script="Mong" typeface="Mongolian Baiti"/>
+        <a:font script="Viet" typeface="Arial"/>
+        <a:font script="Uigh" typeface="Microsoft Uighur"/>
+        <a:font script="Geor" typeface="Sylfaen"/>
+        <a:font script="Armn" typeface="Arial"/>
+        <a:font script="Bugi" typeface="Leelawadee UI"/>
+        <a:font script="Bopo" typeface="Microsoft JhengHei"/>
+        <a:font script="Java" typeface="Javanese Text"/>
+        <a:font script="Lisu" typeface="Segoe UI"/>
+        <a:font script="Mymr" typeface="Myanmar Text"/>
+        <a:font script="Nkoo" typeface="Ebrima"/>
+        <a:font script="Olck" typeface="Nirmala UI"/>
+        <a:font script="Osma" typeface="Ebrima"/>
+        <a:font script="Phag" typeface="Phagspa"/>
+        <a:font script="Syrn" typeface="Estrangelo Edessa"/>
+        <a:font script="Syrj" typeface="Estrangelo Edessa"/>
+        <a:font script="Syre" typeface="Estrangelo Edessa"/>
+        <a:font script="Sora" typeface="Nirmala UI"/>
+        <a:font script="Tale" typeface="Microsoft Tai Le"/>
+        <a:font script="Talu" typeface="Microsoft New Tai Lue"/>
+        <a:font script="Tfng" typeface="Ebrima"/>
+      </a:minorFont>
+    </a:fontScheme>
+    <a:fmtScheme name="Office">
+      <a:fillStyleLst>
+        <a:solidFill>
+          <a:schemeClr val="phClr"/>
+        </a:solidFill>
+        <a:gradFill rotWithShape="1">
+          <a:gsLst>
+            <a:gs pos="0">
+              <a:schemeClr val="phClr">
+                <a:lumMod val="110000"/>
+                <a:satMod val="105000"/>
+                <a:tint val="67000"/>
+              </a:schemeClr>
+            </a:gs>
+            <a:gs pos="50000">
+              <a:schemeClr val="phClr">
+                <a:lumMod val="105000"/>
+                <a:satMod val="103000"/>
+                <a:tint val="73000"/>
+              </a:schemeClr>
+            </a:gs>
+            <a:gs pos="100000">
+              <a:schemeClr val="phClr">
+                <a:lumMod val="105000"/>
+                <a:satMod val="109000"/>
+                <a:tint val="81000"/>
+              </a:schemeClr>
+            </a:gs>
+          </a:gsLst>
+          <a:lin ang="5400000" scaled="0"/>
+        </a:gradFill>
+        <a:gradFill rotWithShape="1">
+          <a:gsLst>
+            <a:gs pos="0">
+              <a:schemeClr val="phClr">
+                <a:satMod val="103000"/>
+                <a:lumMod val="102000"/>
+                <a:tint val="94000"/>
+              </a:schemeClr>
+            </a:gs>
+            <a:gs pos="50000">
+              <a:schemeClr val="phClr">
+                <a:satMod val="110000"/>
+                <a:lumMod val="100000"/>
+                <a:shade val="100000"/>
+              </a:schemeClr>
+            </a:gs>
+            <a:gs pos="100000">
+              <a:schemeClr val="phClr">
+                <a:lumMod val="99000"/>
+                <a:satMod val="120000"/>
+                <a:shade val="78000"/>
+              </a:schemeClr>
+            </a:gs>
+          </a:gsLst>
+          <a:lin ang="5400000" scaled="0"/>
+        </a:gradFill>
+      </a:fillStyleLst>
+      <a:lnStyleLst>
+        <a:ln w="6350" cap="flat" cmpd="sng" algn="ctr">
+          <a:solidFill>
+            <a:schemeClr val="phClr"/>
+          </a:solidFill>
+          <a:prstDash val="solid"/>
+          <a:miter lim="800000"/>
+        </a:ln>
+        <a:ln w="12700" cap="flat" cmpd="sng" algn="ctr">
+          <a:solidFill>
+            <a:schemeClr val="phClr"/>
+          </a:solidFill>
+          <a:prstDash val="solid"/>
+          <a:miter lim="800000"/>
+        </a:ln>
+        <a:ln w="19050" cap="flat" cmpd="sng" algn="ctr">
+          <a:solidFill>
+            <a:schemeClr val="phClr"/>
+          </a:solidFill>
+          <a:prstDash val="solid"/>
+          <a:miter lim="800000"/>
+        </a:ln>
+      </a:lnStyleLst>
+      <a:effectStyleLst>
+        <a:effectStyle>
+          <a:effectLst/>
+        </a:effectStyle>
+        <a:effectStyle>
+          <a:effectLst/>
+        </a:effectStyle>
+        <a:effectStyle>
+          <a:effectLst>
+            <a:outerShdw blurRad="57150" dist="19050" dir="5400000" algn="ctr" rotWithShape="0">
+              <a:srgbClr val="000000">
+                <a:alpha val="63000"/>
+              </a:srgbClr>
+            </a:outerShdw>
+          </a:effectLst>
+        </a:effectStyle>
+      </a:effectStyleLst>
+      <a:bgFillStyleLst>
+        <a:solidFill>
+          <a:schemeClr val="phClr"/>
+        </a:solidFill>
+        <a:solidFill>
+          <a:schemeClr val="phClr">
+            <a:tint val="95000"/>
+            <a:satMod val="170000"/>
+          </a:schemeClr>
+        </a:solidFill>
+        <a:gradFill rotWithShape="1">
+          <a:gsLst>
+            <a:gs pos="0">
+              <a:schemeClr val="phClr">
+                <a:tint val="93000"/>
+                <a:satMod val="150000"/>
+                <a:shade val="98000"/>
+                <a:lumMod val="102000"/>
+              </a:schemeClr>
+            </a:gs>
+            <a:gs pos="50000">
+              <a:schemeClr val="phClr">
+                <a:tint val="98000"/>
+                <a:satMod val="130000"/>
+                <a:shade val="90000"/>
+                <a:lumMod val="103000"/>
+              </a:schemeClr>
+            </a:gs>
+            <a:gs pos="100000">
+              <a:schemeClr val="phClr">
+                <a:shade val="63000"/>
+                <a:satMod val="120000"/>
+              </a:schemeClr>
+            </a:gs>
+          </a:gsLst>
+          <a:lin ang="5400000" scaled="0"/>
+        </a:gradFill>
+      </a:bgFillStyleLst>
+    </a:fmtScheme>
+  </a:themeElements>
+  <a:objectDefaults/>
+  <a:extraClrSchemeLst/>
+  <a:extLst>
+    <a:ext uri="{05A4C25C-085E-4340-85A3-A5531E510DB2}">
+      <thm15:themeFamily xmlns:thm15="http://schemas.microsoft.com/office/thememl/2012/main" name="Office Theme" id="{62F939B6-93AF-4DB8-9C6B-D6C7DFDC589F}" vid="{4A3C46E8-61CC-4603-A589-7422A47A8E4A}"/>
+    </a:ext>
+  </a:extLst>
+</a:theme>
 </file>
--- a/misc/code.pptx
+++ b/misc/code.pptx
@@ -209,7 +209,7 @@
           <a:p>
             <a:fld id="{0DCAB2E6-51C4-F441-A568-A22ABBC589BB}" type="datetimeFigureOut">
               <a:rPr lang="en-US" smtClean="0"/>
-              <a:t>7/24/19</a:t>
+              <a:t>9/11/19</a:t>
             </a:fld>
             <a:endParaRPr lang="en-US"/>
           </a:p>
@@ -791,7 +791,7 @@
           <a:p>
             <a:fld id="{23976DF3-A641-B846-B3EA-AE95BED74287}" type="datetimeFigureOut">
               <a:rPr lang="en-US" smtClean="0"/>
-              <a:t>7/22/19</a:t>
+              <a:t>9/11/19</a:t>
             </a:fld>
             <a:endParaRPr lang="en-US"/>
           </a:p>
@@ -989,7 +989,7 @@
           <a:p>
             <a:fld id="{23976DF3-A641-B846-B3EA-AE95BED74287}" type="datetimeFigureOut">
               <a:rPr lang="en-US" smtClean="0"/>
-              <a:t>7/22/19</a:t>
+              <a:t>9/11/19</a:t>
             </a:fld>
             <a:endParaRPr lang="en-US"/>
           </a:p>
@@ -1197,7 +1197,7 @@
           <a:p>
             <a:fld id="{23976DF3-A641-B846-B3EA-AE95BED74287}" type="datetimeFigureOut">
               <a:rPr lang="en-US" smtClean="0"/>
-              <a:t>7/22/19</a:t>
+              <a:t>9/11/19</a:t>
             </a:fld>
             <a:endParaRPr lang="en-US"/>
           </a:p>
@@ -1395,7 +1395,7 @@
           <a:p>
             <a:fld id="{23976DF3-A641-B846-B3EA-AE95BED74287}" type="datetimeFigureOut">
               <a:rPr lang="en-US" smtClean="0"/>
-              <a:t>7/22/19</a:t>
+              <a:t>9/11/19</a:t>
             </a:fld>
             <a:endParaRPr lang="en-US"/>
           </a:p>
@@ -1670,7 +1670,7 @@
           <a:p>
             <a:fld id="{23976DF3-A641-B846-B3EA-AE95BED74287}" type="datetimeFigureOut">
               <a:rPr lang="en-US" smtClean="0"/>
-              <a:t>7/22/19</a:t>
+              <a:t>9/11/19</a:t>
             </a:fld>
             <a:endParaRPr lang="en-US"/>
           </a:p>
@@ -1935,7 +1935,7 @@
           <a:p>
             <a:fld id="{23976DF3-A641-B846-B3EA-AE95BED74287}" type="datetimeFigureOut">
               <a:rPr lang="en-US" smtClean="0"/>
-              <a:t>7/22/19</a:t>
+              <a:t>9/11/19</a:t>
             </a:fld>
             <a:endParaRPr lang="en-US"/>
           </a:p>
@@ -2347,7 +2347,7 @@
           <a:p>
             <a:fld id="{23976DF3-A641-B846-B3EA-AE95BED74287}" type="datetimeFigureOut">
               <a:rPr lang="en-US" smtClean="0"/>
-              <a:t>7/22/19</a:t>
+              <a:t>9/11/19</a:t>
             </a:fld>
             <a:endParaRPr lang="en-US"/>
           </a:p>
@@ -2488,7 +2488,7 @@
           <a:p>
             <a:fld id="{23976DF3-A641-B846-B3EA-AE95BED74287}" type="datetimeFigureOut">
               <a:rPr lang="en-US" smtClean="0"/>
-              <a:t>7/22/19</a:t>
+              <a:t>9/11/19</a:t>
             </a:fld>
             <a:endParaRPr lang="en-US"/>
           </a:p>
@@ -2601,7 +2601,7 @@
           <a:p>
             <a:fld id="{23976DF3-A641-B846-B3EA-AE95BED74287}" type="datetimeFigureOut">
               <a:rPr lang="en-US" smtClean="0"/>
-              <a:t>7/22/19</a:t>
+              <a:t>9/11/19</a:t>
             </a:fld>
             <a:endParaRPr lang="en-US"/>
           </a:p>
@@ -2912,7 +2912,7 @@
           <a:p>
             <a:fld id="{23976DF3-A641-B846-B3EA-AE95BED74287}" type="datetimeFigureOut">
               <a:rPr lang="en-US" smtClean="0"/>
-              <a:t>7/22/19</a:t>
+              <a:t>9/11/19</a:t>
             </a:fld>
             <a:endParaRPr lang="en-US"/>
           </a:p>
@@ -3200,7 +3200,7 @@
           <a:p>
             <a:fld id="{23976DF3-A641-B846-B3EA-AE95BED74287}" type="datetimeFigureOut">
               <a:rPr lang="en-US" smtClean="0"/>
-              <a:t>7/22/19</a:t>
+              <a:t>9/11/19</a:t>
             </a:fld>
             <a:endParaRPr lang="en-US"/>
           </a:p>
@@ -3441,7 +3441,7 @@
           <a:p>
             <a:fld id="{23976DF3-A641-B846-B3EA-AE95BED74287}" type="datetimeFigureOut">
               <a:rPr lang="en-US" smtClean="0"/>
-              <a:t>7/22/19</a:t>
+              <a:t>9/11/19</a:t>
             </a:fld>
             <a:endParaRPr lang="en-US"/>
           </a:p>
@@ -3909,22 +3909,6 @@
           <a:p>
             <a:r>
               <a:rPr lang="en-US" dirty="0"/>
-              <a:t>We start in the “refactoring” branch in the current repository.</a:t>
-            </a:r>
-            <a:br>
-              <a:rPr lang="en-US" dirty="0"/>
-            </a:br>
-            <a:r>
-              <a:rPr lang="en-US" dirty="0"/>
-              <a:t>This branch will be moved to a new repo next month.</a:t>
-            </a:r>
-          </a:p>
-          <a:p>
-            <a:endParaRPr lang="en-US" dirty="0"/>
-          </a:p>
-          <a:p>
-            <a:r>
-              <a:rPr lang="en-US" dirty="0"/>
               <a:t>See Coding style (</a:t>
             </a:r>
             <a:r>
@@ -3942,20 +3926,6 @@
               <a:rPr lang="en-US" dirty="0"/>
               <a:t>Use clang-format (only version 8) with the given .clang-format file</a:t>
             </a:r>
-          </a:p>
-          <a:p>
-            <a:pPr lvl="1"/>
-            <a:endParaRPr lang="en-US" dirty="0"/>
-          </a:p>
-          <a:p>
-            <a:r>
-              <a:rPr lang="en-US" dirty="0"/>
-              <a:t>Class names are indicative, feel free to use better options.</a:t>
-            </a:r>
-          </a:p>
-          <a:p>
-            <a:pPr lvl="1"/>
-            <a:endParaRPr lang="en-US" dirty="0"/>
           </a:p>
           <a:p>
             <a:endParaRPr lang="en-US" dirty="0"/>
@@ -4010,8 +3980,8 @@
         </p:nvSpPr>
         <p:spPr>
           <a:xfrm>
-            <a:off x="838200" y="1825625"/>
-            <a:ext cx="10515600" cy="4240878"/>
+            <a:off x="838200" y="1825624"/>
+            <a:ext cx="10515600" cy="4747297"/>
           </a:xfrm>
         </p:spPr>
         <p:txBody>
@@ -4051,6 +4021,20 @@
             <a:r>
               <a:rPr lang="en-US" sz="2000" dirty="0"/>
               <a:t>by the future of the promise “2,1 n”</a:t>
+            </a:r>
+          </a:p>
+          <a:p>
+            <a:pPr lvl="1"/>
+            <a:r>
+              <a:rPr lang="en-US" sz="2000" dirty="0"/>
+              <a:t>If the shared future “2,1 sf” (next slide) exist the copy stored</a:t>
+            </a:r>
+            <a:br>
+              <a:rPr lang="en-US" sz="2000" dirty="0"/>
+            </a:br>
+            <a:r>
+              <a:rPr lang="en-US" sz="2000" dirty="0"/>
+              <a:t>in the matrix is destroyed.</a:t>
             </a:r>
             <a:br>
               <a:rPr lang="en-US" sz="2000" dirty="0"/>
@@ -4061,14 +4045,7 @@
             <a:pPr lvl="1"/>
             <a:r>
               <a:rPr lang="en-US" sz="2000" dirty="0"/>
-              <a:t>a future&lt;Wrapper&lt;Tile&gt;&gt; is created</a:t>
-            </a:r>
-            <a:br>
-              <a:rPr lang="en-US" sz="2000" dirty="0"/>
-            </a:br>
-            <a:r>
-              <a:rPr lang="en-US" sz="2000" dirty="0"/>
-              <a:t>from the “old” future&lt;Tile&gt; and returned.</a:t>
+              <a:t>a future&lt;Tile&gt; is created from the “old” future&lt;Tile&gt; and the promise and returned.</a:t>
             </a:r>
             <a:br>
               <a:rPr lang="en-US" sz="2000" dirty="0"/>
@@ -4086,7 +4063,7 @@
             <a:pPr lvl="1"/>
             <a:r>
               <a:rPr lang="en-US" sz="2000" dirty="0"/>
-              <a:t>After the task that modify the Tile 2,1 is finished, the destructor of Wrapper&lt;Tile&gt; is called. It sets the value of “2,1 p” moving the modified Tile. </a:t>
+              <a:t>After the task that modify the Tile 2,1 is finished, the destructor of Tile is called. It sets the value of “2,1 p” with the current Tile, making the future “2,1 n” ready. </a:t>
             </a:r>
           </a:p>
         </p:txBody>
@@ -5053,7 +5030,7 @@
           <a:p>
             <a:pPr lvl="1"/>
             <a:r>
-              <a:rPr lang="en-US" dirty="0"/>
+              <a:rPr lang="en-US" sz="2000" dirty="0"/>
               <a:t>If the shared future of 2,1 doesn’t exist:</a:t>
             </a:r>
           </a:p>
@@ -5090,20 +5067,35 @@
             </a:r>
             <a:r>
               <a:rPr lang="en-US" dirty="0"/>
-              <a:t>&lt;Wrapper&lt;Tile&gt;&gt; “2,1 sf” is created</a:t>
+              <a:t>&lt;Tile&lt;</a:t>
+            </a:r>
+            <a:r>
+              <a:rPr lang="en-US" dirty="0" err="1"/>
+              <a:t>const</a:t>
+            </a:r>
+            <a:r>
+              <a:rPr lang="en-US" dirty="0"/>
+              <a:t>&gt;&gt; “2,1 sf” is created</a:t>
             </a:r>
             <a:br>
               <a:rPr lang="en-US" dirty="0"/>
             </a:br>
             <a:r>
               <a:rPr lang="en-US" dirty="0"/>
-              <a:t>from the “old” future&lt;Tile&gt; stored in the pointer and returned.</a:t>
+              <a:t>from the “old” future&lt;Tile&gt; and the promise.</a:t>
+            </a:r>
+          </a:p>
+          <a:p>
+            <a:pPr lvl="2"/>
+            <a:r>
+              <a:rPr lang="en-US" dirty="0"/>
+              <a:t>The shared future is stored (see below) and returned.</a:t>
             </a:r>
           </a:p>
           <a:p>
             <a:pPr lvl="1"/>
             <a:r>
-              <a:rPr lang="en-US" dirty="0"/>
+              <a:rPr lang="en-US" sz="2000" dirty="0"/>
               <a:t>Otherwise the shared future is returned</a:t>
             </a:r>
           </a:p>
@@ -5125,11 +5117,11 @@
           <a:p>
             <a:pPr lvl="1"/>
             <a:r>
-              <a:rPr lang="en-US" dirty="0"/>
+              <a:rPr lang="en-US" sz="2000" dirty="0"/>
               <a:t>After </a:t>
             </a:r>
             <a:r>
-              <a:rPr lang="en-US" dirty="0">
+              <a:rPr lang="en-US" sz="2000" dirty="0">
                 <a:solidFill>
                   <a:srgbClr val="FF0000"/>
                 </a:solidFill>
@@ -5137,8 +5129,8 @@
               <a:t>all</a:t>
             </a:r>
             <a:r>
-              <a:rPr lang="en-US" dirty="0"/>
-              <a:t> the task that read the Tile 2,1 are finished, the destructor of Wrapper&lt;Tile&gt; is called. It sets the value of “2,1 p” moving the modified Tile. </a:t>
+              <a:rPr lang="en-US" sz="2000" dirty="0"/>
+              <a:t> the task that read the Tile 2,1 are finished, the destructor of Tile is called, which sets the value of “2,1 p” with the current Tile, making the future “2,1 n” ready. </a:t>
             </a:r>
           </a:p>
           <a:p>
@@ -6564,7 +6556,7 @@
             </a:r>
             <a:r>
               <a:rPr lang="en-US" sz="2400" dirty="0"/>
-              <a:t> object is destructed (or done() is called) the local copy of the shared future is destroyed (Note: the Wrapper is destroyed only when all </a:t>
+              <a:t> object is destructed (or done() is called) the local copy of the shared future is destroyed (Note: the Tile is destroyed only when all </a:t>
             </a:r>
             <a:r>
               <a:rPr lang="en-US" sz="2400" dirty="0" err="1"/>
@@ -6809,10 +6801,10 @@
       </p:grpSpPr>
       <p:sp>
         <p:nvSpPr>
-          <p:cNvPr id="4" name="Rounded Rectangle 3">
-            <a:extLst>
-              <a:ext uri="{FF2B5EF4-FFF2-40B4-BE49-F238E27FC236}">
-                <a16:creationId xmlns:a16="http://schemas.microsoft.com/office/drawing/2014/main" id="{31B6C6E0-6D3C-1043-9968-EB800F818D8C}"/>
+          <p:cNvPr id="7" name="Rounded Rectangle 6">
+            <a:extLst>
+              <a:ext uri="{FF2B5EF4-FFF2-40B4-BE49-F238E27FC236}">
+                <a16:creationId xmlns:a16="http://schemas.microsoft.com/office/drawing/2014/main" id="{0308D4CD-D92B-FA41-BFD5-D029AC29A548}"/>
               </a:ext>
             </a:extLst>
           </p:cNvPr>
@@ -6821,8 +6813,8 @@
         </p:nvSpPr>
         <p:spPr>
           <a:xfrm>
-            <a:off x="7655963" y="4983479"/>
-            <a:ext cx="1097279" cy="548639"/>
+            <a:off x="3067828" y="4434841"/>
+            <a:ext cx="2568386" cy="548641"/>
           </a:xfrm>
           <a:prstGeom prst="roundRect">
             <a:avLst/>
@@ -6866,17 +6858,17 @@
                   <a:schemeClr val="tx1"/>
                 </a:solidFill>
               </a:rPr>
-              <a:t>Tile</a:t>
-            </a:r>
-          </a:p>
-        </p:txBody>
-      </p:sp>
-      <p:sp>
-        <p:nvSpPr>
-          <p:cNvPr id="7" name="Rounded Rectangle 6">
-            <a:extLst>
-              <a:ext uri="{FF2B5EF4-FFF2-40B4-BE49-F238E27FC236}">
-                <a16:creationId xmlns:a16="http://schemas.microsoft.com/office/drawing/2014/main" id="{0308D4CD-D92B-FA41-BFD5-D029AC29A548}"/>
+              <a:t>2D grid communicator</a:t>
+            </a:r>
+          </a:p>
+        </p:txBody>
+      </p:sp>
+      <p:sp>
+        <p:nvSpPr>
+          <p:cNvPr id="8" name="Rounded Rectangle 7">
+            <a:extLst>
+              <a:ext uri="{FF2B5EF4-FFF2-40B4-BE49-F238E27FC236}">
+                <a16:creationId xmlns:a16="http://schemas.microsoft.com/office/drawing/2014/main" id="{09E6398F-8A3C-5E4B-98E2-AA00F3B22920}"/>
               </a:ext>
             </a:extLst>
           </p:cNvPr>
@@ -6885,7 +6877,7 @@
         </p:nvSpPr>
         <p:spPr>
           <a:xfrm>
-            <a:off x="3067828" y="4434841"/>
+            <a:off x="3067828" y="4983482"/>
             <a:ext cx="2568386" cy="548641"/>
           </a:xfrm>
           <a:prstGeom prst="roundRect">
@@ -6930,17 +6922,17 @@
                   <a:schemeClr val="tx1"/>
                 </a:solidFill>
               </a:rPr>
-              <a:t>2D grid communicator</a:t>
-            </a:r>
-          </a:p>
-        </p:txBody>
-      </p:sp>
-      <p:sp>
-        <p:nvSpPr>
-          <p:cNvPr id="8" name="Rounded Rectangle 7">
-            <a:extLst>
-              <a:ext uri="{FF2B5EF4-FFF2-40B4-BE49-F238E27FC236}">
-                <a16:creationId xmlns:a16="http://schemas.microsoft.com/office/drawing/2014/main" id="{09E6398F-8A3C-5E4B-98E2-AA00F3B22920}"/>
+              <a:t>1D communicator</a:t>
+            </a:r>
+          </a:p>
+        </p:txBody>
+      </p:sp>
+      <p:sp>
+        <p:nvSpPr>
+          <p:cNvPr id="9" name="Rounded Rectangle 8">
+            <a:extLst>
+              <a:ext uri="{FF2B5EF4-FFF2-40B4-BE49-F238E27FC236}">
+                <a16:creationId xmlns:a16="http://schemas.microsoft.com/office/drawing/2014/main" id="{7B40EDD4-8186-BD4E-98A8-7118BA9D1695}"/>
               </a:ext>
             </a:extLst>
           </p:cNvPr>
@@ -6949,8 +6941,8 @@
         </p:nvSpPr>
         <p:spPr>
           <a:xfrm>
-            <a:off x="3067828" y="4983482"/>
-            <a:ext cx="2568386" cy="548641"/>
+            <a:off x="7221915" y="4421294"/>
+            <a:ext cx="1645919" cy="548639"/>
           </a:xfrm>
           <a:prstGeom prst="roundRect">
             <a:avLst/>
@@ -6994,17 +6986,17 @@
                   <a:schemeClr val="tx1"/>
                 </a:solidFill>
               </a:rPr>
-              <a:t>1D communicator</a:t>
-            </a:r>
-          </a:p>
-        </p:txBody>
-      </p:sp>
-      <p:sp>
-        <p:nvSpPr>
-          <p:cNvPr id="9" name="Rounded Rectangle 8">
-            <a:extLst>
-              <a:ext uri="{FF2B5EF4-FFF2-40B4-BE49-F238E27FC236}">
-                <a16:creationId xmlns:a16="http://schemas.microsoft.com/office/drawing/2014/main" id="{7B40EDD4-8186-BD4E-98A8-7118BA9D1695}"/>
+              <a:t>Tile</a:t>
+            </a:r>
+          </a:p>
+        </p:txBody>
+      </p:sp>
+      <p:sp>
+        <p:nvSpPr>
+          <p:cNvPr id="10" name="Rounded Rectangle 9">
+            <a:extLst>
+              <a:ext uri="{FF2B5EF4-FFF2-40B4-BE49-F238E27FC236}">
+                <a16:creationId xmlns:a16="http://schemas.microsoft.com/office/drawing/2014/main" id="{3E0ED708-59FC-AA4D-9FFC-6A2EFF38F6E7}"/>
               </a:ext>
             </a:extLst>
           </p:cNvPr>
@@ -7013,8 +7005,309 @@
         </p:nvSpPr>
         <p:spPr>
           <a:xfrm>
-            <a:off x="7006075" y="3891794"/>
-            <a:ext cx="1645919" cy="548639"/>
+            <a:off x="2738374" y="6080762"/>
+            <a:ext cx="1871831" cy="548640"/>
+          </a:xfrm>
+          <a:prstGeom prst="roundRect">
+            <a:avLst/>
+          </a:prstGeom>
+          <a:solidFill>
+            <a:schemeClr val="accent1">
+              <a:lumMod val="40000"/>
+              <a:lumOff val="60000"/>
+            </a:schemeClr>
+          </a:solidFill>
+          <a:ln>
+            <a:solidFill>
+              <a:schemeClr val="accent1"/>
+            </a:solidFill>
+          </a:ln>
+        </p:spPr>
+        <p:style>
+          <a:lnRef idx="2">
+            <a:schemeClr val="accent1">
+              <a:shade val="50000"/>
+            </a:schemeClr>
+          </a:lnRef>
+          <a:fillRef idx="1">
+            <a:schemeClr val="accent1"/>
+          </a:fillRef>
+          <a:effectRef idx="0">
+            <a:schemeClr val="accent1"/>
+          </a:effectRef>
+          <a:fontRef idx="minor">
+            <a:schemeClr val="lt1"/>
+          </a:fontRef>
+        </p:style>
+        <p:txBody>
+          <a:bodyPr rtlCol="0" anchor="ctr"/>
+          <a:lstStyle/>
+          <a:p>
+            <a:pPr algn="ctr"/>
+            <a:r>
+              <a:rPr lang="en-US" dirty="0">
+                <a:solidFill>
+                  <a:schemeClr val="tx1"/>
+                </a:solidFill>
+              </a:rPr>
+              <a:t>MPI</a:t>
+            </a:r>
+          </a:p>
+        </p:txBody>
+      </p:sp>
+      <p:sp>
+        <p:nvSpPr>
+          <p:cNvPr id="11" name="Rounded Rectangle 10">
+            <a:extLst>
+              <a:ext uri="{FF2B5EF4-FFF2-40B4-BE49-F238E27FC236}">
+                <a16:creationId xmlns:a16="http://schemas.microsoft.com/office/drawing/2014/main" id="{E77BA5CD-6922-6649-9820-B6C35E1407C5}"/>
+              </a:ext>
+            </a:extLst>
+          </p:cNvPr>
+          <p:cNvSpPr/>
+          <p:nvPr/>
+        </p:nvSpPr>
+        <p:spPr>
+          <a:xfrm>
+            <a:off x="5471488" y="6080757"/>
+            <a:ext cx="1871831" cy="548640"/>
+          </a:xfrm>
+          <a:prstGeom prst="roundRect">
+            <a:avLst/>
+          </a:prstGeom>
+          <a:solidFill>
+            <a:schemeClr val="accent1">
+              <a:lumMod val="40000"/>
+              <a:lumOff val="60000"/>
+            </a:schemeClr>
+          </a:solidFill>
+          <a:ln>
+            <a:solidFill>
+              <a:schemeClr val="accent1"/>
+            </a:solidFill>
+          </a:ln>
+        </p:spPr>
+        <p:style>
+          <a:lnRef idx="2">
+            <a:schemeClr val="accent1">
+              <a:shade val="50000"/>
+            </a:schemeClr>
+          </a:lnRef>
+          <a:fillRef idx="1">
+            <a:schemeClr val="accent1"/>
+          </a:fillRef>
+          <a:effectRef idx="0">
+            <a:schemeClr val="accent1"/>
+          </a:effectRef>
+          <a:fontRef idx="minor">
+            <a:schemeClr val="lt1"/>
+          </a:fontRef>
+        </p:style>
+        <p:txBody>
+          <a:bodyPr rtlCol="0" anchor="ctr"/>
+          <a:lstStyle/>
+          <a:p>
+            <a:pPr algn="ctr"/>
+            <a:r>
+              <a:rPr lang="en-US" dirty="0">
+                <a:solidFill>
+                  <a:schemeClr val="tx1"/>
+                </a:solidFill>
+              </a:rPr>
+              <a:t>HPX</a:t>
+            </a:r>
+          </a:p>
+        </p:txBody>
+      </p:sp>
+      <p:sp>
+        <p:nvSpPr>
+          <p:cNvPr id="12" name="Rounded Rectangle 11">
+            <a:extLst>
+              <a:ext uri="{FF2B5EF4-FFF2-40B4-BE49-F238E27FC236}">
+                <a16:creationId xmlns:a16="http://schemas.microsoft.com/office/drawing/2014/main" id="{F5188C33-3913-8F4D-8CB4-C1C818655955}"/>
+              </a:ext>
+            </a:extLst>
+          </p:cNvPr>
+          <p:cNvSpPr/>
+          <p:nvPr/>
+        </p:nvSpPr>
+        <p:spPr>
+          <a:xfrm>
+            <a:off x="8258888" y="6080750"/>
+            <a:ext cx="1871831" cy="548640"/>
+          </a:xfrm>
+          <a:prstGeom prst="roundRect">
+            <a:avLst/>
+          </a:prstGeom>
+          <a:solidFill>
+            <a:schemeClr val="accent1">
+              <a:lumMod val="40000"/>
+              <a:lumOff val="60000"/>
+            </a:schemeClr>
+          </a:solidFill>
+          <a:ln>
+            <a:solidFill>
+              <a:schemeClr val="accent1"/>
+            </a:solidFill>
+          </a:ln>
+        </p:spPr>
+        <p:style>
+          <a:lnRef idx="2">
+            <a:schemeClr val="accent1">
+              <a:shade val="50000"/>
+            </a:schemeClr>
+          </a:lnRef>
+          <a:fillRef idx="1">
+            <a:schemeClr val="accent1"/>
+          </a:fillRef>
+          <a:effectRef idx="0">
+            <a:schemeClr val="accent1"/>
+          </a:effectRef>
+          <a:fontRef idx="minor">
+            <a:schemeClr val="lt1"/>
+          </a:fontRef>
+        </p:style>
+        <p:txBody>
+          <a:bodyPr rtlCol="0" anchor="ctr"/>
+          <a:lstStyle/>
+          <a:p>
+            <a:pPr algn="ctr"/>
+            <a:r>
+              <a:rPr lang="en-US" dirty="0">
+                <a:solidFill>
+                  <a:schemeClr val="tx1"/>
+                </a:solidFill>
+              </a:rPr>
+              <a:t>BLAS / LAPACK</a:t>
+            </a:r>
+          </a:p>
+        </p:txBody>
+      </p:sp>
+      <p:sp>
+        <p:nvSpPr>
+          <p:cNvPr id="13" name="Rounded Rectangle 12">
+            <a:extLst>
+              <a:ext uri="{FF2B5EF4-FFF2-40B4-BE49-F238E27FC236}">
+                <a16:creationId xmlns:a16="http://schemas.microsoft.com/office/drawing/2014/main" id="{E650BEC3-1374-0D45-ACDF-A9E67C70F31D}"/>
+              </a:ext>
+            </a:extLst>
+          </p:cNvPr>
+          <p:cNvSpPr/>
+          <p:nvPr/>
+        </p:nvSpPr>
+        <p:spPr>
+          <a:xfrm>
+            <a:off x="345588" y="6080761"/>
+            <a:ext cx="1871831" cy="548640"/>
+          </a:xfrm>
+          <a:prstGeom prst="roundRect">
+            <a:avLst/>
+          </a:prstGeom>
+          <a:solidFill>
+            <a:schemeClr val="accent1">
+              <a:lumMod val="40000"/>
+              <a:lumOff val="60000"/>
+            </a:schemeClr>
+          </a:solidFill>
+          <a:ln>
+            <a:solidFill>
+              <a:schemeClr val="accent1"/>
+            </a:solidFill>
+          </a:ln>
+        </p:spPr>
+        <p:style>
+          <a:lnRef idx="2">
+            <a:schemeClr val="accent1">
+              <a:shade val="50000"/>
+            </a:schemeClr>
+          </a:lnRef>
+          <a:fillRef idx="1">
+            <a:schemeClr val="accent1"/>
+          </a:fillRef>
+          <a:effectRef idx="0">
+            <a:schemeClr val="accent1"/>
+          </a:effectRef>
+          <a:fontRef idx="minor">
+            <a:schemeClr val="lt1"/>
+          </a:fontRef>
+        </p:style>
+        <p:txBody>
+          <a:bodyPr rtlCol="0" anchor="ctr"/>
+          <a:lstStyle/>
+          <a:p>
+            <a:pPr algn="ctr"/>
+            <a:r>
+              <a:rPr lang="en-US" dirty="0">
+                <a:solidFill>
+                  <a:schemeClr val="tx1"/>
+                </a:solidFill>
+              </a:rPr>
+              <a:t>GTEST</a:t>
+            </a:r>
+          </a:p>
+        </p:txBody>
+      </p:sp>
+      <p:cxnSp>
+        <p:nvCxnSpPr>
+          <p:cNvPr id="18" name="Straight Arrow Connector 17">
+            <a:extLst>
+              <a:ext uri="{FF2B5EF4-FFF2-40B4-BE49-F238E27FC236}">
+                <a16:creationId xmlns:a16="http://schemas.microsoft.com/office/drawing/2014/main" id="{475560A2-0DCD-8A42-91D4-A595BD9FD572}"/>
+              </a:ext>
+            </a:extLst>
+          </p:cNvPr>
+          <p:cNvCxnSpPr>
+            <a:cxnSpLocks/>
+            <a:stCxn id="9" idx="2"/>
+          </p:cNvCxnSpPr>
+          <p:nvPr/>
+        </p:nvCxnSpPr>
+        <p:spPr>
+          <a:xfrm flipH="1">
+            <a:off x="6756469" y="4969933"/>
+            <a:ext cx="1288406" cy="1110818"/>
+          </a:xfrm>
+          <a:prstGeom prst="straightConnector1">
+            <a:avLst/>
+          </a:prstGeom>
+          <a:ln w="38100">
+            <a:solidFill>
+              <a:schemeClr val="accent4"/>
+            </a:solidFill>
+            <a:tailEnd type="triangle"/>
+          </a:ln>
+        </p:spPr>
+        <p:style>
+          <a:lnRef idx="1">
+            <a:schemeClr val="accent1"/>
+          </a:lnRef>
+          <a:fillRef idx="0">
+            <a:schemeClr val="accent1"/>
+          </a:fillRef>
+          <a:effectRef idx="0">
+            <a:schemeClr val="accent1"/>
+          </a:effectRef>
+          <a:fontRef idx="minor">
+            <a:schemeClr val="tx1"/>
+          </a:fontRef>
+        </p:style>
+      </p:cxnSp>
+      <p:sp>
+        <p:nvSpPr>
+          <p:cNvPr id="19" name="Rounded Rectangle 18">
+            <a:extLst>
+              <a:ext uri="{FF2B5EF4-FFF2-40B4-BE49-F238E27FC236}">
+                <a16:creationId xmlns:a16="http://schemas.microsoft.com/office/drawing/2014/main" id="{4D586DA3-D2BF-AF47-A16C-E307B2942F8E}"/>
+              </a:ext>
+            </a:extLst>
+          </p:cNvPr>
+          <p:cNvSpPr/>
+          <p:nvPr/>
+        </p:nvSpPr>
+        <p:spPr>
+          <a:xfrm>
+            <a:off x="5983146" y="2788921"/>
+            <a:ext cx="2463500" cy="548639"/>
           </a:xfrm>
           <a:prstGeom prst="roundRect">
             <a:avLst/>
@@ -7058,17 +7351,151 @@
                   <a:schemeClr val="tx1"/>
                 </a:solidFill>
               </a:rPr>
-              <a:t>Tile Wrapper</a:t>
-            </a:r>
-          </a:p>
-        </p:txBody>
-      </p:sp>
-      <p:sp>
-        <p:nvSpPr>
-          <p:cNvPr id="10" name="Rounded Rectangle 9">
-            <a:extLst>
-              <a:ext uri="{FF2B5EF4-FFF2-40B4-BE49-F238E27FC236}">
-                <a16:creationId xmlns:a16="http://schemas.microsoft.com/office/drawing/2014/main" id="{3E0ED708-59FC-AA4D-9FFC-6A2EFF38F6E7}"/>
+              <a:t>Distributed matrix of futures of tiles</a:t>
+            </a:r>
+          </a:p>
+        </p:txBody>
+      </p:sp>
+      <p:cxnSp>
+        <p:nvCxnSpPr>
+          <p:cNvPr id="20" name="Straight Arrow Connector 19">
+            <a:extLst>
+              <a:ext uri="{FF2B5EF4-FFF2-40B4-BE49-F238E27FC236}">
+                <a16:creationId xmlns:a16="http://schemas.microsoft.com/office/drawing/2014/main" id="{D08D1FDF-95C7-C848-BAFE-950CD46623F2}"/>
+              </a:ext>
+            </a:extLst>
+          </p:cNvPr>
+          <p:cNvCxnSpPr>
+            <a:cxnSpLocks/>
+            <a:endCxn id="9" idx="0"/>
+          </p:cNvCxnSpPr>
+          <p:nvPr/>
+        </p:nvCxnSpPr>
+        <p:spPr>
+          <a:xfrm>
+            <a:off x="7820389" y="3348748"/>
+            <a:ext cx="224486" cy="1072546"/>
+          </a:xfrm>
+          <a:prstGeom prst="straightConnector1">
+            <a:avLst/>
+          </a:prstGeom>
+          <a:ln w="38100">
+            <a:solidFill>
+              <a:schemeClr val="accent4"/>
+            </a:solidFill>
+            <a:tailEnd type="triangle"/>
+          </a:ln>
+        </p:spPr>
+        <p:style>
+          <a:lnRef idx="1">
+            <a:schemeClr val="accent1"/>
+          </a:lnRef>
+          <a:fillRef idx="0">
+            <a:schemeClr val="accent1"/>
+          </a:fillRef>
+          <a:effectRef idx="0">
+            <a:schemeClr val="accent1"/>
+          </a:effectRef>
+          <a:fontRef idx="minor">
+            <a:schemeClr val="tx1"/>
+          </a:fontRef>
+        </p:style>
+      </p:cxnSp>
+      <p:cxnSp>
+        <p:nvCxnSpPr>
+          <p:cNvPr id="27" name="Straight Arrow Connector 26">
+            <a:extLst>
+              <a:ext uri="{FF2B5EF4-FFF2-40B4-BE49-F238E27FC236}">
+                <a16:creationId xmlns:a16="http://schemas.microsoft.com/office/drawing/2014/main" id="{44EF6489-FBE6-4E4B-BBD2-6E6448350C70}"/>
+              </a:ext>
+            </a:extLst>
+          </p:cNvPr>
+          <p:cNvCxnSpPr>
+            <a:cxnSpLocks/>
+          </p:cNvCxnSpPr>
+          <p:nvPr/>
+        </p:nvCxnSpPr>
+        <p:spPr>
+          <a:xfrm flipH="1">
+            <a:off x="5129402" y="3337560"/>
+            <a:ext cx="1057473" cy="1088998"/>
+          </a:xfrm>
+          <a:prstGeom prst="straightConnector1">
+            <a:avLst/>
+          </a:prstGeom>
+          <a:ln w="38100">
+            <a:solidFill>
+              <a:schemeClr val="accent4"/>
+            </a:solidFill>
+            <a:tailEnd type="triangle"/>
+          </a:ln>
+        </p:spPr>
+        <p:style>
+          <a:lnRef idx="1">
+            <a:schemeClr val="accent1"/>
+          </a:lnRef>
+          <a:fillRef idx="0">
+            <a:schemeClr val="accent1"/>
+          </a:fillRef>
+          <a:effectRef idx="0">
+            <a:schemeClr val="accent1"/>
+          </a:effectRef>
+          <a:fontRef idx="minor">
+            <a:schemeClr val="tx1"/>
+          </a:fontRef>
+        </p:style>
+      </p:cxnSp>
+      <p:cxnSp>
+        <p:nvCxnSpPr>
+          <p:cNvPr id="30" name="Straight Arrow Connector 29">
+            <a:extLst>
+              <a:ext uri="{FF2B5EF4-FFF2-40B4-BE49-F238E27FC236}">
+                <a16:creationId xmlns:a16="http://schemas.microsoft.com/office/drawing/2014/main" id="{20935503-360D-3C4E-B048-0870E08898F9}"/>
+              </a:ext>
+            </a:extLst>
+          </p:cNvPr>
+          <p:cNvCxnSpPr>
+            <a:cxnSpLocks/>
+            <a:endCxn id="11" idx="0"/>
+          </p:cNvCxnSpPr>
+          <p:nvPr/>
+        </p:nvCxnSpPr>
+        <p:spPr>
+          <a:xfrm flipH="1">
+            <a:off x="6407404" y="3337560"/>
+            <a:ext cx="220421" cy="2743197"/>
+          </a:xfrm>
+          <a:prstGeom prst="straightConnector1">
+            <a:avLst/>
+          </a:prstGeom>
+          <a:ln w="38100">
+            <a:solidFill>
+              <a:schemeClr val="accent4"/>
+            </a:solidFill>
+            <a:tailEnd type="triangle"/>
+          </a:ln>
+        </p:spPr>
+        <p:style>
+          <a:lnRef idx="1">
+            <a:schemeClr val="accent1"/>
+          </a:lnRef>
+          <a:fillRef idx="0">
+            <a:schemeClr val="accent1"/>
+          </a:fillRef>
+          <a:effectRef idx="0">
+            <a:schemeClr val="accent1"/>
+          </a:effectRef>
+          <a:fontRef idx="minor">
+            <a:schemeClr val="tx1"/>
+          </a:fontRef>
+        </p:style>
+      </p:cxnSp>
+      <p:sp>
+        <p:nvSpPr>
+          <p:cNvPr id="33" name="Rounded Rectangle 32">
+            <a:extLst>
+              <a:ext uri="{FF2B5EF4-FFF2-40B4-BE49-F238E27FC236}">
+                <a16:creationId xmlns:a16="http://schemas.microsoft.com/office/drawing/2014/main" id="{9AE9CAC6-1BBF-7A49-A3B2-36743D438377}"/>
               </a:ext>
             </a:extLst>
           </p:cNvPr>
@@ -7077,7 +7504,876 @@
         </p:nvSpPr>
         <p:spPr>
           <a:xfrm>
-            <a:off x="2738374" y="6080762"/>
+            <a:off x="5138672" y="1686272"/>
+            <a:ext cx="4346092" cy="548639"/>
+          </a:xfrm>
+          <a:prstGeom prst="roundRect">
+            <a:avLst/>
+          </a:prstGeom>
+          <a:solidFill>
+            <a:schemeClr val="accent4">
+              <a:lumMod val="20000"/>
+              <a:lumOff val="80000"/>
+            </a:schemeClr>
+          </a:solidFill>
+          <a:ln>
+            <a:solidFill>
+              <a:schemeClr val="accent4"/>
+            </a:solidFill>
+          </a:ln>
+        </p:spPr>
+        <p:style>
+          <a:lnRef idx="2">
+            <a:schemeClr val="accent1">
+              <a:shade val="50000"/>
+            </a:schemeClr>
+          </a:lnRef>
+          <a:fillRef idx="1">
+            <a:schemeClr val="accent1"/>
+          </a:fillRef>
+          <a:effectRef idx="0">
+            <a:schemeClr val="accent1"/>
+          </a:effectRef>
+          <a:fontRef idx="minor">
+            <a:schemeClr val="lt1"/>
+          </a:fontRef>
+        </p:style>
+        <p:txBody>
+          <a:bodyPr rtlCol="0" anchor="ctr"/>
+          <a:lstStyle/>
+          <a:p>
+            <a:pPr algn="ctr"/>
+            <a:r>
+              <a:rPr lang="en-US" dirty="0">
+                <a:solidFill>
+                  <a:schemeClr val="tx1"/>
+                </a:solidFill>
+              </a:rPr>
+              <a:t>Cholesky fact.</a:t>
+            </a:r>
+          </a:p>
+        </p:txBody>
+      </p:sp>
+      <p:cxnSp>
+        <p:nvCxnSpPr>
+          <p:cNvPr id="53" name="Straight Arrow Connector 52">
+            <a:extLst>
+              <a:ext uri="{FF2B5EF4-FFF2-40B4-BE49-F238E27FC236}">
+                <a16:creationId xmlns:a16="http://schemas.microsoft.com/office/drawing/2014/main" id="{7D26C9EA-03A4-1A44-8E9C-CDD4BFA68689}"/>
+              </a:ext>
+            </a:extLst>
+          </p:cNvPr>
+          <p:cNvCxnSpPr>
+            <a:cxnSpLocks/>
+          </p:cNvCxnSpPr>
+          <p:nvPr/>
+        </p:nvCxnSpPr>
+        <p:spPr>
+          <a:xfrm>
+            <a:off x="5610330" y="2251479"/>
+            <a:ext cx="576544" cy="3829278"/>
+          </a:xfrm>
+          <a:prstGeom prst="straightConnector1">
+            <a:avLst/>
+          </a:prstGeom>
+          <a:ln w="38100">
+            <a:solidFill>
+              <a:schemeClr val="accent4"/>
+            </a:solidFill>
+            <a:tailEnd type="triangle"/>
+          </a:ln>
+        </p:spPr>
+        <p:style>
+          <a:lnRef idx="1">
+            <a:schemeClr val="accent1"/>
+          </a:lnRef>
+          <a:fillRef idx="0">
+            <a:schemeClr val="accent1"/>
+          </a:fillRef>
+          <a:effectRef idx="0">
+            <a:schemeClr val="accent1"/>
+          </a:effectRef>
+          <a:fontRef idx="minor">
+            <a:schemeClr val="tx1"/>
+          </a:fontRef>
+        </p:style>
+      </p:cxnSp>
+      <p:cxnSp>
+        <p:nvCxnSpPr>
+          <p:cNvPr id="65" name="Straight Arrow Connector 64">
+            <a:extLst>
+              <a:ext uri="{FF2B5EF4-FFF2-40B4-BE49-F238E27FC236}">
+                <a16:creationId xmlns:a16="http://schemas.microsoft.com/office/drawing/2014/main" id="{8495C0BC-9089-904D-B097-1515345B86CD}"/>
+              </a:ext>
+            </a:extLst>
+          </p:cNvPr>
+          <p:cNvCxnSpPr>
+            <a:cxnSpLocks/>
+          </p:cNvCxnSpPr>
+          <p:nvPr/>
+        </p:nvCxnSpPr>
+        <p:spPr>
+          <a:xfrm>
+            <a:off x="7093594" y="2251479"/>
+            <a:ext cx="1" cy="532066"/>
+          </a:xfrm>
+          <a:prstGeom prst="straightConnector1">
+            <a:avLst/>
+          </a:prstGeom>
+          <a:ln w="38100">
+            <a:solidFill>
+              <a:schemeClr val="accent4"/>
+            </a:solidFill>
+            <a:tailEnd type="triangle"/>
+          </a:ln>
+        </p:spPr>
+        <p:style>
+          <a:lnRef idx="1">
+            <a:schemeClr val="accent1"/>
+          </a:lnRef>
+          <a:fillRef idx="0">
+            <a:schemeClr val="accent1"/>
+          </a:fillRef>
+          <a:effectRef idx="0">
+            <a:schemeClr val="accent1"/>
+          </a:effectRef>
+          <a:fontRef idx="minor">
+            <a:schemeClr val="tx1"/>
+          </a:fontRef>
+        </p:style>
+      </p:cxnSp>
+      <p:cxnSp>
+        <p:nvCxnSpPr>
+          <p:cNvPr id="68" name="Straight Arrow Connector 67">
+            <a:extLst>
+              <a:ext uri="{FF2B5EF4-FFF2-40B4-BE49-F238E27FC236}">
+                <a16:creationId xmlns:a16="http://schemas.microsoft.com/office/drawing/2014/main" id="{E0B643F2-9388-4C4D-8A7A-73893945D0C5}"/>
+              </a:ext>
+            </a:extLst>
+          </p:cNvPr>
+          <p:cNvCxnSpPr>
+            <a:cxnSpLocks/>
+            <a:stCxn id="39" idx="2"/>
+            <a:endCxn id="35" idx="0"/>
+          </p:cNvCxnSpPr>
+          <p:nvPr/>
+        </p:nvCxnSpPr>
+        <p:spPr>
+          <a:xfrm>
+            <a:off x="10349797" y="3337560"/>
+            <a:ext cx="322029" cy="1645919"/>
+          </a:xfrm>
+          <a:prstGeom prst="straightConnector1">
+            <a:avLst/>
+          </a:prstGeom>
+          <a:ln w="38100">
+            <a:solidFill>
+              <a:schemeClr val="accent4"/>
+            </a:solidFill>
+            <a:tailEnd type="triangle"/>
+          </a:ln>
+        </p:spPr>
+        <p:style>
+          <a:lnRef idx="1">
+            <a:schemeClr val="accent1"/>
+          </a:lnRef>
+          <a:fillRef idx="0">
+            <a:schemeClr val="accent1"/>
+          </a:fillRef>
+          <a:effectRef idx="0">
+            <a:schemeClr val="accent1"/>
+          </a:effectRef>
+          <a:fontRef idx="minor">
+            <a:schemeClr val="tx1"/>
+          </a:fontRef>
+        </p:style>
+      </p:cxnSp>
+      <p:cxnSp>
+        <p:nvCxnSpPr>
+          <p:cNvPr id="75" name="Straight Arrow Connector 74">
+            <a:extLst>
+              <a:ext uri="{FF2B5EF4-FFF2-40B4-BE49-F238E27FC236}">
+                <a16:creationId xmlns:a16="http://schemas.microsoft.com/office/drawing/2014/main" id="{691502EB-A1EF-2E47-BCFD-C1A1C6122485}"/>
+              </a:ext>
+            </a:extLst>
+          </p:cNvPr>
+          <p:cNvCxnSpPr>
+            <a:cxnSpLocks/>
+          </p:cNvCxnSpPr>
+          <p:nvPr/>
+        </p:nvCxnSpPr>
+        <p:spPr>
+          <a:xfrm flipH="1">
+            <a:off x="4744343" y="2251479"/>
+            <a:ext cx="619514" cy="2183362"/>
+          </a:xfrm>
+          <a:prstGeom prst="straightConnector1">
+            <a:avLst/>
+          </a:prstGeom>
+          <a:ln w="38100">
+            <a:solidFill>
+              <a:schemeClr val="accent4"/>
+            </a:solidFill>
+            <a:tailEnd type="triangle"/>
+          </a:ln>
+        </p:spPr>
+        <p:style>
+          <a:lnRef idx="1">
+            <a:schemeClr val="accent1"/>
+          </a:lnRef>
+          <a:fillRef idx="0">
+            <a:schemeClr val="accent1"/>
+          </a:fillRef>
+          <a:effectRef idx="0">
+            <a:schemeClr val="accent1"/>
+          </a:effectRef>
+          <a:fontRef idx="minor">
+            <a:schemeClr val="tx1"/>
+          </a:fontRef>
+        </p:style>
+      </p:cxnSp>
+      <p:cxnSp>
+        <p:nvCxnSpPr>
+          <p:cNvPr id="80" name="Straight Arrow Connector 79">
+            <a:extLst>
+              <a:ext uri="{FF2B5EF4-FFF2-40B4-BE49-F238E27FC236}">
+                <a16:creationId xmlns:a16="http://schemas.microsoft.com/office/drawing/2014/main" id="{2695ACC4-FBBF-D949-A7F2-AA3AE6152608}"/>
+              </a:ext>
+            </a:extLst>
+          </p:cNvPr>
+          <p:cNvCxnSpPr>
+            <a:cxnSpLocks/>
+            <a:stCxn id="8" idx="2"/>
+          </p:cNvCxnSpPr>
+          <p:nvPr/>
+        </p:nvCxnSpPr>
+        <p:spPr>
+          <a:xfrm flipH="1">
+            <a:off x="4164573" y="5532123"/>
+            <a:ext cx="187448" cy="548634"/>
+          </a:xfrm>
+          <a:prstGeom prst="straightConnector1">
+            <a:avLst/>
+          </a:prstGeom>
+          <a:ln w="38100">
+            <a:solidFill>
+              <a:schemeClr val="accent4"/>
+            </a:solidFill>
+            <a:tailEnd type="triangle"/>
+          </a:ln>
+        </p:spPr>
+        <p:style>
+          <a:lnRef idx="1">
+            <a:schemeClr val="accent1"/>
+          </a:lnRef>
+          <a:fillRef idx="0">
+            <a:schemeClr val="accent1"/>
+          </a:fillRef>
+          <a:effectRef idx="0">
+            <a:schemeClr val="accent1"/>
+          </a:effectRef>
+          <a:fontRef idx="minor">
+            <a:schemeClr val="tx1"/>
+          </a:fontRef>
+        </p:style>
+      </p:cxnSp>
+      <p:cxnSp>
+        <p:nvCxnSpPr>
+          <p:cNvPr id="88" name="Straight Arrow Connector 87">
+            <a:extLst>
+              <a:ext uri="{FF2B5EF4-FFF2-40B4-BE49-F238E27FC236}">
+                <a16:creationId xmlns:a16="http://schemas.microsoft.com/office/drawing/2014/main" id="{3F219CED-0460-164C-810E-9F6B31DF0911}"/>
+              </a:ext>
+            </a:extLst>
+          </p:cNvPr>
+          <p:cNvCxnSpPr>
+            <a:cxnSpLocks/>
+          </p:cNvCxnSpPr>
+          <p:nvPr/>
+        </p:nvCxnSpPr>
+        <p:spPr>
+          <a:xfrm flipH="1">
+            <a:off x="8379084" y="2234911"/>
+            <a:ext cx="241201" cy="2182075"/>
+          </a:xfrm>
+          <a:prstGeom prst="straightConnector1">
+            <a:avLst/>
+          </a:prstGeom>
+          <a:ln w="38100">
+            <a:solidFill>
+              <a:schemeClr val="accent4"/>
+            </a:solidFill>
+            <a:tailEnd type="triangle"/>
+          </a:ln>
+        </p:spPr>
+        <p:style>
+          <a:lnRef idx="1">
+            <a:schemeClr val="accent1"/>
+          </a:lnRef>
+          <a:fillRef idx="0">
+            <a:schemeClr val="accent1"/>
+          </a:fillRef>
+          <a:effectRef idx="0">
+            <a:schemeClr val="accent1"/>
+          </a:effectRef>
+          <a:fontRef idx="minor">
+            <a:schemeClr val="tx1"/>
+          </a:fontRef>
+        </p:style>
+      </p:cxnSp>
+      <p:sp>
+        <p:nvSpPr>
+          <p:cNvPr id="95" name="Rounded Rectangle 94">
+            <a:extLst>
+              <a:ext uri="{FF2B5EF4-FFF2-40B4-BE49-F238E27FC236}">
+                <a16:creationId xmlns:a16="http://schemas.microsoft.com/office/drawing/2014/main" id="{088A25EF-6173-BC4B-91B3-3746EED8E17C}"/>
+              </a:ext>
+            </a:extLst>
+          </p:cNvPr>
+          <p:cNvSpPr/>
+          <p:nvPr/>
+        </p:nvSpPr>
+        <p:spPr>
+          <a:xfrm>
+            <a:off x="3129192" y="250120"/>
+            <a:ext cx="2258209" cy="548639"/>
+          </a:xfrm>
+          <a:prstGeom prst="roundRect">
+            <a:avLst/>
+          </a:prstGeom>
+          <a:solidFill>
+            <a:schemeClr val="accent3">
+              <a:lumMod val="20000"/>
+              <a:lumOff val="80000"/>
+            </a:schemeClr>
+          </a:solidFill>
+          <a:ln>
+            <a:solidFill>
+              <a:schemeClr val="accent3"/>
+            </a:solidFill>
+          </a:ln>
+        </p:spPr>
+        <p:style>
+          <a:lnRef idx="2">
+            <a:schemeClr val="accent1">
+              <a:shade val="50000"/>
+            </a:schemeClr>
+          </a:lnRef>
+          <a:fillRef idx="1">
+            <a:schemeClr val="accent1"/>
+          </a:fillRef>
+          <a:effectRef idx="0">
+            <a:schemeClr val="accent1"/>
+          </a:effectRef>
+          <a:fontRef idx="minor">
+            <a:schemeClr val="lt1"/>
+          </a:fontRef>
+        </p:style>
+        <p:txBody>
+          <a:bodyPr rtlCol="0" anchor="ctr"/>
+          <a:lstStyle/>
+          <a:p>
+            <a:pPr algn="ctr"/>
+            <a:r>
+              <a:rPr lang="en-US" dirty="0" err="1">
+                <a:solidFill>
+                  <a:schemeClr val="tx1"/>
+                </a:solidFill>
+              </a:rPr>
+              <a:t>Miniapp</a:t>
+            </a:r>
+            <a:endParaRPr lang="en-US" dirty="0">
+              <a:solidFill>
+                <a:schemeClr val="tx1"/>
+              </a:solidFill>
+            </a:endParaRPr>
+          </a:p>
+        </p:txBody>
+      </p:sp>
+      <p:cxnSp>
+        <p:nvCxnSpPr>
+          <p:cNvPr id="96" name="Straight Arrow Connector 95">
+            <a:extLst>
+              <a:ext uri="{FF2B5EF4-FFF2-40B4-BE49-F238E27FC236}">
+                <a16:creationId xmlns:a16="http://schemas.microsoft.com/office/drawing/2014/main" id="{3CF21696-785E-2743-B62A-582523619DDF}"/>
+              </a:ext>
+            </a:extLst>
+          </p:cNvPr>
+          <p:cNvCxnSpPr>
+            <a:cxnSpLocks/>
+          </p:cNvCxnSpPr>
+          <p:nvPr/>
+        </p:nvCxnSpPr>
+        <p:spPr>
+          <a:xfrm>
+            <a:off x="4759237" y="815327"/>
+            <a:ext cx="1868588" cy="884596"/>
+          </a:xfrm>
+          <a:prstGeom prst="straightConnector1">
+            <a:avLst/>
+          </a:prstGeom>
+          <a:ln w="38100">
+            <a:solidFill>
+              <a:schemeClr val="accent3">
+                <a:lumMod val="50000"/>
+              </a:schemeClr>
+            </a:solidFill>
+            <a:tailEnd type="triangle"/>
+          </a:ln>
+        </p:spPr>
+        <p:style>
+          <a:lnRef idx="1">
+            <a:schemeClr val="accent1"/>
+          </a:lnRef>
+          <a:fillRef idx="0">
+            <a:schemeClr val="accent1"/>
+          </a:fillRef>
+          <a:effectRef idx="0">
+            <a:schemeClr val="accent1"/>
+          </a:effectRef>
+          <a:fontRef idx="minor">
+            <a:schemeClr val="tx1"/>
+          </a:fontRef>
+        </p:style>
+      </p:cxnSp>
+      <p:cxnSp>
+        <p:nvCxnSpPr>
+          <p:cNvPr id="98" name="Straight Arrow Connector 97">
+            <a:extLst>
+              <a:ext uri="{FF2B5EF4-FFF2-40B4-BE49-F238E27FC236}">
+                <a16:creationId xmlns:a16="http://schemas.microsoft.com/office/drawing/2014/main" id="{13994A0D-88B5-2040-A8AB-2E708D65A1C0}"/>
+              </a:ext>
+            </a:extLst>
+          </p:cNvPr>
+          <p:cNvCxnSpPr>
+            <a:cxnSpLocks/>
+          </p:cNvCxnSpPr>
+          <p:nvPr/>
+        </p:nvCxnSpPr>
+        <p:spPr>
+          <a:xfrm flipH="1">
+            <a:off x="3750939" y="815327"/>
+            <a:ext cx="34039" cy="3619503"/>
+          </a:xfrm>
+          <a:prstGeom prst="straightConnector1">
+            <a:avLst/>
+          </a:prstGeom>
+          <a:ln w="38100">
+            <a:solidFill>
+              <a:schemeClr val="accent3">
+                <a:lumMod val="50000"/>
+              </a:schemeClr>
+            </a:solidFill>
+            <a:tailEnd type="triangle"/>
+          </a:ln>
+        </p:spPr>
+        <p:style>
+          <a:lnRef idx="1">
+            <a:schemeClr val="accent1"/>
+          </a:lnRef>
+          <a:fillRef idx="0">
+            <a:schemeClr val="accent1"/>
+          </a:fillRef>
+          <a:effectRef idx="0">
+            <a:schemeClr val="accent1"/>
+          </a:effectRef>
+          <a:fontRef idx="minor">
+            <a:schemeClr val="tx1"/>
+          </a:fontRef>
+        </p:style>
+      </p:cxnSp>
+      <p:sp>
+        <p:nvSpPr>
+          <p:cNvPr id="116" name="Rounded Rectangle 115">
+            <a:extLst>
+              <a:ext uri="{FF2B5EF4-FFF2-40B4-BE49-F238E27FC236}">
+                <a16:creationId xmlns:a16="http://schemas.microsoft.com/office/drawing/2014/main" id="{5A41EC68-D72A-9041-AFA2-E6761697086C}"/>
+              </a:ext>
+            </a:extLst>
+          </p:cNvPr>
+          <p:cNvSpPr/>
+          <p:nvPr/>
+        </p:nvSpPr>
+        <p:spPr>
+          <a:xfrm>
+            <a:off x="462192" y="250120"/>
+            <a:ext cx="1590338" cy="548639"/>
+          </a:xfrm>
+          <a:prstGeom prst="roundRect">
+            <a:avLst/>
+          </a:prstGeom>
+          <a:solidFill>
+            <a:schemeClr val="accent2">
+              <a:lumMod val="20000"/>
+              <a:lumOff val="80000"/>
+            </a:schemeClr>
+          </a:solidFill>
+          <a:ln>
+            <a:solidFill>
+              <a:schemeClr val="accent2"/>
+            </a:solidFill>
+          </a:ln>
+        </p:spPr>
+        <p:style>
+          <a:lnRef idx="2">
+            <a:schemeClr val="accent1">
+              <a:shade val="50000"/>
+            </a:schemeClr>
+          </a:lnRef>
+          <a:fillRef idx="1">
+            <a:schemeClr val="accent1"/>
+          </a:fillRef>
+          <a:effectRef idx="0">
+            <a:schemeClr val="accent1"/>
+          </a:effectRef>
+          <a:fontRef idx="minor">
+            <a:schemeClr val="lt1"/>
+          </a:fontRef>
+        </p:style>
+        <p:txBody>
+          <a:bodyPr rtlCol="0" anchor="ctr"/>
+          <a:lstStyle/>
+          <a:p>
+            <a:pPr algn="ctr"/>
+            <a:r>
+              <a:rPr lang="en-US" dirty="0">
+                <a:solidFill>
+                  <a:schemeClr val="tx1"/>
+                </a:solidFill>
+              </a:rPr>
+              <a:t>Unit tests</a:t>
+            </a:r>
+          </a:p>
+        </p:txBody>
+      </p:sp>
+      <p:cxnSp>
+        <p:nvCxnSpPr>
+          <p:cNvPr id="117" name="Straight Arrow Connector 116">
+            <a:extLst>
+              <a:ext uri="{FF2B5EF4-FFF2-40B4-BE49-F238E27FC236}">
+                <a16:creationId xmlns:a16="http://schemas.microsoft.com/office/drawing/2014/main" id="{A03E2E6B-0D3B-8343-9DB4-6C1BC9A3CA95}"/>
+              </a:ext>
+            </a:extLst>
+          </p:cNvPr>
+          <p:cNvCxnSpPr>
+            <a:cxnSpLocks/>
+            <a:stCxn id="116" idx="2"/>
+            <a:endCxn id="13" idx="0"/>
+          </p:cNvCxnSpPr>
+          <p:nvPr/>
+        </p:nvCxnSpPr>
+        <p:spPr>
+          <a:xfrm>
+            <a:off x="1257361" y="798759"/>
+            <a:ext cx="24143" cy="5282002"/>
+          </a:xfrm>
+          <a:prstGeom prst="straightConnector1">
+            <a:avLst/>
+          </a:prstGeom>
+          <a:ln w="38100">
+            <a:solidFill>
+              <a:schemeClr val="accent2"/>
+            </a:solidFill>
+            <a:tailEnd type="triangle"/>
+          </a:ln>
+        </p:spPr>
+        <p:style>
+          <a:lnRef idx="1">
+            <a:schemeClr val="accent1"/>
+          </a:lnRef>
+          <a:fillRef idx="0">
+            <a:schemeClr val="accent1"/>
+          </a:fillRef>
+          <a:effectRef idx="0">
+            <a:schemeClr val="accent1"/>
+          </a:effectRef>
+          <a:fontRef idx="minor">
+            <a:schemeClr val="tx1"/>
+          </a:fontRef>
+        </p:style>
+      </p:cxnSp>
+      <p:cxnSp>
+        <p:nvCxnSpPr>
+          <p:cNvPr id="121" name="Straight Arrow Connector 120">
+            <a:extLst>
+              <a:ext uri="{FF2B5EF4-FFF2-40B4-BE49-F238E27FC236}">
+                <a16:creationId xmlns:a16="http://schemas.microsoft.com/office/drawing/2014/main" id="{79FB4AE7-2097-164B-B686-850EDA6C458D}"/>
+              </a:ext>
+            </a:extLst>
+          </p:cNvPr>
+          <p:cNvCxnSpPr>
+            <a:cxnSpLocks/>
+          </p:cNvCxnSpPr>
+          <p:nvPr/>
+        </p:nvCxnSpPr>
+        <p:spPr>
+          <a:xfrm>
+            <a:off x="1548480" y="798759"/>
+            <a:ext cx="214489" cy="812691"/>
+          </a:xfrm>
+          <a:prstGeom prst="straightConnector1">
+            <a:avLst/>
+          </a:prstGeom>
+          <a:ln w="38100">
+            <a:solidFill>
+              <a:schemeClr val="accent2"/>
+            </a:solidFill>
+            <a:tailEnd type="triangle"/>
+          </a:ln>
+        </p:spPr>
+        <p:style>
+          <a:lnRef idx="1">
+            <a:schemeClr val="accent1"/>
+          </a:lnRef>
+          <a:fillRef idx="0">
+            <a:schemeClr val="accent1"/>
+          </a:fillRef>
+          <a:effectRef idx="0">
+            <a:schemeClr val="accent1"/>
+          </a:effectRef>
+          <a:fontRef idx="minor">
+            <a:schemeClr val="tx1"/>
+          </a:fontRef>
+        </p:style>
+      </p:cxnSp>
+      <p:cxnSp>
+        <p:nvCxnSpPr>
+          <p:cNvPr id="124" name="Straight Arrow Connector 123">
+            <a:extLst>
+              <a:ext uri="{FF2B5EF4-FFF2-40B4-BE49-F238E27FC236}">
+                <a16:creationId xmlns:a16="http://schemas.microsoft.com/office/drawing/2014/main" id="{D635AA91-1D49-1947-8297-81435F7A3E8A}"/>
+              </a:ext>
+            </a:extLst>
+          </p:cNvPr>
+          <p:cNvCxnSpPr>
+            <a:cxnSpLocks/>
+          </p:cNvCxnSpPr>
+          <p:nvPr/>
+        </p:nvCxnSpPr>
+        <p:spPr>
+          <a:xfrm>
+            <a:off x="1548480" y="798759"/>
+            <a:ext cx="431566" cy="707312"/>
+          </a:xfrm>
+          <a:prstGeom prst="straightConnector1">
+            <a:avLst/>
+          </a:prstGeom>
+          <a:ln w="38100">
+            <a:solidFill>
+              <a:schemeClr val="accent2"/>
+            </a:solidFill>
+            <a:tailEnd type="triangle"/>
+          </a:ln>
+        </p:spPr>
+        <p:style>
+          <a:lnRef idx="1">
+            <a:schemeClr val="accent1"/>
+          </a:lnRef>
+          <a:fillRef idx="0">
+            <a:schemeClr val="accent1"/>
+          </a:fillRef>
+          <a:effectRef idx="0">
+            <a:schemeClr val="accent1"/>
+          </a:effectRef>
+          <a:fontRef idx="minor">
+            <a:schemeClr val="tx1"/>
+          </a:fontRef>
+        </p:style>
+      </p:cxnSp>
+      <p:cxnSp>
+        <p:nvCxnSpPr>
+          <p:cNvPr id="127" name="Straight Arrow Connector 126">
+            <a:extLst>
+              <a:ext uri="{FF2B5EF4-FFF2-40B4-BE49-F238E27FC236}">
+                <a16:creationId xmlns:a16="http://schemas.microsoft.com/office/drawing/2014/main" id="{8420C8EE-E465-364B-832E-A335435DDB05}"/>
+              </a:ext>
+            </a:extLst>
+          </p:cNvPr>
+          <p:cNvCxnSpPr>
+            <a:cxnSpLocks/>
+          </p:cNvCxnSpPr>
+          <p:nvPr/>
+        </p:nvCxnSpPr>
+        <p:spPr>
+          <a:xfrm>
+            <a:off x="1591261" y="851448"/>
+            <a:ext cx="565153" cy="495950"/>
+          </a:xfrm>
+          <a:prstGeom prst="straightConnector1">
+            <a:avLst/>
+          </a:prstGeom>
+          <a:ln w="38100">
+            <a:solidFill>
+              <a:schemeClr val="accent2"/>
+            </a:solidFill>
+            <a:tailEnd type="triangle"/>
+          </a:ln>
+        </p:spPr>
+        <p:style>
+          <a:lnRef idx="1">
+            <a:schemeClr val="accent1"/>
+          </a:lnRef>
+          <a:fillRef idx="0">
+            <a:schemeClr val="accent1"/>
+          </a:fillRef>
+          <a:effectRef idx="0">
+            <a:schemeClr val="accent1"/>
+          </a:effectRef>
+          <a:fontRef idx="minor">
+            <a:schemeClr val="tx1"/>
+          </a:fontRef>
+        </p:style>
+      </p:cxnSp>
+      <p:cxnSp>
+        <p:nvCxnSpPr>
+          <p:cNvPr id="130" name="Straight Arrow Connector 129">
+            <a:extLst>
+              <a:ext uri="{FF2B5EF4-FFF2-40B4-BE49-F238E27FC236}">
+                <a16:creationId xmlns:a16="http://schemas.microsoft.com/office/drawing/2014/main" id="{2B158725-F6AE-154D-93BD-764576B819D8}"/>
+              </a:ext>
+            </a:extLst>
+          </p:cNvPr>
+          <p:cNvCxnSpPr>
+            <a:cxnSpLocks/>
+          </p:cNvCxnSpPr>
+          <p:nvPr/>
+        </p:nvCxnSpPr>
+        <p:spPr>
+          <a:xfrm>
+            <a:off x="1588931" y="798759"/>
+            <a:ext cx="700872" cy="353656"/>
+          </a:xfrm>
+          <a:prstGeom prst="straightConnector1">
+            <a:avLst/>
+          </a:prstGeom>
+          <a:ln w="38100">
+            <a:solidFill>
+              <a:schemeClr val="accent2"/>
+            </a:solidFill>
+            <a:tailEnd type="triangle"/>
+          </a:ln>
+        </p:spPr>
+        <p:style>
+          <a:lnRef idx="1">
+            <a:schemeClr val="accent1"/>
+          </a:lnRef>
+          <a:fillRef idx="0">
+            <a:schemeClr val="accent1"/>
+          </a:fillRef>
+          <a:effectRef idx="0">
+            <a:schemeClr val="accent1"/>
+          </a:effectRef>
+          <a:fontRef idx="minor">
+            <a:schemeClr val="tx1"/>
+          </a:fontRef>
+        </p:style>
+      </p:cxnSp>
+      <p:cxnSp>
+        <p:nvCxnSpPr>
+          <p:cNvPr id="133" name="Straight Arrow Connector 132">
+            <a:extLst>
+              <a:ext uri="{FF2B5EF4-FFF2-40B4-BE49-F238E27FC236}">
+                <a16:creationId xmlns:a16="http://schemas.microsoft.com/office/drawing/2014/main" id="{7F986FE2-37D9-994E-984B-D843550FCB7C}"/>
+              </a:ext>
+            </a:extLst>
+          </p:cNvPr>
+          <p:cNvCxnSpPr>
+            <a:cxnSpLocks/>
+          </p:cNvCxnSpPr>
+          <p:nvPr/>
+        </p:nvCxnSpPr>
+        <p:spPr>
+          <a:xfrm>
+            <a:off x="1547753" y="798759"/>
+            <a:ext cx="814534" cy="176828"/>
+          </a:xfrm>
+          <a:prstGeom prst="straightConnector1">
+            <a:avLst/>
+          </a:prstGeom>
+          <a:ln w="38100">
+            <a:solidFill>
+              <a:schemeClr val="accent2"/>
+            </a:solidFill>
+            <a:tailEnd type="triangle"/>
+          </a:ln>
+        </p:spPr>
+        <p:style>
+          <a:lnRef idx="1">
+            <a:schemeClr val="accent1"/>
+          </a:lnRef>
+          <a:fillRef idx="0">
+            <a:schemeClr val="accent1"/>
+          </a:fillRef>
+          <a:effectRef idx="0">
+            <a:schemeClr val="accent1"/>
+          </a:effectRef>
+          <a:fontRef idx="minor">
+            <a:schemeClr val="tx1"/>
+          </a:fontRef>
+        </p:style>
+      </p:cxnSp>
+      <p:cxnSp>
+        <p:nvCxnSpPr>
+          <p:cNvPr id="142" name="Straight Arrow Connector 141">
+            <a:extLst>
+              <a:ext uri="{FF2B5EF4-FFF2-40B4-BE49-F238E27FC236}">
+                <a16:creationId xmlns:a16="http://schemas.microsoft.com/office/drawing/2014/main" id="{FDD0AA87-795B-6A46-978F-87EB6217FD7A}"/>
+              </a:ext>
+            </a:extLst>
+          </p:cNvPr>
+          <p:cNvCxnSpPr>
+            <a:cxnSpLocks/>
+            <a:stCxn id="95" idx="2"/>
+          </p:cNvCxnSpPr>
+          <p:nvPr/>
+        </p:nvCxnSpPr>
+        <p:spPr>
+          <a:xfrm>
+            <a:off x="4258297" y="798759"/>
+            <a:ext cx="1923133" cy="1984786"/>
+          </a:xfrm>
+          <a:prstGeom prst="straightConnector1">
+            <a:avLst/>
+          </a:prstGeom>
+          <a:ln w="38100">
+            <a:solidFill>
+              <a:schemeClr val="accent3">
+                <a:lumMod val="50000"/>
+              </a:schemeClr>
+            </a:solidFill>
+            <a:tailEnd type="triangle"/>
+          </a:ln>
+        </p:spPr>
+        <p:style>
+          <a:lnRef idx="1">
+            <a:schemeClr val="accent1"/>
+          </a:lnRef>
+          <a:fillRef idx="0">
+            <a:schemeClr val="accent1"/>
+          </a:fillRef>
+          <a:effectRef idx="0">
+            <a:schemeClr val="accent1"/>
+          </a:effectRef>
+          <a:fontRef idx="minor">
+            <a:schemeClr val="tx1"/>
+          </a:fontRef>
+        </p:style>
+      </p:cxnSp>
+      <p:sp>
+        <p:nvSpPr>
+          <p:cNvPr id="35" name="Rounded Rectangle 34">
+            <a:extLst>
+              <a:ext uri="{FF2B5EF4-FFF2-40B4-BE49-F238E27FC236}">
+                <a16:creationId xmlns:a16="http://schemas.microsoft.com/office/drawing/2014/main" id="{C6F1AA77-569C-8947-969C-D9A7BC4AED9D}"/>
+              </a:ext>
+            </a:extLst>
+          </p:cNvPr>
+          <p:cNvSpPr/>
+          <p:nvPr/>
+        </p:nvSpPr>
+        <p:spPr>
+          <a:xfrm>
+            <a:off x="9735910" y="4983479"/>
             <a:ext cx="1871831" cy="548640"/>
           </a:xfrm>
           <a:prstGeom prst="roundRect">
@@ -7117,22 +8413,43 @@
           <a:p>
             <a:pPr algn="ctr"/>
             <a:r>
+              <a:rPr lang="en-US" dirty="0" err="1">
+                <a:solidFill>
+                  <a:schemeClr val="tx1"/>
+                </a:solidFill>
+              </a:rPr>
+              <a:t>BLASpp</a:t>
+            </a:r>
+            <a:r>
               <a:rPr lang="en-US" dirty="0">
                 <a:solidFill>
                   <a:schemeClr val="tx1"/>
                 </a:solidFill>
               </a:rPr>
-              <a:t>MPI</a:t>
-            </a:r>
-          </a:p>
-        </p:txBody>
-      </p:sp>
-      <p:sp>
-        <p:nvSpPr>
-          <p:cNvPr id="11" name="Rounded Rectangle 10">
-            <a:extLst>
-              <a:ext uri="{FF2B5EF4-FFF2-40B4-BE49-F238E27FC236}">
-                <a16:creationId xmlns:a16="http://schemas.microsoft.com/office/drawing/2014/main" id="{E77BA5CD-6922-6649-9820-B6C35E1407C5}"/>
+              <a:t>  </a:t>
+            </a:r>
+            <a:r>
+              <a:rPr lang="en-US" dirty="0" err="1">
+                <a:solidFill>
+                  <a:schemeClr val="tx1"/>
+                </a:solidFill>
+              </a:rPr>
+              <a:t>LAPACKpp</a:t>
+            </a:r>
+            <a:endParaRPr lang="en-US" dirty="0">
+              <a:solidFill>
+                <a:schemeClr val="tx1"/>
+              </a:solidFill>
+            </a:endParaRPr>
+          </a:p>
+        </p:txBody>
+      </p:sp>
+      <p:sp>
+        <p:nvSpPr>
+          <p:cNvPr id="36" name="Rounded Rectangle 35">
+            <a:extLst>
+              <a:ext uri="{FF2B5EF4-FFF2-40B4-BE49-F238E27FC236}">
+                <a16:creationId xmlns:a16="http://schemas.microsoft.com/office/drawing/2014/main" id="{27AA6318-A5A8-244C-AF4E-345B6C3AA9D5}"/>
               </a:ext>
             </a:extLst>
           </p:cNvPr>
@@ -7141,7 +8458,7 @@
         </p:nvSpPr>
         <p:spPr>
           <a:xfrm>
-            <a:off x="5471488" y="6080757"/>
+            <a:off x="10234704" y="6080750"/>
             <a:ext cx="1871831" cy="548640"/>
           </a:xfrm>
           <a:prstGeom prst="roundRect">
@@ -7186,17 +8503,17 @@
                   <a:schemeClr val="tx1"/>
                 </a:solidFill>
               </a:rPr>
-              <a:t>HPX</a:t>
-            </a:r>
-          </a:p>
-        </p:txBody>
-      </p:sp>
-      <p:sp>
-        <p:nvSpPr>
-          <p:cNvPr id="12" name="Rounded Rectangle 11">
-            <a:extLst>
-              <a:ext uri="{FF2B5EF4-FFF2-40B4-BE49-F238E27FC236}">
-                <a16:creationId xmlns:a16="http://schemas.microsoft.com/office/drawing/2014/main" id="{F5188C33-3913-8F4D-8CB4-C1C818655955}"/>
+              <a:t>CUBLAS</a:t>
+            </a:r>
+          </a:p>
+        </p:txBody>
+      </p:sp>
+      <p:sp>
+        <p:nvSpPr>
+          <p:cNvPr id="39" name="Rounded Rectangle 38">
+            <a:extLst>
+              <a:ext uri="{FF2B5EF4-FFF2-40B4-BE49-F238E27FC236}">
+                <a16:creationId xmlns:a16="http://schemas.microsoft.com/office/drawing/2014/main" id="{12E64062-FA63-7F4E-8818-FF585BCC134E}"/>
               </a:ext>
             </a:extLst>
           </p:cNvPr>
@@ -7205,225 +8522,8 @@
         </p:nvSpPr>
         <p:spPr>
           <a:xfrm>
-            <a:off x="8258888" y="6080750"/>
-            <a:ext cx="1871831" cy="548640"/>
-          </a:xfrm>
-          <a:prstGeom prst="roundRect">
-            <a:avLst/>
-          </a:prstGeom>
-          <a:solidFill>
-            <a:schemeClr val="accent1">
-              <a:lumMod val="40000"/>
-              <a:lumOff val="60000"/>
-            </a:schemeClr>
-          </a:solidFill>
-          <a:ln>
-            <a:solidFill>
-              <a:schemeClr val="accent1"/>
-            </a:solidFill>
-          </a:ln>
-        </p:spPr>
-        <p:style>
-          <a:lnRef idx="2">
-            <a:schemeClr val="accent1">
-              <a:shade val="50000"/>
-            </a:schemeClr>
-          </a:lnRef>
-          <a:fillRef idx="1">
-            <a:schemeClr val="accent1"/>
-          </a:fillRef>
-          <a:effectRef idx="0">
-            <a:schemeClr val="accent1"/>
-          </a:effectRef>
-          <a:fontRef idx="minor">
-            <a:schemeClr val="lt1"/>
-          </a:fontRef>
-        </p:style>
-        <p:txBody>
-          <a:bodyPr rtlCol="0" anchor="ctr"/>
-          <a:lstStyle/>
-          <a:p>
-            <a:pPr algn="ctr"/>
-            <a:r>
-              <a:rPr lang="en-US" dirty="0">
-                <a:solidFill>
-                  <a:schemeClr val="tx1"/>
-                </a:solidFill>
-              </a:rPr>
-              <a:t>BLAS / LAPACK</a:t>
-            </a:r>
-          </a:p>
-        </p:txBody>
-      </p:sp>
-      <p:sp>
-        <p:nvSpPr>
-          <p:cNvPr id="13" name="Rounded Rectangle 12">
-            <a:extLst>
-              <a:ext uri="{FF2B5EF4-FFF2-40B4-BE49-F238E27FC236}">
-                <a16:creationId xmlns:a16="http://schemas.microsoft.com/office/drawing/2014/main" id="{E650BEC3-1374-0D45-ACDF-A9E67C70F31D}"/>
-              </a:ext>
-            </a:extLst>
-          </p:cNvPr>
-          <p:cNvSpPr/>
-          <p:nvPr/>
-        </p:nvSpPr>
-        <p:spPr>
-          <a:xfrm>
-            <a:off x="345588" y="6080761"/>
-            <a:ext cx="1871831" cy="548640"/>
-          </a:xfrm>
-          <a:prstGeom prst="roundRect">
-            <a:avLst/>
-          </a:prstGeom>
-          <a:solidFill>
-            <a:schemeClr val="accent1">
-              <a:lumMod val="40000"/>
-              <a:lumOff val="60000"/>
-            </a:schemeClr>
-          </a:solidFill>
-          <a:ln>
-            <a:solidFill>
-              <a:schemeClr val="accent1"/>
-            </a:solidFill>
-          </a:ln>
-        </p:spPr>
-        <p:style>
-          <a:lnRef idx="2">
-            <a:schemeClr val="accent1">
-              <a:shade val="50000"/>
-            </a:schemeClr>
-          </a:lnRef>
-          <a:fillRef idx="1">
-            <a:schemeClr val="accent1"/>
-          </a:fillRef>
-          <a:effectRef idx="0">
-            <a:schemeClr val="accent1"/>
-          </a:effectRef>
-          <a:fontRef idx="minor">
-            <a:schemeClr val="lt1"/>
-          </a:fontRef>
-        </p:style>
-        <p:txBody>
-          <a:bodyPr rtlCol="0" anchor="ctr"/>
-          <a:lstStyle/>
-          <a:p>
-            <a:pPr algn="ctr"/>
-            <a:r>
-              <a:rPr lang="en-US" dirty="0">
-                <a:solidFill>
-                  <a:schemeClr val="tx1"/>
-                </a:solidFill>
-              </a:rPr>
-              <a:t>GTEST</a:t>
-            </a:r>
-          </a:p>
-        </p:txBody>
-      </p:sp>
-      <p:cxnSp>
-        <p:nvCxnSpPr>
-          <p:cNvPr id="16" name="Straight Arrow Connector 15">
-            <a:extLst>
-              <a:ext uri="{FF2B5EF4-FFF2-40B4-BE49-F238E27FC236}">
-                <a16:creationId xmlns:a16="http://schemas.microsoft.com/office/drawing/2014/main" id="{9D35F533-2500-8644-A9F7-5BCF21B8DC09}"/>
-              </a:ext>
-            </a:extLst>
-          </p:cNvPr>
-          <p:cNvCxnSpPr>
-            <a:stCxn id="9" idx="2"/>
-            <a:endCxn id="4" idx="0"/>
-          </p:cNvCxnSpPr>
-          <p:nvPr/>
-        </p:nvCxnSpPr>
-        <p:spPr>
-          <a:xfrm>
-            <a:off x="7829035" y="4440433"/>
-            <a:ext cx="375568" cy="543046"/>
-          </a:xfrm>
-          <a:prstGeom prst="straightConnector1">
-            <a:avLst/>
-          </a:prstGeom>
-          <a:ln w="38100">
-            <a:solidFill>
-              <a:schemeClr val="accent4"/>
-            </a:solidFill>
-            <a:tailEnd type="triangle"/>
-          </a:ln>
-        </p:spPr>
-        <p:style>
-          <a:lnRef idx="1">
-            <a:schemeClr val="accent1"/>
-          </a:lnRef>
-          <a:fillRef idx="0">
-            <a:schemeClr val="accent1"/>
-          </a:fillRef>
-          <a:effectRef idx="0">
-            <a:schemeClr val="accent1"/>
-          </a:effectRef>
-          <a:fontRef idx="minor">
-            <a:schemeClr val="tx1"/>
-          </a:fontRef>
-        </p:style>
-      </p:cxnSp>
-      <p:cxnSp>
-        <p:nvCxnSpPr>
-          <p:cNvPr id="18" name="Straight Arrow Connector 17">
-            <a:extLst>
-              <a:ext uri="{FF2B5EF4-FFF2-40B4-BE49-F238E27FC236}">
-                <a16:creationId xmlns:a16="http://schemas.microsoft.com/office/drawing/2014/main" id="{475560A2-0DCD-8A42-91D4-A595BD9FD572}"/>
-              </a:ext>
-            </a:extLst>
-          </p:cNvPr>
-          <p:cNvCxnSpPr>
-            <a:cxnSpLocks/>
-          </p:cNvCxnSpPr>
-          <p:nvPr/>
-        </p:nvCxnSpPr>
-        <p:spPr>
-          <a:xfrm flipH="1">
-            <a:off x="6756468" y="4434830"/>
-            <a:ext cx="741833" cy="1645921"/>
-          </a:xfrm>
-          <a:prstGeom prst="straightConnector1">
-            <a:avLst/>
-          </a:prstGeom>
-          <a:ln w="38100">
-            <a:solidFill>
-              <a:schemeClr val="accent4"/>
-            </a:solidFill>
-            <a:tailEnd type="triangle"/>
-          </a:ln>
-        </p:spPr>
-        <p:style>
-          <a:lnRef idx="1">
-            <a:schemeClr val="accent1"/>
-          </a:lnRef>
-          <a:fillRef idx="0">
-            <a:schemeClr val="accent1"/>
-          </a:fillRef>
-          <a:effectRef idx="0">
-            <a:schemeClr val="accent1"/>
-          </a:effectRef>
-          <a:fontRef idx="minor">
-            <a:schemeClr val="tx1"/>
-          </a:fontRef>
-        </p:style>
-      </p:cxnSp>
-      <p:sp>
-        <p:nvSpPr>
-          <p:cNvPr id="19" name="Rounded Rectangle 18">
-            <a:extLst>
-              <a:ext uri="{FF2B5EF4-FFF2-40B4-BE49-F238E27FC236}">
-                <a16:creationId xmlns:a16="http://schemas.microsoft.com/office/drawing/2014/main" id="{4D586DA3-D2BF-AF47-A16C-E307B2942F8E}"/>
-              </a:ext>
-            </a:extLst>
-          </p:cNvPr>
-          <p:cNvSpPr/>
-          <p:nvPr/>
-        </p:nvSpPr>
-        <p:spPr>
-          <a:xfrm>
-            <a:off x="5983146" y="2788921"/>
-            <a:ext cx="2463500" cy="548639"/>
+            <a:off x="9440208" y="2788921"/>
+            <a:ext cx="1819178" cy="548639"/>
           </a:xfrm>
           <a:prstGeom prst="roundRect">
             <a:avLst/>
@@ -7467,1271 +8567,11 @@
                   <a:schemeClr val="tx1"/>
                 </a:solidFill>
               </a:rPr>
-              <a:t>Distributed matrix of futures of tiles</a:t>
-            </a:r>
-          </a:p>
-        </p:txBody>
-      </p:sp>
-      <p:cxnSp>
-        <p:nvCxnSpPr>
-          <p:cNvPr id="20" name="Straight Arrow Connector 19">
-            <a:extLst>
-              <a:ext uri="{FF2B5EF4-FFF2-40B4-BE49-F238E27FC236}">
-                <a16:creationId xmlns:a16="http://schemas.microsoft.com/office/drawing/2014/main" id="{D08D1FDF-95C7-C848-BAFE-950CD46623F2}"/>
-              </a:ext>
-            </a:extLst>
-          </p:cNvPr>
-          <p:cNvCxnSpPr>
-            <a:cxnSpLocks/>
-            <a:endCxn id="9" idx="0"/>
-          </p:cNvCxnSpPr>
-          <p:nvPr/>
-        </p:nvCxnSpPr>
-        <p:spPr>
-          <a:xfrm>
-            <a:off x="7801195" y="3337778"/>
-            <a:ext cx="27840" cy="554016"/>
-          </a:xfrm>
-          <a:prstGeom prst="straightConnector1">
-            <a:avLst/>
-          </a:prstGeom>
-          <a:ln w="38100">
-            <a:solidFill>
-              <a:schemeClr val="accent4"/>
-            </a:solidFill>
-            <a:tailEnd type="triangle"/>
-          </a:ln>
-        </p:spPr>
-        <p:style>
-          <a:lnRef idx="1">
-            <a:schemeClr val="accent1"/>
-          </a:lnRef>
-          <a:fillRef idx="0">
-            <a:schemeClr val="accent1"/>
-          </a:fillRef>
-          <a:effectRef idx="0">
-            <a:schemeClr val="accent1"/>
-          </a:effectRef>
-          <a:fontRef idx="minor">
-            <a:schemeClr val="tx1"/>
-          </a:fontRef>
-        </p:style>
-      </p:cxnSp>
-      <p:cxnSp>
-        <p:nvCxnSpPr>
-          <p:cNvPr id="27" name="Straight Arrow Connector 26">
-            <a:extLst>
-              <a:ext uri="{FF2B5EF4-FFF2-40B4-BE49-F238E27FC236}">
-                <a16:creationId xmlns:a16="http://schemas.microsoft.com/office/drawing/2014/main" id="{44EF6489-FBE6-4E4B-BBD2-6E6448350C70}"/>
-              </a:ext>
-            </a:extLst>
-          </p:cNvPr>
-          <p:cNvCxnSpPr>
-            <a:cxnSpLocks/>
-          </p:cNvCxnSpPr>
-          <p:nvPr/>
-        </p:nvCxnSpPr>
-        <p:spPr>
-          <a:xfrm flipH="1">
-            <a:off x="5129402" y="3337560"/>
-            <a:ext cx="1057473" cy="1088998"/>
-          </a:xfrm>
-          <a:prstGeom prst="straightConnector1">
-            <a:avLst/>
-          </a:prstGeom>
-          <a:ln w="38100">
-            <a:solidFill>
-              <a:schemeClr val="accent4"/>
-            </a:solidFill>
-            <a:tailEnd type="triangle"/>
-          </a:ln>
-        </p:spPr>
-        <p:style>
-          <a:lnRef idx="1">
-            <a:schemeClr val="accent1"/>
-          </a:lnRef>
-          <a:fillRef idx="0">
-            <a:schemeClr val="accent1"/>
-          </a:fillRef>
-          <a:effectRef idx="0">
-            <a:schemeClr val="accent1"/>
-          </a:effectRef>
-          <a:fontRef idx="minor">
-            <a:schemeClr val="tx1"/>
-          </a:fontRef>
-        </p:style>
-      </p:cxnSp>
-      <p:cxnSp>
-        <p:nvCxnSpPr>
-          <p:cNvPr id="30" name="Straight Arrow Connector 29">
-            <a:extLst>
-              <a:ext uri="{FF2B5EF4-FFF2-40B4-BE49-F238E27FC236}">
-                <a16:creationId xmlns:a16="http://schemas.microsoft.com/office/drawing/2014/main" id="{20935503-360D-3C4E-B048-0870E08898F9}"/>
-              </a:ext>
-            </a:extLst>
-          </p:cNvPr>
-          <p:cNvCxnSpPr>
-            <a:cxnSpLocks/>
-            <a:endCxn id="11" idx="0"/>
-          </p:cNvCxnSpPr>
-          <p:nvPr/>
-        </p:nvCxnSpPr>
-        <p:spPr>
-          <a:xfrm flipH="1">
-            <a:off x="6407404" y="3337560"/>
-            <a:ext cx="220421" cy="2743197"/>
-          </a:xfrm>
-          <a:prstGeom prst="straightConnector1">
-            <a:avLst/>
-          </a:prstGeom>
-          <a:ln w="38100">
-            <a:solidFill>
-              <a:schemeClr val="accent4"/>
-            </a:solidFill>
-            <a:tailEnd type="triangle"/>
-          </a:ln>
-        </p:spPr>
-        <p:style>
-          <a:lnRef idx="1">
-            <a:schemeClr val="accent1"/>
-          </a:lnRef>
-          <a:fillRef idx="0">
-            <a:schemeClr val="accent1"/>
-          </a:fillRef>
-          <a:effectRef idx="0">
-            <a:schemeClr val="accent1"/>
-          </a:effectRef>
-          <a:fontRef idx="minor">
-            <a:schemeClr val="tx1"/>
-          </a:fontRef>
-        </p:style>
-      </p:cxnSp>
-      <p:sp>
-        <p:nvSpPr>
-          <p:cNvPr id="33" name="Rounded Rectangle 32">
-            <a:extLst>
-              <a:ext uri="{FF2B5EF4-FFF2-40B4-BE49-F238E27FC236}">
-                <a16:creationId xmlns:a16="http://schemas.microsoft.com/office/drawing/2014/main" id="{9AE9CAC6-1BBF-7A49-A3B2-36743D438377}"/>
-              </a:ext>
-            </a:extLst>
-          </p:cNvPr>
-          <p:cNvSpPr/>
-          <p:nvPr/>
-        </p:nvSpPr>
-        <p:spPr>
-          <a:xfrm>
-            <a:off x="5138672" y="1686272"/>
-            <a:ext cx="4346092" cy="548639"/>
-          </a:xfrm>
-          <a:prstGeom prst="roundRect">
-            <a:avLst/>
-          </a:prstGeom>
-          <a:solidFill>
-            <a:schemeClr val="accent4">
-              <a:lumMod val="20000"/>
-              <a:lumOff val="80000"/>
-            </a:schemeClr>
-          </a:solidFill>
-          <a:ln>
-            <a:solidFill>
-              <a:schemeClr val="accent4"/>
-            </a:solidFill>
-          </a:ln>
-        </p:spPr>
-        <p:style>
-          <a:lnRef idx="2">
-            <a:schemeClr val="accent1">
-              <a:shade val="50000"/>
-            </a:schemeClr>
-          </a:lnRef>
-          <a:fillRef idx="1">
-            <a:schemeClr val="accent1"/>
-          </a:fillRef>
-          <a:effectRef idx="0">
-            <a:schemeClr val="accent1"/>
-          </a:effectRef>
-          <a:fontRef idx="minor">
-            <a:schemeClr val="lt1"/>
-          </a:fontRef>
-        </p:style>
-        <p:txBody>
-          <a:bodyPr rtlCol="0" anchor="ctr"/>
-          <a:lstStyle/>
-          <a:p>
-            <a:pPr algn="ctr"/>
-            <a:r>
-              <a:rPr lang="en-US" dirty="0">
-                <a:solidFill>
-                  <a:schemeClr val="tx1"/>
-                </a:solidFill>
-              </a:rPr>
-              <a:t>Cholesky fact.</a:t>
-            </a:r>
-          </a:p>
-        </p:txBody>
-      </p:sp>
-      <p:cxnSp>
-        <p:nvCxnSpPr>
-          <p:cNvPr id="53" name="Straight Arrow Connector 52">
-            <a:extLst>
-              <a:ext uri="{FF2B5EF4-FFF2-40B4-BE49-F238E27FC236}">
-                <a16:creationId xmlns:a16="http://schemas.microsoft.com/office/drawing/2014/main" id="{7D26C9EA-03A4-1A44-8E9C-CDD4BFA68689}"/>
-              </a:ext>
-            </a:extLst>
-          </p:cNvPr>
-          <p:cNvCxnSpPr>
-            <a:cxnSpLocks/>
-          </p:cNvCxnSpPr>
-          <p:nvPr/>
-        </p:nvCxnSpPr>
-        <p:spPr>
-          <a:xfrm>
-            <a:off x="5610330" y="2251479"/>
-            <a:ext cx="576544" cy="3829278"/>
-          </a:xfrm>
-          <a:prstGeom prst="straightConnector1">
-            <a:avLst/>
-          </a:prstGeom>
-          <a:ln w="38100">
-            <a:solidFill>
-              <a:schemeClr val="accent4"/>
-            </a:solidFill>
-            <a:tailEnd type="triangle"/>
-          </a:ln>
-        </p:spPr>
-        <p:style>
-          <a:lnRef idx="1">
-            <a:schemeClr val="accent1"/>
-          </a:lnRef>
-          <a:fillRef idx="0">
-            <a:schemeClr val="accent1"/>
-          </a:fillRef>
-          <a:effectRef idx="0">
-            <a:schemeClr val="accent1"/>
-          </a:effectRef>
-          <a:fontRef idx="minor">
-            <a:schemeClr val="tx1"/>
-          </a:fontRef>
-        </p:style>
-      </p:cxnSp>
-      <p:cxnSp>
-        <p:nvCxnSpPr>
-          <p:cNvPr id="65" name="Straight Arrow Connector 64">
-            <a:extLst>
-              <a:ext uri="{FF2B5EF4-FFF2-40B4-BE49-F238E27FC236}">
-                <a16:creationId xmlns:a16="http://schemas.microsoft.com/office/drawing/2014/main" id="{8495C0BC-9089-904D-B097-1515345B86CD}"/>
-              </a:ext>
-            </a:extLst>
-          </p:cNvPr>
-          <p:cNvCxnSpPr>
-            <a:cxnSpLocks/>
-          </p:cNvCxnSpPr>
-          <p:nvPr/>
-        </p:nvCxnSpPr>
-        <p:spPr>
-          <a:xfrm>
-            <a:off x="7093594" y="2251479"/>
-            <a:ext cx="1" cy="532066"/>
-          </a:xfrm>
-          <a:prstGeom prst="straightConnector1">
-            <a:avLst/>
-          </a:prstGeom>
-          <a:ln w="38100">
-            <a:solidFill>
-              <a:schemeClr val="accent4"/>
-            </a:solidFill>
-            <a:tailEnd type="triangle"/>
-          </a:ln>
-        </p:spPr>
-        <p:style>
-          <a:lnRef idx="1">
-            <a:schemeClr val="accent1"/>
-          </a:lnRef>
-          <a:fillRef idx="0">
-            <a:schemeClr val="accent1"/>
-          </a:fillRef>
-          <a:effectRef idx="0">
-            <a:schemeClr val="accent1"/>
-          </a:effectRef>
-          <a:fontRef idx="minor">
-            <a:schemeClr val="tx1"/>
-          </a:fontRef>
-        </p:style>
-      </p:cxnSp>
-      <p:cxnSp>
-        <p:nvCxnSpPr>
-          <p:cNvPr id="68" name="Straight Arrow Connector 67">
-            <a:extLst>
-              <a:ext uri="{FF2B5EF4-FFF2-40B4-BE49-F238E27FC236}">
-                <a16:creationId xmlns:a16="http://schemas.microsoft.com/office/drawing/2014/main" id="{E0B643F2-9388-4C4D-8A7A-73893945D0C5}"/>
-              </a:ext>
-            </a:extLst>
-          </p:cNvPr>
-          <p:cNvCxnSpPr>
-            <a:cxnSpLocks/>
-            <a:stCxn id="39" idx="2"/>
-            <a:endCxn id="35" idx="0"/>
-          </p:cNvCxnSpPr>
-          <p:nvPr/>
-        </p:nvCxnSpPr>
-        <p:spPr>
-          <a:xfrm>
-            <a:off x="10349797" y="3337560"/>
-            <a:ext cx="322029" cy="1645919"/>
-          </a:xfrm>
-          <a:prstGeom prst="straightConnector1">
-            <a:avLst/>
-          </a:prstGeom>
-          <a:ln w="38100">
-            <a:solidFill>
-              <a:schemeClr val="accent4"/>
-            </a:solidFill>
-            <a:tailEnd type="triangle"/>
-          </a:ln>
-        </p:spPr>
-        <p:style>
-          <a:lnRef idx="1">
-            <a:schemeClr val="accent1"/>
-          </a:lnRef>
-          <a:fillRef idx="0">
-            <a:schemeClr val="accent1"/>
-          </a:fillRef>
-          <a:effectRef idx="0">
-            <a:schemeClr val="accent1"/>
-          </a:effectRef>
-          <a:fontRef idx="minor">
-            <a:schemeClr val="tx1"/>
-          </a:fontRef>
-        </p:style>
-      </p:cxnSp>
-      <p:cxnSp>
-        <p:nvCxnSpPr>
-          <p:cNvPr id="75" name="Straight Arrow Connector 74">
-            <a:extLst>
-              <a:ext uri="{FF2B5EF4-FFF2-40B4-BE49-F238E27FC236}">
-                <a16:creationId xmlns:a16="http://schemas.microsoft.com/office/drawing/2014/main" id="{691502EB-A1EF-2E47-BCFD-C1A1C6122485}"/>
-              </a:ext>
-            </a:extLst>
-          </p:cNvPr>
-          <p:cNvCxnSpPr>
-            <a:cxnSpLocks/>
-          </p:cNvCxnSpPr>
-          <p:nvPr/>
-        </p:nvCxnSpPr>
-        <p:spPr>
-          <a:xfrm flipH="1">
-            <a:off x="4744343" y="2251479"/>
-            <a:ext cx="619514" cy="2183362"/>
-          </a:xfrm>
-          <a:prstGeom prst="straightConnector1">
-            <a:avLst/>
-          </a:prstGeom>
-          <a:ln w="38100">
-            <a:solidFill>
-              <a:schemeClr val="accent4"/>
-            </a:solidFill>
-            <a:tailEnd type="triangle"/>
-          </a:ln>
-        </p:spPr>
-        <p:style>
-          <a:lnRef idx="1">
-            <a:schemeClr val="accent1"/>
-          </a:lnRef>
-          <a:fillRef idx="0">
-            <a:schemeClr val="accent1"/>
-          </a:fillRef>
-          <a:effectRef idx="0">
-            <a:schemeClr val="accent1"/>
-          </a:effectRef>
-          <a:fontRef idx="minor">
-            <a:schemeClr val="tx1"/>
-          </a:fontRef>
-        </p:style>
-      </p:cxnSp>
-      <p:cxnSp>
-        <p:nvCxnSpPr>
-          <p:cNvPr id="80" name="Straight Arrow Connector 79">
-            <a:extLst>
-              <a:ext uri="{FF2B5EF4-FFF2-40B4-BE49-F238E27FC236}">
-                <a16:creationId xmlns:a16="http://schemas.microsoft.com/office/drawing/2014/main" id="{2695ACC4-FBBF-D949-A7F2-AA3AE6152608}"/>
-              </a:ext>
-            </a:extLst>
-          </p:cNvPr>
-          <p:cNvCxnSpPr>
-            <a:cxnSpLocks/>
-            <a:stCxn id="8" idx="2"/>
-          </p:cNvCxnSpPr>
-          <p:nvPr/>
-        </p:nvCxnSpPr>
-        <p:spPr>
-          <a:xfrm flipH="1">
-            <a:off x="4164573" y="5532123"/>
-            <a:ext cx="187448" cy="548634"/>
-          </a:xfrm>
-          <a:prstGeom prst="straightConnector1">
-            <a:avLst/>
-          </a:prstGeom>
-          <a:ln w="38100">
-            <a:solidFill>
-              <a:schemeClr val="accent4"/>
-            </a:solidFill>
-            <a:tailEnd type="triangle"/>
-          </a:ln>
-        </p:spPr>
-        <p:style>
-          <a:lnRef idx="1">
-            <a:schemeClr val="accent1"/>
-          </a:lnRef>
-          <a:fillRef idx="0">
-            <a:schemeClr val="accent1"/>
-          </a:fillRef>
-          <a:effectRef idx="0">
-            <a:schemeClr val="accent1"/>
-          </a:effectRef>
-          <a:fontRef idx="minor">
-            <a:schemeClr val="tx1"/>
-          </a:fontRef>
-        </p:style>
-      </p:cxnSp>
-      <p:cxnSp>
-        <p:nvCxnSpPr>
-          <p:cNvPr id="88" name="Straight Arrow Connector 87">
-            <a:extLst>
-              <a:ext uri="{FF2B5EF4-FFF2-40B4-BE49-F238E27FC236}">
-                <a16:creationId xmlns:a16="http://schemas.microsoft.com/office/drawing/2014/main" id="{3F219CED-0460-164C-810E-9F6B31DF0911}"/>
-              </a:ext>
-            </a:extLst>
-          </p:cNvPr>
-          <p:cNvCxnSpPr>
-            <a:cxnSpLocks/>
-          </p:cNvCxnSpPr>
-          <p:nvPr/>
-        </p:nvCxnSpPr>
-        <p:spPr>
-          <a:xfrm flipH="1">
-            <a:off x="8468779" y="2234911"/>
-            <a:ext cx="151505" cy="1656883"/>
-          </a:xfrm>
-          <a:prstGeom prst="straightConnector1">
-            <a:avLst/>
-          </a:prstGeom>
-          <a:ln w="38100">
-            <a:solidFill>
-              <a:schemeClr val="accent4"/>
-            </a:solidFill>
-            <a:tailEnd type="triangle"/>
-          </a:ln>
-        </p:spPr>
-        <p:style>
-          <a:lnRef idx="1">
-            <a:schemeClr val="accent1"/>
-          </a:lnRef>
-          <a:fillRef idx="0">
-            <a:schemeClr val="accent1"/>
-          </a:fillRef>
-          <a:effectRef idx="0">
-            <a:schemeClr val="accent1"/>
-          </a:effectRef>
-          <a:fontRef idx="minor">
-            <a:schemeClr val="tx1"/>
-          </a:fontRef>
-        </p:style>
-      </p:cxnSp>
-      <p:sp>
-        <p:nvSpPr>
-          <p:cNvPr id="95" name="Rounded Rectangle 94">
-            <a:extLst>
-              <a:ext uri="{FF2B5EF4-FFF2-40B4-BE49-F238E27FC236}">
-                <a16:creationId xmlns:a16="http://schemas.microsoft.com/office/drawing/2014/main" id="{088A25EF-6173-BC4B-91B3-3746EED8E17C}"/>
-              </a:ext>
-            </a:extLst>
-          </p:cNvPr>
-          <p:cNvSpPr/>
-          <p:nvPr/>
-        </p:nvSpPr>
-        <p:spPr>
-          <a:xfrm>
-            <a:off x="3129192" y="250120"/>
-            <a:ext cx="2258209" cy="548639"/>
-          </a:xfrm>
-          <a:prstGeom prst="roundRect">
-            <a:avLst/>
-          </a:prstGeom>
-          <a:solidFill>
-            <a:schemeClr val="accent3">
-              <a:lumMod val="20000"/>
-              <a:lumOff val="80000"/>
-            </a:schemeClr>
-          </a:solidFill>
-          <a:ln>
-            <a:solidFill>
-              <a:schemeClr val="accent3"/>
-            </a:solidFill>
-          </a:ln>
-        </p:spPr>
-        <p:style>
-          <a:lnRef idx="2">
-            <a:schemeClr val="accent1">
-              <a:shade val="50000"/>
-            </a:schemeClr>
-          </a:lnRef>
-          <a:fillRef idx="1">
-            <a:schemeClr val="accent1"/>
-          </a:fillRef>
-          <a:effectRef idx="0">
-            <a:schemeClr val="accent1"/>
-          </a:effectRef>
-          <a:fontRef idx="minor">
-            <a:schemeClr val="lt1"/>
-          </a:fontRef>
-        </p:style>
-        <p:txBody>
-          <a:bodyPr rtlCol="0" anchor="ctr"/>
-          <a:lstStyle/>
-          <a:p>
-            <a:pPr algn="ctr"/>
-            <a:r>
-              <a:rPr lang="en-US" dirty="0" err="1">
-                <a:solidFill>
-                  <a:schemeClr val="tx1"/>
-                </a:solidFill>
-              </a:rPr>
-              <a:t>Miniapp</a:t>
-            </a:r>
-            <a:endParaRPr lang="en-US" dirty="0">
-              <a:solidFill>
-                <a:schemeClr val="tx1"/>
-              </a:solidFill>
-            </a:endParaRPr>
-          </a:p>
-        </p:txBody>
-      </p:sp>
-      <p:cxnSp>
-        <p:nvCxnSpPr>
-          <p:cNvPr id="96" name="Straight Arrow Connector 95">
-            <a:extLst>
-              <a:ext uri="{FF2B5EF4-FFF2-40B4-BE49-F238E27FC236}">
-                <a16:creationId xmlns:a16="http://schemas.microsoft.com/office/drawing/2014/main" id="{3CF21696-785E-2743-B62A-582523619DDF}"/>
-              </a:ext>
-            </a:extLst>
-          </p:cNvPr>
-          <p:cNvCxnSpPr>
-            <a:cxnSpLocks/>
-          </p:cNvCxnSpPr>
-          <p:nvPr/>
-        </p:nvCxnSpPr>
-        <p:spPr>
-          <a:xfrm>
-            <a:off x="4759237" y="815327"/>
-            <a:ext cx="1868588" cy="884596"/>
-          </a:xfrm>
-          <a:prstGeom prst="straightConnector1">
-            <a:avLst/>
-          </a:prstGeom>
-          <a:ln w="38100">
-            <a:solidFill>
-              <a:schemeClr val="accent3">
-                <a:lumMod val="50000"/>
-              </a:schemeClr>
-            </a:solidFill>
-            <a:tailEnd type="triangle"/>
-          </a:ln>
-        </p:spPr>
-        <p:style>
-          <a:lnRef idx="1">
-            <a:schemeClr val="accent1"/>
-          </a:lnRef>
-          <a:fillRef idx="0">
-            <a:schemeClr val="accent1"/>
-          </a:fillRef>
-          <a:effectRef idx="0">
-            <a:schemeClr val="accent1"/>
-          </a:effectRef>
-          <a:fontRef idx="minor">
-            <a:schemeClr val="tx1"/>
-          </a:fontRef>
-        </p:style>
-      </p:cxnSp>
-      <p:cxnSp>
-        <p:nvCxnSpPr>
-          <p:cNvPr id="98" name="Straight Arrow Connector 97">
-            <a:extLst>
-              <a:ext uri="{FF2B5EF4-FFF2-40B4-BE49-F238E27FC236}">
-                <a16:creationId xmlns:a16="http://schemas.microsoft.com/office/drawing/2014/main" id="{13994A0D-88B5-2040-A8AB-2E708D65A1C0}"/>
-              </a:ext>
-            </a:extLst>
-          </p:cNvPr>
-          <p:cNvCxnSpPr>
-            <a:cxnSpLocks/>
-          </p:cNvCxnSpPr>
-          <p:nvPr/>
-        </p:nvCxnSpPr>
-        <p:spPr>
-          <a:xfrm flipH="1">
-            <a:off x="3750939" y="815327"/>
-            <a:ext cx="34039" cy="3619503"/>
-          </a:xfrm>
-          <a:prstGeom prst="straightConnector1">
-            <a:avLst/>
-          </a:prstGeom>
-          <a:ln w="38100">
-            <a:solidFill>
-              <a:schemeClr val="accent3">
-                <a:lumMod val="50000"/>
-              </a:schemeClr>
-            </a:solidFill>
-            <a:tailEnd type="triangle"/>
-          </a:ln>
-        </p:spPr>
-        <p:style>
-          <a:lnRef idx="1">
-            <a:schemeClr val="accent1"/>
-          </a:lnRef>
-          <a:fillRef idx="0">
-            <a:schemeClr val="accent1"/>
-          </a:fillRef>
-          <a:effectRef idx="0">
-            <a:schemeClr val="accent1"/>
-          </a:effectRef>
-          <a:fontRef idx="minor">
-            <a:schemeClr val="tx1"/>
-          </a:fontRef>
-        </p:style>
-      </p:cxnSp>
-      <p:sp>
-        <p:nvSpPr>
-          <p:cNvPr id="116" name="Rounded Rectangle 115">
-            <a:extLst>
-              <a:ext uri="{FF2B5EF4-FFF2-40B4-BE49-F238E27FC236}">
-                <a16:creationId xmlns:a16="http://schemas.microsoft.com/office/drawing/2014/main" id="{5A41EC68-D72A-9041-AFA2-E6761697086C}"/>
-              </a:ext>
-            </a:extLst>
-          </p:cNvPr>
-          <p:cNvSpPr/>
-          <p:nvPr/>
-        </p:nvSpPr>
-        <p:spPr>
-          <a:xfrm>
-            <a:off x="462192" y="250120"/>
-            <a:ext cx="1590338" cy="548639"/>
-          </a:xfrm>
-          <a:prstGeom prst="roundRect">
-            <a:avLst/>
-          </a:prstGeom>
-          <a:solidFill>
-            <a:schemeClr val="accent2">
-              <a:lumMod val="20000"/>
-              <a:lumOff val="80000"/>
-            </a:schemeClr>
-          </a:solidFill>
-          <a:ln>
-            <a:solidFill>
-              <a:schemeClr val="accent2"/>
-            </a:solidFill>
-          </a:ln>
-        </p:spPr>
-        <p:style>
-          <a:lnRef idx="2">
-            <a:schemeClr val="accent1">
-              <a:shade val="50000"/>
-            </a:schemeClr>
-          </a:lnRef>
-          <a:fillRef idx="1">
-            <a:schemeClr val="accent1"/>
-          </a:fillRef>
-          <a:effectRef idx="0">
-            <a:schemeClr val="accent1"/>
-          </a:effectRef>
-          <a:fontRef idx="minor">
-            <a:schemeClr val="lt1"/>
-          </a:fontRef>
-        </p:style>
-        <p:txBody>
-          <a:bodyPr rtlCol="0" anchor="ctr"/>
-          <a:lstStyle/>
-          <a:p>
-            <a:pPr algn="ctr"/>
-            <a:r>
-              <a:rPr lang="en-US" dirty="0">
-                <a:solidFill>
-                  <a:schemeClr val="tx1"/>
-                </a:solidFill>
-              </a:rPr>
-              <a:t>Unit tests</a:t>
-            </a:r>
-          </a:p>
-        </p:txBody>
-      </p:sp>
-      <p:cxnSp>
-        <p:nvCxnSpPr>
-          <p:cNvPr id="117" name="Straight Arrow Connector 116">
-            <a:extLst>
-              <a:ext uri="{FF2B5EF4-FFF2-40B4-BE49-F238E27FC236}">
-                <a16:creationId xmlns:a16="http://schemas.microsoft.com/office/drawing/2014/main" id="{A03E2E6B-0D3B-8343-9DB4-6C1BC9A3CA95}"/>
-              </a:ext>
-            </a:extLst>
-          </p:cNvPr>
-          <p:cNvCxnSpPr>
-            <a:cxnSpLocks/>
-            <a:stCxn id="116" idx="2"/>
-            <a:endCxn id="13" idx="0"/>
-          </p:cNvCxnSpPr>
-          <p:nvPr/>
-        </p:nvCxnSpPr>
-        <p:spPr>
-          <a:xfrm>
-            <a:off x="1257361" y="798759"/>
-            <a:ext cx="24143" cy="5282002"/>
-          </a:xfrm>
-          <a:prstGeom prst="straightConnector1">
-            <a:avLst/>
-          </a:prstGeom>
-          <a:ln w="38100">
-            <a:solidFill>
-              <a:schemeClr val="accent2"/>
-            </a:solidFill>
-            <a:tailEnd type="triangle"/>
-          </a:ln>
-        </p:spPr>
-        <p:style>
-          <a:lnRef idx="1">
-            <a:schemeClr val="accent1"/>
-          </a:lnRef>
-          <a:fillRef idx="0">
-            <a:schemeClr val="accent1"/>
-          </a:fillRef>
-          <a:effectRef idx="0">
-            <a:schemeClr val="accent1"/>
-          </a:effectRef>
-          <a:fontRef idx="minor">
-            <a:schemeClr val="tx1"/>
-          </a:fontRef>
-        </p:style>
-      </p:cxnSp>
-      <p:cxnSp>
-        <p:nvCxnSpPr>
-          <p:cNvPr id="121" name="Straight Arrow Connector 120">
-            <a:extLst>
-              <a:ext uri="{FF2B5EF4-FFF2-40B4-BE49-F238E27FC236}">
-                <a16:creationId xmlns:a16="http://schemas.microsoft.com/office/drawing/2014/main" id="{79FB4AE7-2097-164B-B686-850EDA6C458D}"/>
-              </a:ext>
-            </a:extLst>
-          </p:cNvPr>
-          <p:cNvCxnSpPr>
-            <a:cxnSpLocks/>
-          </p:cNvCxnSpPr>
-          <p:nvPr/>
-        </p:nvCxnSpPr>
-        <p:spPr>
-          <a:xfrm>
-            <a:off x="1548480" y="798759"/>
-            <a:ext cx="214489" cy="812691"/>
-          </a:xfrm>
-          <a:prstGeom prst="straightConnector1">
-            <a:avLst/>
-          </a:prstGeom>
-          <a:ln w="38100">
-            <a:solidFill>
-              <a:schemeClr val="accent2"/>
-            </a:solidFill>
-            <a:tailEnd type="triangle"/>
-          </a:ln>
-        </p:spPr>
-        <p:style>
-          <a:lnRef idx="1">
-            <a:schemeClr val="accent1"/>
-          </a:lnRef>
-          <a:fillRef idx="0">
-            <a:schemeClr val="accent1"/>
-          </a:fillRef>
-          <a:effectRef idx="0">
-            <a:schemeClr val="accent1"/>
-          </a:effectRef>
-          <a:fontRef idx="minor">
-            <a:schemeClr val="tx1"/>
-          </a:fontRef>
-        </p:style>
-      </p:cxnSp>
-      <p:cxnSp>
-        <p:nvCxnSpPr>
-          <p:cNvPr id="124" name="Straight Arrow Connector 123">
-            <a:extLst>
-              <a:ext uri="{FF2B5EF4-FFF2-40B4-BE49-F238E27FC236}">
-                <a16:creationId xmlns:a16="http://schemas.microsoft.com/office/drawing/2014/main" id="{D635AA91-1D49-1947-8297-81435F7A3E8A}"/>
-              </a:ext>
-            </a:extLst>
-          </p:cNvPr>
-          <p:cNvCxnSpPr>
-            <a:cxnSpLocks/>
-          </p:cNvCxnSpPr>
-          <p:nvPr/>
-        </p:nvCxnSpPr>
-        <p:spPr>
-          <a:xfrm>
-            <a:off x="1548480" y="798759"/>
-            <a:ext cx="431566" cy="707312"/>
-          </a:xfrm>
-          <a:prstGeom prst="straightConnector1">
-            <a:avLst/>
-          </a:prstGeom>
-          <a:ln w="38100">
-            <a:solidFill>
-              <a:schemeClr val="accent2"/>
-            </a:solidFill>
-            <a:tailEnd type="triangle"/>
-          </a:ln>
-        </p:spPr>
-        <p:style>
-          <a:lnRef idx="1">
-            <a:schemeClr val="accent1"/>
-          </a:lnRef>
-          <a:fillRef idx="0">
-            <a:schemeClr val="accent1"/>
-          </a:fillRef>
-          <a:effectRef idx="0">
-            <a:schemeClr val="accent1"/>
-          </a:effectRef>
-          <a:fontRef idx="minor">
-            <a:schemeClr val="tx1"/>
-          </a:fontRef>
-        </p:style>
-      </p:cxnSp>
-      <p:cxnSp>
-        <p:nvCxnSpPr>
-          <p:cNvPr id="127" name="Straight Arrow Connector 126">
-            <a:extLst>
-              <a:ext uri="{FF2B5EF4-FFF2-40B4-BE49-F238E27FC236}">
-                <a16:creationId xmlns:a16="http://schemas.microsoft.com/office/drawing/2014/main" id="{8420C8EE-E465-364B-832E-A335435DDB05}"/>
-              </a:ext>
-            </a:extLst>
-          </p:cNvPr>
-          <p:cNvCxnSpPr>
-            <a:cxnSpLocks/>
-          </p:cNvCxnSpPr>
-          <p:nvPr/>
-        </p:nvCxnSpPr>
-        <p:spPr>
-          <a:xfrm>
-            <a:off x="1591261" y="851448"/>
-            <a:ext cx="565153" cy="495950"/>
-          </a:xfrm>
-          <a:prstGeom prst="straightConnector1">
-            <a:avLst/>
-          </a:prstGeom>
-          <a:ln w="38100">
-            <a:solidFill>
-              <a:schemeClr val="accent2"/>
-            </a:solidFill>
-            <a:tailEnd type="triangle"/>
-          </a:ln>
-        </p:spPr>
-        <p:style>
-          <a:lnRef idx="1">
-            <a:schemeClr val="accent1"/>
-          </a:lnRef>
-          <a:fillRef idx="0">
-            <a:schemeClr val="accent1"/>
-          </a:fillRef>
-          <a:effectRef idx="0">
-            <a:schemeClr val="accent1"/>
-          </a:effectRef>
-          <a:fontRef idx="minor">
-            <a:schemeClr val="tx1"/>
-          </a:fontRef>
-        </p:style>
-      </p:cxnSp>
-      <p:cxnSp>
-        <p:nvCxnSpPr>
-          <p:cNvPr id="130" name="Straight Arrow Connector 129">
-            <a:extLst>
-              <a:ext uri="{FF2B5EF4-FFF2-40B4-BE49-F238E27FC236}">
-                <a16:creationId xmlns:a16="http://schemas.microsoft.com/office/drawing/2014/main" id="{2B158725-F6AE-154D-93BD-764576B819D8}"/>
-              </a:ext>
-            </a:extLst>
-          </p:cNvPr>
-          <p:cNvCxnSpPr>
-            <a:cxnSpLocks/>
-          </p:cNvCxnSpPr>
-          <p:nvPr/>
-        </p:nvCxnSpPr>
-        <p:spPr>
-          <a:xfrm>
-            <a:off x="1588931" y="798759"/>
-            <a:ext cx="700872" cy="353656"/>
-          </a:xfrm>
-          <a:prstGeom prst="straightConnector1">
-            <a:avLst/>
-          </a:prstGeom>
-          <a:ln w="38100">
-            <a:solidFill>
-              <a:schemeClr val="accent2"/>
-            </a:solidFill>
-            <a:tailEnd type="triangle"/>
-          </a:ln>
-        </p:spPr>
-        <p:style>
-          <a:lnRef idx="1">
-            <a:schemeClr val="accent1"/>
-          </a:lnRef>
-          <a:fillRef idx="0">
-            <a:schemeClr val="accent1"/>
-          </a:fillRef>
-          <a:effectRef idx="0">
-            <a:schemeClr val="accent1"/>
-          </a:effectRef>
-          <a:fontRef idx="minor">
-            <a:schemeClr val="tx1"/>
-          </a:fontRef>
-        </p:style>
-      </p:cxnSp>
-      <p:cxnSp>
-        <p:nvCxnSpPr>
-          <p:cNvPr id="133" name="Straight Arrow Connector 132">
-            <a:extLst>
-              <a:ext uri="{FF2B5EF4-FFF2-40B4-BE49-F238E27FC236}">
-                <a16:creationId xmlns:a16="http://schemas.microsoft.com/office/drawing/2014/main" id="{7F986FE2-37D9-994E-984B-D843550FCB7C}"/>
-              </a:ext>
-            </a:extLst>
-          </p:cNvPr>
-          <p:cNvCxnSpPr>
-            <a:cxnSpLocks/>
-          </p:cNvCxnSpPr>
-          <p:nvPr/>
-        </p:nvCxnSpPr>
-        <p:spPr>
-          <a:xfrm>
-            <a:off x="1547753" y="798759"/>
-            <a:ext cx="814534" cy="176828"/>
-          </a:xfrm>
-          <a:prstGeom prst="straightConnector1">
-            <a:avLst/>
-          </a:prstGeom>
-          <a:ln w="38100">
-            <a:solidFill>
-              <a:schemeClr val="accent2"/>
-            </a:solidFill>
-            <a:tailEnd type="triangle"/>
-          </a:ln>
-        </p:spPr>
-        <p:style>
-          <a:lnRef idx="1">
-            <a:schemeClr val="accent1"/>
-          </a:lnRef>
-          <a:fillRef idx="0">
-            <a:schemeClr val="accent1"/>
-          </a:fillRef>
-          <a:effectRef idx="0">
-            <a:schemeClr val="accent1"/>
-          </a:effectRef>
-          <a:fontRef idx="minor">
-            <a:schemeClr val="tx1"/>
-          </a:fontRef>
-        </p:style>
-      </p:cxnSp>
-      <p:cxnSp>
-        <p:nvCxnSpPr>
-          <p:cNvPr id="142" name="Straight Arrow Connector 141">
-            <a:extLst>
-              <a:ext uri="{FF2B5EF4-FFF2-40B4-BE49-F238E27FC236}">
-                <a16:creationId xmlns:a16="http://schemas.microsoft.com/office/drawing/2014/main" id="{FDD0AA87-795B-6A46-978F-87EB6217FD7A}"/>
-              </a:ext>
-            </a:extLst>
-          </p:cNvPr>
-          <p:cNvCxnSpPr>
-            <a:cxnSpLocks/>
-            <a:stCxn id="95" idx="2"/>
-          </p:cNvCxnSpPr>
-          <p:nvPr/>
-        </p:nvCxnSpPr>
-        <p:spPr>
-          <a:xfrm>
-            <a:off x="4258297" y="798759"/>
-            <a:ext cx="1923133" cy="1984786"/>
-          </a:xfrm>
-          <a:prstGeom prst="straightConnector1">
-            <a:avLst/>
-          </a:prstGeom>
-          <a:ln w="38100">
-            <a:solidFill>
-              <a:schemeClr val="accent3">
-                <a:lumMod val="50000"/>
-              </a:schemeClr>
-            </a:solidFill>
-            <a:tailEnd type="triangle"/>
-          </a:ln>
-        </p:spPr>
-        <p:style>
-          <a:lnRef idx="1">
-            <a:schemeClr val="accent1"/>
-          </a:lnRef>
-          <a:fillRef idx="0">
-            <a:schemeClr val="accent1"/>
-          </a:fillRef>
-          <a:effectRef idx="0">
-            <a:schemeClr val="accent1"/>
-          </a:effectRef>
-          <a:fontRef idx="minor">
-            <a:schemeClr val="tx1"/>
-          </a:fontRef>
-        </p:style>
-      </p:cxnSp>
-      <p:sp>
-        <p:nvSpPr>
-          <p:cNvPr id="35" name="Rounded Rectangle 34">
-            <a:extLst>
-              <a:ext uri="{FF2B5EF4-FFF2-40B4-BE49-F238E27FC236}">
-                <a16:creationId xmlns:a16="http://schemas.microsoft.com/office/drawing/2014/main" id="{C6F1AA77-569C-8947-969C-D9A7BC4AED9D}"/>
-              </a:ext>
-            </a:extLst>
-          </p:cNvPr>
-          <p:cNvSpPr/>
-          <p:nvPr/>
-        </p:nvSpPr>
-        <p:spPr>
-          <a:xfrm>
-            <a:off x="9735910" y="4983479"/>
-            <a:ext cx="1871831" cy="548640"/>
-          </a:xfrm>
-          <a:prstGeom prst="roundRect">
-            <a:avLst/>
-          </a:prstGeom>
-          <a:solidFill>
-            <a:schemeClr val="accent1">
-              <a:lumMod val="40000"/>
-              <a:lumOff val="60000"/>
-            </a:schemeClr>
-          </a:solidFill>
-          <a:ln>
-            <a:solidFill>
-              <a:schemeClr val="accent1"/>
-            </a:solidFill>
-          </a:ln>
-        </p:spPr>
-        <p:style>
-          <a:lnRef idx="2">
-            <a:schemeClr val="accent1">
-              <a:shade val="50000"/>
-            </a:schemeClr>
-          </a:lnRef>
-          <a:fillRef idx="1">
-            <a:schemeClr val="accent1"/>
-          </a:fillRef>
-          <a:effectRef idx="0">
-            <a:schemeClr val="accent1"/>
-          </a:effectRef>
-          <a:fontRef idx="minor">
-            <a:schemeClr val="lt1"/>
-          </a:fontRef>
-        </p:style>
-        <p:txBody>
-          <a:bodyPr rtlCol="0" anchor="ctr"/>
-          <a:lstStyle/>
-          <a:p>
-            <a:pPr algn="ctr"/>
-            <a:r>
-              <a:rPr lang="en-US" dirty="0" err="1">
-                <a:solidFill>
-                  <a:schemeClr val="tx1"/>
-                </a:solidFill>
-              </a:rPr>
-              <a:t>BLASpp</a:t>
-            </a:r>
-            <a:r>
-              <a:rPr lang="en-US" dirty="0">
-                <a:solidFill>
-                  <a:schemeClr val="tx1"/>
-                </a:solidFill>
-              </a:rPr>
-              <a:t>  </a:t>
-            </a:r>
-            <a:r>
-              <a:rPr lang="en-US" dirty="0" err="1">
-                <a:solidFill>
-                  <a:schemeClr val="tx1"/>
-                </a:solidFill>
-              </a:rPr>
-              <a:t>LAPACKpp</a:t>
-            </a:r>
-            <a:endParaRPr lang="en-US" dirty="0">
-              <a:solidFill>
-                <a:schemeClr val="tx1"/>
-              </a:solidFill>
-            </a:endParaRPr>
-          </a:p>
-        </p:txBody>
-      </p:sp>
-      <p:sp>
-        <p:nvSpPr>
-          <p:cNvPr id="36" name="Rounded Rectangle 35">
-            <a:extLst>
-              <a:ext uri="{FF2B5EF4-FFF2-40B4-BE49-F238E27FC236}">
-                <a16:creationId xmlns:a16="http://schemas.microsoft.com/office/drawing/2014/main" id="{27AA6318-A5A8-244C-AF4E-345B6C3AA9D5}"/>
-              </a:ext>
-            </a:extLst>
-          </p:cNvPr>
-          <p:cNvSpPr/>
-          <p:nvPr/>
-        </p:nvSpPr>
-        <p:spPr>
-          <a:xfrm>
-            <a:off x="10234704" y="6080750"/>
-            <a:ext cx="1871831" cy="548640"/>
-          </a:xfrm>
-          <a:prstGeom prst="roundRect">
-            <a:avLst/>
-          </a:prstGeom>
-          <a:solidFill>
-            <a:schemeClr val="accent1">
-              <a:lumMod val="40000"/>
-              <a:lumOff val="60000"/>
-            </a:schemeClr>
-          </a:solidFill>
-          <a:ln>
-            <a:solidFill>
-              <a:schemeClr val="accent1"/>
-            </a:solidFill>
-          </a:ln>
-        </p:spPr>
-        <p:style>
-          <a:lnRef idx="2">
-            <a:schemeClr val="accent1">
-              <a:shade val="50000"/>
-            </a:schemeClr>
-          </a:lnRef>
-          <a:fillRef idx="1">
-            <a:schemeClr val="accent1"/>
-          </a:fillRef>
-          <a:effectRef idx="0">
-            <a:schemeClr val="accent1"/>
-          </a:effectRef>
-          <a:fontRef idx="minor">
-            <a:schemeClr val="lt1"/>
-          </a:fontRef>
-        </p:style>
-        <p:txBody>
-          <a:bodyPr rtlCol="0" anchor="ctr"/>
-          <a:lstStyle/>
-          <a:p>
-            <a:pPr algn="ctr"/>
-            <a:r>
-              <a:rPr lang="en-US" dirty="0">
-                <a:solidFill>
-                  <a:schemeClr val="tx1"/>
-                </a:solidFill>
-              </a:rPr>
-              <a:t>CUBLAS</a:t>
-            </a:r>
-          </a:p>
-        </p:txBody>
-      </p:sp>
-      <p:sp>
-        <p:nvSpPr>
-          <p:cNvPr id="39" name="Rounded Rectangle 38">
-            <a:extLst>
-              <a:ext uri="{FF2B5EF4-FFF2-40B4-BE49-F238E27FC236}">
-                <a16:creationId xmlns:a16="http://schemas.microsoft.com/office/drawing/2014/main" id="{12E64062-FA63-7F4E-8818-FF585BCC134E}"/>
-              </a:ext>
-            </a:extLst>
-          </p:cNvPr>
-          <p:cNvSpPr/>
-          <p:nvPr/>
-        </p:nvSpPr>
-        <p:spPr>
-          <a:xfrm>
-            <a:off x="9440208" y="2788921"/>
-            <a:ext cx="1819178" cy="548639"/>
-          </a:xfrm>
-          <a:prstGeom prst="roundRect">
-            <a:avLst/>
-          </a:prstGeom>
-          <a:solidFill>
-            <a:schemeClr val="accent4">
-              <a:lumMod val="20000"/>
-              <a:lumOff val="80000"/>
-            </a:schemeClr>
-          </a:solidFill>
-          <a:ln>
-            <a:solidFill>
-              <a:schemeClr val="accent4"/>
-            </a:solidFill>
-          </a:ln>
-        </p:spPr>
-        <p:style>
-          <a:lnRef idx="2">
-            <a:schemeClr val="accent1">
-              <a:shade val="50000"/>
-            </a:schemeClr>
-          </a:lnRef>
-          <a:fillRef idx="1">
-            <a:schemeClr val="accent1"/>
-          </a:fillRef>
-          <a:effectRef idx="0">
-            <a:schemeClr val="accent1"/>
-          </a:effectRef>
-          <a:fontRef idx="minor">
-            <a:schemeClr val="lt1"/>
-          </a:fontRef>
-        </p:style>
-        <p:txBody>
-          <a:bodyPr rtlCol="0" anchor="ctr"/>
-          <a:lstStyle/>
-          <a:p>
-            <a:pPr algn="ctr"/>
-            <a:r>
-              <a:rPr lang="en-US" dirty="0">
-                <a:solidFill>
-                  <a:schemeClr val="tx1"/>
-                </a:solidFill>
-              </a:rPr>
               <a:t>Tile operations</a:t>
             </a:r>
           </a:p>
         </p:txBody>
       </p:sp>
-      <p:cxnSp>
-        <p:nvCxnSpPr>
-          <p:cNvPr id="41" name="Straight Arrow Connector 40">
-            <a:extLst>
-              <a:ext uri="{FF2B5EF4-FFF2-40B4-BE49-F238E27FC236}">
-                <a16:creationId xmlns:a16="http://schemas.microsoft.com/office/drawing/2014/main" id="{A1F89205-C41E-AB4D-86EF-64CC5296DA50}"/>
-              </a:ext>
-            </a:extLst>
-          </p:cNvPr>
-          <p:cNvCxnSpPr>
-            <a:cxnSpLocks/>
-          </p:cNvCxnSpPr>
-          <p:nvPr/>
-        </p:nvCxnSpPr>
-        <p:spPr>
-          <a:xfrm flipH="1">
-            <a:off x="8671672" y="3340357"/>
-            <a:ext cx="1337211" cy="1643122"/>
-          </a:xfrm>
-          <a:prstGeom prst="straightConnector1">
-            <a:avLst/>
-          </a:prstGeom>
-          <a:ln w="38100">
-            <a:solidFill>
-              <a:schemeClr val="accent4"/>
-            </a:solidFill>
-            <a:tailEnd type="triangle"/>
-          </a:ln>
-        </p:spPr>
-        <p:style>
-          <a:lnRef idx="1">
-            <a:schemeClr val="accent1"/>
-          </a:lnRef>
-          <a:fillRef idx="0">
-            <a:schemeClr val="accent1"/>
-          </a:fillRef>
-          <a:effectRef idx="0">
-            <a:schemeClr val="accent1"/>
-          </a:effectRef>
-          <a:fontRef idx="minor">
-            <a:schemeClr val="tx1"/>
-          </a:fontRef>
-        </p:style>
-      </p:cxnSp>
       <p:cxnSp>
         <p:nvCxnSpPr>
           <p:cNvPr id="46" name="Straight Arrow Connector 45">
@@ -8884,8 +8724,8 @@
         </p:nvCxnSpPr>
         <p:spPr>
           <a:xfrm flipH="1">
-            <a:off x="8575290" y="3348748"/>
-            <a:ext cx="954583" cy="545619"/>
+            <a:off x="8552955" y="3348748"/>
+            <a:ext cx="976919" cy="1061358"/>
           </a:xfrm>
           <a:prstGeom prst="straightConnector1">
             <a:avLst/>
@@ -10341,13 +10181,6 @@
             <a:pPr lvl="1"/>
             <a:r>
               <a:rPr lang="en-US" dirty="0"/>
-              <a:t>Copy constructor / copy assignment (only if really needed)</a:t>
-            </a:r>
-          </a:p>
-          <a:p>
-            <a:pPr lvl="1"/>
-            <a:r>
-              <a:rPr lang="en-US" dirty="0"/>
               <a:t>Get pointer of (</a:t>
             </a:r>
             <a:r>
@@ -10549,7 +10382,7 @@
             </a:r>
             <a:r>
               <a:rPr lang="en-US" dirty="0"/>
-              <a:t> are </a:t>
+              <a:t> are Tile&lt;</a:t>
             </a:r>
             <a:r>
               <a:rPr lang="en-US" dirty="0" err="1"/>
@@ -10557,7 +10390,7 @@
             </a:r>
             <a:r>
               <a:rPr lang="en-US" dirty="0"/>
-              <a:t> Tile&amp; and </a:t>
+              <a:t> T&gt;&amp; and </a:t>
             </a:r>
             <a:r>
               <a:rPr lang="en-US" dirty="0" err="1"/>
@@ -10565,50 +10398,7 @@
             </a:r>
             <a:r>
               <a:rPr lang="en-US" dirty="0"/>
-              <a:t> is Tile&amp;</a:t>
-            </a:r>
-          </a:p>
-          <a:p>
-            <a:pPr lvl="1"/>
-            <a:r>
-              <a:rPr lang="en-US" dirty="0" err="1"/>
-              <a:t>tile_a</a:t>
-            </a:r>
-            <a:r>
-              <a:rPr lang="en-US" dirty="0"/>
-              <a:t>, </a:t>
-            </a:r>
-            <a:r>
-              <a:rPr lang="en-US" dirty="0" err="1"/>
-              <a:t>tile_b</a:t>
-            </a:r>
-            <a:r>
-              <a:rPr lang="en-US" dirty="0"/>
-              <a:t> are </a:t>
-            </a:r>
-            <a:r>
-              <a:rPr lang="en-US" dirty="0" err="1"/>
-              <a:t>const</a:t>
-            </a:r>
-            <a:r>
-              <a:rPr lang="en-US" dirty="0"/>
-              <a:t> Wrapper&lt;</a:t>
-            </a:r>
-            <a:r>
-              <a:rPr lang="en-US"/>
-              <a:t>Tile&gt;&amp; </a:t>
-            </a:r>
-            <a:r>
-              <a:rPr lang="en-US" dirty="0"/>
-              <a:t>and </a:t>
-            </a:r>
-            <a:r>
-              <a:rPr lang="en-US" dirty="0" err="1"/>
-              <a:t>tile_c</a:t>
-            </a:r>
-            <a:r>
-              <a:rPr lang="en-US" dirty="0"/>
-              <a:t> is Wrapper&lt;Tile&gt;&amp;&amp;.</a:t>
+              <a:t> is Tile&lt;T&gt;&amp;</a:t>
             </a:r>
           </a:p>
           <a:p>
